--- a/物件導向程式設計/Marry Devops and cybersecurity.pptx
+++ b/物件導向程式設計/Marry Devops and cybersecurity.pptx
@@ -5,10 +5,10 @@
     <p:sldMasterId id="2147483672" r:id="rId4"/>
   </p:sldMasterIdLst>
   <p:notesMasterIdLst>
-    <p:notesMasterId r:id="rId19"/>
+    <p:notesMasterId r:id="rId20"/>
   </p:notesMasterIdLst>
   <p:handoutMasterIdLst>
-    <p:handoutMasterId r:id="rId20"/>
+    <p:handoutMasterId r:id="rId21"/>
   </p:handoutMasterIdLst>
   <p:sldIdLst>
     <p:sldId id="256" r:id="rId5"/>
@@ -21,10 +21,11 @@
     <p:sldId id="268" r:id="rId12"/>
     <p:sldId id="271" r:id="rId13"/>
     <p:sldId id="272" r:id="rId14"/>
-    <p:sldId id="261" r:id="rId15"/>
-    <p:sldId id="258" r:id="rId16"/>
-    <p:sldId id="260" r:id="rId17"/>
-    <p:sldId id="269" r:id="rId18"/>
+    <p:sldId id="273" r:id="rId15"/>
+    <p:sldId id="274" r:id="rId16"/>
+    <p:sldId id="275" r:id="rId17"/>
+    <p:sldId id="260" r:id="rId18"/>
+    <p:sldId id="269" r:id="rId19"/>
   </p:sldIdLst>
   <p:sldSz cx="12192000" cy="6858000"/>
   <p:notesSz cx="6858000" cy="9144000"/>
@@ -1628,755 +1629,6 @@
 </dgm:colorsDef>
 </file>
 
-<file path=ppt/diagrams/colors3.xml><?xml version="1.0" encoding="utf-8"?>
-<dgm:colorsDef xmlns:dgm="http://schemas.openxmlformats.org/drawingml/2006/diagram" xmlns:a="http://schemas.openxmlformats.org/drawingml/2006/main" uniqueId="urn:microsoft.com/office/officeart/2018/5/colors/Iconchunking_neutralbg_accent1_2">
-  <dgm:title val=""/>
-  <dgm:desc val=""/>
-  <dgm:catLst>
-    <dgm:cat type="accent1" pri="11200"/>
-  </dgm:catLst>
-  <dgm:styleLbl name="node0">
-    <dgm:fillClrLst meth="repeat">
-      <a:schemeClr val="accent1"/>
-    </dgm:fillClrLst>
-    <dgm:linClrLst meth="repeat">
-      <a:schemeClr val="lt1"/>
-    </dgm:linClrLst>
-    <dgm:effectClrLst/>
-    <dgm:txLinClrLst/>
-    <dgm:txFillClrLst/>
-    <dgm:txEffectClrLst/>
-  </dgm:styleLbl>
-  <dgm:styleLbl name="alignNode1">
-    <dgm:fillClrLst meth="repeat">
-      <a:schemeClr val="accent1"/>
-    </dgm:fillClrLst>
-    <dgm:linClrLst meth="repeat">
-      <a:schemeClr val="accent1"/>
-    </dgm:linClrLst>
-    <dgm:effectClrLst/>
-    <dgm:txLinClrLst/>
-    <dgm:txFillClrLst/>
-    <dgm:txEffectClrLst/>
-  </dgm:styleLbl>
-  <dgm:styleLbl name="node1">
-    <dgm:fillClrLst meth="repeat">
-      <a:schemeClr val="accent1"/>
-    </dgm:fillClrLst>
-    <dgm:linClrLst meth="repeat">
-      <a:schemeClr val="lt1">
-        <a:alpha val="0"/>
-      </a:schemeClr>
-    </dgm:linClrLst>
-    <dgm:effectClrLst/>
-    <dgm:txLinClrLst/>
-    <dgm:txFillClrLst/>
-    <dgm:txEffectClrLst/>
-  </dgm:styleLbl>
-  <dgm:styleLbl name="lnNode1">
-    <dgm:fillClrLst meth="repeat">
-      <a:schemeClr val="accent1"/>
-    </dgm:fillClrLst>
-    <dgm:linClrLst meth="repeat">
-      <a:schemeClr val="lt1"/>
-    </dgm:linClrLst>
-    <dgm:effectClrLst/>
-    <dgm:txLinClrLst/>
-    <dgm:txFillClrLst/>
-    <dgm:txEffectClrLst/>
-  </dgm:styleLbl>
-  <dgm:styleLbl name="vennNode1">
-    <dgm:fillClrLst meth="repeat">
-      <a:schemeClr val="accent1">
-        <a:alpha val="50000"/>
-      </a:schemeClr>
-    </dgm:fillClrLst>
-    <dgm:linClrLst meth="repeat">
-      <a:schemeClr val="lt1"/>
-    </dgm:linClrLst>
-    <dgm:effectClrLst/>
-    <dgm:txLinClrLst/>
-    <dgm:txFillClrLst/>
-    <dgm:txEffectClrLst/>
-  </dgm:styleLbl>
-  <dgm:styleLbl name="node2">
-    <dgm:fillClrLst meth="repeat">
-      <a:schemeClr val="accent1"/>
-    </dgm:fillClrLst>
-    <dgm:linClrLst meth="repeat">
-      <a:schemeClr val="lt1"/>
-    </dgm:linClrLst>
-    <dgm:effectClrLst/>
-    <dgm:txLinClrLst/>
-    <dgm:txFillClrLst/>
-    <dgm:txEffectClrLst/>
-  </dgm:styleLbl>
-  <dgm:styleLbl name="node3">
-    <dgm:fillClrLst meth="repeat">
-      <a:schemeClr val="accent1"/>
-    </dgm:fillClrLst>
-    <dgm:linClrLst meth="repeat">
-      <a:schemeClr val="lt1"/>
-    </dgm:linClrLst>
-    <dgm:effectClrLst/>
-    <dgm:txLinClrLst/>
-    <dgm:txFillClrLst/>
-    <dgm:txEffectClrLst/>
-  </dgm:styleLbl>
-  <dgm:styleLbl name="node4">
-    <dgm:fillClrLst meth="repeat">
-      <a:schemeClr val="accent1"/>
-    </dgm:fillClrLst>
-    <dgm:linClrLst meth="repeat">
-      <a:schemeClr val="lt1"/>
-    </dgm:linClrLst>
-    <dgm:effectClrLst/>
-    <dgm:txLinClrLst/>
-    <dgm:txFillClrLst/>
-    <dgm:txEffectClrLst/>
-  </dgm:styleLbl>
-  <dgm:styleLbl name="fgImgPlace1">
-    <dgm:fillClrLst meth="repeat">
-      <a:schemeClr val="accent1">
-        <a:tint val="50000"/>
-      </a:schemeClr>
-    </dgm:fillClrLst>
-    <dgm:linClrLst meth="repeat">
-      <a:schemeClr val="lt1"/>
-    </dgm:linClrLst>
-    <dgm:effectClrLst/>
-    <dgm:txLinClrLst/>
-    <dgm:txFillClrLst meth="repeat">
-      <a:schemeClr val="lt1"/>
-    </dgm:txFillClrLst>
-    <dgm:txEffectClrLst/>
-  </dgm:styleLbl>
-  <dgm:styleLbl name="alignImgPlace1">
-    <dgm:fillClrLst meth="repeat">
-      <a:schemeClr val="accent1">
-        <a:tint val="50000"/>
-      </a:schemeClr>
-    </dgm:fillClrLst>
-    <dgm:linClrLst meth="repeat">
-      <a:schemeClr val="lt1"/>
-    </dgm:linClrLst>
-    <dgm:effectClrLst/>
-    <dgm:txLinClrLst/>
-    <dgm:txFillClrLst meth="repeat">
-      <a:schemeClr val="lt1"/>
-    </dgm:txFillClrLst>
-    <dgm:txEffectClrLst/>
-  </dgm:styleLbl>
-  <dgm:styleLbl name="bgImgPlace1">
-    <dgm:fillClrLst meth="repeat">
-      <a:schemeClr val="accent1">
-        <a:tint val="50000"/>
-      </a:schemeClr>
-    </dgm:fillClrLst>
-    <dgm:linClrLst meth="repeat">
-      <a:schemeClr val="lt1"/>
-    </dgm:linClrLst>
-    <dgm:effectClrLst/>
-    <dgm:txLinClrLst/>
-    <dgm:txFillClrLst meth="repeat">
-      <a:schemeClr val="lt1"/>
-    </dgm:txFillClrLst>
-    <dgm:txEffectClrLst/>
-  </dgm:styleLbl>
-  <dgm:styleLbl name="sibTrans2D1">
-    <dgm:fillClrLst meth="repeat">
-      <a:schemeClr val="accent1">
-        <a:tint val="60000"/>
-      </a:schemeClr>
-    </dgm:fillClrLst>
-    <dgm:linClrLst meth="repeat">
-      <a:schemeClr val="accent1">
-        <a:tint val="60000"/>
-      </a:schemeClr>
-    </dgm:linClrLst>
-    <dgm:effectClrLst/>
-    <dgm:txLinClrLst/>
-    <dgm:txFillClrLst/>
-    <dgm:txEffectClrLst/>
-  </dgm:styleLbl>
-  <dgm:styleLbl name="fgSibTrans2D1">
-    <dgm:fillClrLst meth="repeat">
-      <a:schemeClr val="accent1">
-        <a:tint val="60000"/>
-      </a:schemeClr>
-    </dgm:fillClrLst>
-    <dgm:linClrLst meth="repeat">
-      <a:schemeClr val="accent1">
-        <a:tint val="60000"/>
-      </a:schemeClr>
-    </dgm:linClrLst>
-    <dgm:effectClrLst/>
-    <dgm:txLinClrLst/>
-    <dgm:txFillClrLst/>
-    <dgm:txEffectClrLst/>
-  </dgm:styleLbl>
-  <dgm:styleLbl name="bgSibTrans2D1">
-    <dgm:fillClrLst meth="repeat">
-      <a:schemeClr val="accent1">
-        <a:tint val="60000"/>
-      </a:schemeClr>
-    </dgm:fillClrLst>
-    <dgm:linClrLst meth="repeat">
-      <a:schemeClr val="accent1">
-        <a:tint val="60000"/>
-      </a:schemeClr>
-    </dgm:linClrLst>
-    <dgm:effectClrLst/>
-    <dgm:txLinClrLst/>
-    <dgm:txFillClrLst/>
-    <dgm:txEffectClrLst/>
-  </dgm:styleLbl>
-  <dgm:styleLbl name="sibTrans1D1">
-    <dgm:fillClrLst meth="repeat">
-      <a:schemeClr val="accent1"/>
-    </dgm:fillClrLst>
-    <dgm:linClrLst meth="repeat">
-      <a:schemeClr val="accent1"/>
-    </dgm:linClrLst>
-    <dgm:effectClrLst/>
-    <dgm:txLinClrLst/>
-    <dgm:txFillClrLst meth="repeat">
-      <a:schemeClr val="tx1"/>
-    </dgm:txFillClrLst>
-    <dgm:txEffectClrLst/>
-  </dgm:styleLbl>
-  <dgm:styleLbl name="callout">
-    <dgm:fillClrLst meth="repeat">
-      <a:schemeClr val="accent1"/>
-    </dgm:fillClrLst>
-    <dgm:linClrLst meth="repeat">
-      <a:schemeClr val="accent1">
-        <a:tint val="50000"/>
-      </a:schemeClr>
-    </dgm:linClrLst>
-    <dgm:effectClrLst/>
-    <dgm:txLinClrLst/>
-    <dgm:txFillClrLst meth="repeat">
-      <a:schemeClr val="tx1"/>
-    </dgm:txFillClrLst>
-    <dgm:txEffectClrLst/>
-  </dgm:styleLbl>
-  <dgm:styleLbl name="asst0">
-    <dgm:fillClrLst meth="repeat">
-      <a:schemeClr val="accent1"/>
-    </dgm:fillClrLst>
-    <dgm:linClrLst meth="repeat">
-      <a:schemeClr val="lt1"/>
-    </dgm:linClrLst>
-    <dgm:effectClrLst/>
-    <dgm:txLinClrLst/>
-    <dgm:txFillClrLst/>
-    <dgm:txEffectClrLst/>
-  </dgm:styleLbl>
-  <dgm:styleLbl name="asst1">
-    <dgm:fillClrLst meth="repeat">
-      <a:schemeClr val="accent1"/>
-    </dgm:fillClrLst>
-    <dgm:linClrLst meth="repeat">
-      <a:schemeClr val="lt1"/>
-    </dgm:linClrLst>
-    <dgm:effectClrLst/>
-    <dgm:txLinClrLst/>
-    <dgm:txFillClrLst/>
-    <dgm:txEffectClrLst/>
-  </dgm:styleLbl>
-  <dgm:styleLbl name="asst2">
-    <dgm:fillClrLst meth="repeat">
-      <a:schemeClr val="accent1"/>
-    </dgm:fillClrLst>
-    <dgm:linClrLst meth="repeat">
-      <a:schemeClr val="lt1"/>
-    </dgm:linClrLst>
-    <dgm:effectClrLst/>
-    <dgm:txLinClrLst/>
-    <dgm:txFillClrLst/>
-    <dgm:txEffectClrLst/>
-  </dgm:styleLbl>
-  <dgm:styleLbl name="asst3">
-    <dgm:fillClrLst meth="repeat">
-      <a:schemeClr val="accent1"/>
-    </dgm:fillClrLst>
-    <dgm:linClrLst meth="repeat">
-      <a:schemeClr val="lt1"/>
-    </dgm:linClrLst>
-    <dgm:effectClrLst/>
-    <dgm:txLinClrLst/>
-    <dgm:txFillClrLst/>
-    <dgm:txEffectClrLst/>
-  </dgm:styleLbl>
-  <dgm:styleLbl name="asst4">
-    <dgm:fillClrLst meth="repeat">
-      <a:schemeClr val="accent1"/>
-    </dgm:fillClrLst>
-    <dgm:linClrLst meth="repeat">
-      <a:schemeClr val="lt1"/>
-    </dgm:linClrLst>
-    <dgm:effectClrLst/>
-    <dgm:txLinClrLst/>
-    <dgm:txFillClrLst/>
-    <dgm:txEffectClrLst/>
-  </dgm:styleLbl>
-  <dgm:styleLbl name="parChTrans2D1">
-    <dgm:fillClrLst meth="repeat">
-      <a:schemeClr val="accent1">
-        <a:tint val="60000"/>
-      </a:schemeClr>
-    </dgm:fillClrLst>
-    <dgm:linClrLst meth="repeat">
-      <a:schemeClr val="accent1">
-        <a:tint val="60000"/>
-      </a:schemeClr>
-    </dgm:linClrLst>
-    <dgm:effectClrLst/>
-    <dgm:txLinClrLst/>
-    <dgm:txFillClrLst meth="repeat">
-      <a:schemeClr val="lt1"/>
-    </dgm:txFillClrLst>
-    <dgm:txEffectClrLst/>
-  </dgm:styleLbl>
-  <dgm:styleLbl name="parChTrans2D2">
-    <dgm:fillClrLst meth="repeat">
-      <a:schemeClr val="accent1"/>
-    </dgm:fillClrLst>
-    <dgm:linClrLst meth="repeat">
-      <a:schemeClr val="accent1"/>
-    </dgm:linClrLst>
-    <dgm:effectClrLst/>
-    <dgm:txLinClrLst/>
-    <dgm:txFillClrLst meth="repeat">
-      <a:schemeClr val="lt1"/>
-    </dgm:txFillClrLst>
-    <dgm:txEffectClrLst/>
-  </dgm:styleLbl>
-  <dgm:styleLbl name="parChTrans2D3">
-    <dgm:fillClrLst meth="repeat">
-      <a:schemeClr val="accent1"/>
-    </dgm:fillClrLst>
-    <dgm:linClrLst meth="repeat">
-      <a:schemeClr val="accent1"/>
-    </dgm:linClrLst>
-    <dgm:effectClrLst/>
-    <dgm:txLinClrLst/>
-    <dgm:txFillClrLst meth="repeat">
-      <a:schemeClr val="lt1"/>
-    </dgm:txFillClrLst>
-    <dgm:txEffectClrLst/>
-  </dgm:styleLbl>
-  <dgm:styleLbl name="parChTrans2D4">
-    <dgm:fillClrLst meth="repeat">
-      <a:schemeClr val="accent1"/>
-    </dgm:fillClrLst>
-    <dgm:linClrLst meth="repeat">
-      <a:schemeClr val="accent1"/>
-    </dgm:linClrLst>
-    <dgm:effectClrLst/>
-    <dgm:txLinClrLst/>
-    <dgm:txFillClrLst meth="repeat">
-      <a:schemeClr val="lt1"/>
-    </dgm:txFillClrLst>
-    <dgm:txEffectClrLst/>
-  </dgm:styleLbl>
-  <dgm:styleLbl name="parChTrans1D1">
-    <dgm:fillClrLst meth="repeat">
-      <a:schemeClr val="accent1"/>
-    </dgm:fillClrLst>
-    <dgm:linClrLst meth="repeat">
-      <a:schemeClr val="accent1">
-        <a:shade val="60000"/>
-      </a:schemeClr>
-    </dgm:linClrLst>
-    <dgm:effectClrLst/>
-    <dgm:txLinClrLst/>
-    <dgm:txFillClrLst meth="repeat">
-      <a:schemeClr val="tx1"/>
-    </dgm:txFillClrLst>
-    <dgm:txEffectClrLst/>
-  </dgm:styleLbl>
-  <dgm:styleLbl name="parChTrans1D2">
-    <dgm:fillClrLst meth="repeat">
-      <a:schemeClr val="accent1"/>
-    </dgm:fillClrLst>
-    <dgm:linClrLst meth="repeat">
-      <a:schemeClr val="accent1">
-        <a:shade val="60000"/>
-      </a:schemeClr>
-    </dgm:linClrLst>
-    <dgm:effectClrLst/>
-    <dgm:txLinClrLst/>
-    <dgm:txFillClrLst meth="repeat">
-      <a:schemeClr val="tx1"/>
-    </dgm:txFillClrLst>
-    <dgm:txEffectClrLst/>
-  </dgm:styleLbl>
-  <dgm:styleLbl name="parChTrans1D3">
-    <dgm:fillClrLst meth="repeat">
-      <a:schemeClr val="accent1"/>
-    </dgm:fillClrLst>
-    <dgm:linClrLst meth="repeat">
-      <a:schemeClr val="accent1">
-        <a:shade val="80000"/>
-      </a:schemeClr>
-    </dgm:linClrLst>
-    <dgm:effectClrLst/>
-    <dgm:txLinClrLst/>
-    <dgm:txFillClrLst meth="repeat">
-      <a:schemeClr val="tx1"/>
-    </dgm:txFillClrLst>
-    <dgm:txEffectClrLst/>
-  </dgm:styleLbl>
-  <dgm:styleLbl name="parChTrans1D4">
-    <dgm:fillClrLst meth="repeat">
-      <a:schemeClr val="accent1"/>
-    </dgm:fillClrLst>
-    <dgm:linClrLst meth="repeat">
-      <a:schemeClr val="accent1">
-        <a:shade val="80000"/>
-      </a:schemeClr>
-    </dgm:linClrLst>
-    <dgm:effectClrLst/>
-    <dgm:txLinClrLst/>
-    <dgm:txFillClrLst meth="repeat">
-      <a:schemeClr val="tx1"/>
-    </dgm:txFillClrLst>
-    <dgm:txEffectClrLst/>
-  </dgm:styleLbl>
-  <dgm:styleLbl name="fgAcc1">
-    <dgm:fillClrLst meth="repeat">
-      <a:schemeClr val="lt1">
-        <a:alpha val="90000"/>
-      </a:schemeClr>
-    </dgm:fillClrLst>
-    <dgm:linClrLst meth="repeat">
-      <a:schemeClr val="accent1"/>
-    </dgm:linClrLst>
-    <dgm:effectClrLst/>
-    <dgm:txLinClrLst/>
-    <dgm:txFillClrLst meth="repeat">
-      <a:schemeClr val="dk1"/>
-    </dgm:txFillClrLst>
-    <dgm:txEffectClrLst/>
-  </dgm:styleLbl>
-  <dgm:styleLbl name="conFgAcc1">
-    <dgm:fillClrLst meth="repeat">
-      <a:schemeClr val="lt1">
-        <a:alpha val="90000"/>
-      </a:schemeClr>
-    </dgm:fillClrLst>
-    <dgm:linClrLst meth="repeat">
-      <a:schemeClr val="accent1"/>
-    </dgm:linClrLst>
-    <dgm:effectClrLst/>
-    <dgm:txLinClrLst/>
-    <dgm:txFillClrLst meth="repeat">
-      <a:schemeClr val="dk1"/>
-    </dgm:txFillClrLst>
-    <dgm:txEffectClrLst/>
-  </dgm:styleLbl>
-  <dgm:styleLbl name="alignAcc1">
-    <dgm:fillClrLst meth="repeat">
-      <a:schemeClr val="lt1">
-        <a:alpha val="90000"/>
-      </a:schemeClr>
-    </dgm:fillClrLst>
-    <dgm:linClrLst meth="repeat">
-      <a:schemeClr val="accent1"/>
-    </dgm:linClrLst>
-    <dgm:effectClrLst/>
-    <dgm:txLinClrLst/>
-    <dgm:txFillClrLst meth="repeat">
-      <a:schemeClr val="dk1"/>
-    </dgm:txFillClrLst>
-    <dgm:txEffectClrLst/>
-  </dgm:styleLbl>
-  <dgm:styleLbl name="trAlignAcc1">
-    <dgm:fillClrLst meth="repeat">
-      <a:schemeClr val="lt1">
-        <a:alpha val="40000"/>
-      </a:schemeClr>
-    </dgm:fillClrLst>
-    <dgm:linClrLst meth="repeat">
-      <a:schemeClr val="accent1"/>
-    </dgm:linClrLst>
-    <dgm:effectClrLst/>
-    <dgm:txLinClrLst/>
-    <dgm:txFillClrLst meth="repeat">
-      <a:schemeClr val="dk1"/>
-    </dgm:txFillClrLst>
-    <dgm:txEffectClrLst/>
-  </dgm:styleLbl>
-  <dgm:styleLbl name="bgAcc1">
-    <dgm:fillClrLst meth="repeat">
-      <a:schemeClr val="lt1">
-        <a:alpha val="90000"/>
-      </a:schemeClr>
-    </dgm:fillClrLst>
-    <dgm:linClrLst meth="repeat">
-      <a:schemeClr val="accent1"/>
-    </dgm:linClrLst>
-    <dgm:effectClrLst/>
-    <dgm:txLinClrLst/>
-    <dgm:txFillClrLst meth="repeat">
-      <a:schemeClr val="dk1"/>
-    </dgm:txFillClrLst>
-    <dgm:txEffectClrLst/>
-  </dgm:styleLbl>
-  <dgm:styleLbl name="solidFgAcc1">
-    <dgm:fillClrLst meth="repeat">
-      <a:schemeClr val="lt1"/>
-    </dgm:fillClrLst>
-    <dgm:linClrLst meth="repeat">
-      <a:schemeClr val="accent1"/>
-    </dgm:linClrLst>
-    <dgm:effectClrLst/>
-    <dgm:txLinClrLst/>
-    <dgm:txFillClrLst meth="repeat">
-      <a:schemeClr val="dk1"/>
-    </dgm:txFillClrLst>
-    <dgm:txEffectClrLst/>
-  </dgm:styleLbl>
-  <dgm:styleLbl name="solidAlignAcc1">
-    <dgm:fillClrLst meth="repeat">
-      <a:schemeClr val="lt1"/>
-    </dgm:fillClrLst>
-    <dgm:linClrLst meth="repeat">
-      <a:schemeClr val="accent1"/>
-    </dgm:linClrLst>
-    <dgm:effectClrLst/>
-    <dgm:txLinClrLst/>
-    <dgm:txFillClrLst meth="repeat">
-      <a:schemeClr val="dk1"/>
-    </dgm:txFillClrLst>
-    <dgm:txEffectClrLst/>
-  </dgm:styleLbl>
-  <dgm:styleLbl name="solidBgAcc1">
-    <dgm:fillClrLst meth="repeat">
-      <a:schemeClr val="lt1"/>
-    </dgm:fillClrLst>
-    <dgm:linClrLst meth="repeat">
-      <a:schemeClr val="accent1"/>
-    </dgm:linClrLst>
-    <dgm:effectClrLst/>
-    <dgm:txLinClrLst/>
-    <dgm:txFillClrLst meth="repeat">
-      <a:schemeClr val="dk1"/>
-    </dgm:txFillClrLst>
-    <dgm:txEffectClrLst/>
-  </dgm:styleLbl>
-  <dgm:styleLbl name="fgAccFollowNode1">
-    <dgm:fillClrLst meth="repeat">
-      <a:schemeClr val="accent1">
-        <a:alpha val="90000"/>
-        <a:tint val="40000"/>
-      </a:schemeClr>
-    </dgm:fillClrLst>
-    <dgm:linClrLst meth="repeat">
-      <a:schemeClr val="accent1">
-        <a:alpha val="90000"/>
-        <a:tint val="40000"/>
-      </a:schemeClr>
-    </dgm:linClrLst>
-    <dgm:effectClrLst/>
-    <dgm:txLinClrLst/>
-    <dgm:txFillClrLst meth="repeat">
-      <a:schemeClr val="dk1"/>
-    </dgm:txFillClrLst>
-    <dgm:txEffectClrLst/>
-  </dgm:styleLbl>
-  <dgm:styleLbl name="alignAccFollowNode1">
-    <dgm:fillClrLst meth="repeat">
-      <a:schemeClr val="accent1">
-        <a:alpha val="90000"/>
-        <a:tint val="40000"/>
-      </a:schemeClr>
-    </dgm:fillClrLst>
-    <dgm:linClrLst meth="repeat">
-      <a:schemeClr val="accent1">
-        <a:alpha val="90000"/>
-        <a:tint val="40000"/>
-      </a:schemeClr>
-    </dgm:linClrLst>
-    <dgm:effectClrLst/>
-    <dgm:txLinClrLst/>
-    <dgm:txFillClrLst meth="repeat">
-      <a:schemeClr val="dk1"/>
-    </dgm:txFillClrLst>
-    <dgm:txEffectClrLst/>
-  </dgm:styleLbl>
-  <dgm:styleLbl name="bgAccFollowNode1">
-    <dgm:fillClrLst meth="repeat">
-      <a:schemeClr val="accent1">
-        <a:alpha val="90000"/>
-        <a:tint val="40000"/>
-      </a:schemeClr>
-    </dgm:fillClrLst>
-    <dgm:linClrLst meth="repeat">
-      <a:schemeClr val="accent1">
-        <a:alpha val="90000"/>
-        <a:tint val="40000"/>
-      </a:schemeClr>
-    </dgm:linClrLst>
-    <dgm:effectClrLst/>
-    <dgm:txLinClrLst/>
-    <dgm:txFillClrLst meth="repeat">
-      <a:schemeClr val="dk1"/>
-    </dgm:txFillClrLst>
-    <dgm:txEffectClrLst/>
-  </dgm:styleLbl>
-  <dgm:styleLbl name="fgAcc0">
-    <dgm:fillClrLst meth="repeat">
-      <a:schemeClr val="lt1">
-        <a:alpha val="90000"/>
-      </a:schemeClr>
-    </dgm:fillClrLst>
-    <dgm:linClrLst meth="repeat">
-      <a:schemeClr val="accent1"/>
-    </dgm:linClrLst>
-    <dgm:effectClrLst/>
-    <dgm:txLinClrLst/>
-    <dgm:txFillClrLst meth="repeat">
-      <a:schemeClr val="dk1"/>
-    </dgm:txFillClrLst>
-    <dgm:txEffectClrLst/>
-  </dgm:styleLbl>
-  <dgm:styleLbl name="fgAcc2">
-    <dgm:fillClrLst meth="repeat">
-      <a:schemeClr val="lt1">
-        <a:alpha val="90000"/>
-      </a:schemeClr>
-    </dgm:fillClrLst>
-    <dgm:linClrLst meth="repeat">
-      <a:schemeClr val="accent1"/>
-    </dgm:linClrLst>
-    <dgm:effectClrLst/>
-    <dgm:txLinClrLst/>
-    <dgm:txFillClrLst meth="repeat">
-      <a:schemeClr val="dk1"/>
-    </dgm:txFillClrLst>
-    <dgm:txEffectClrLst/>
-  </dgm:styleLbl>
-  <dgm:styleLbl name="fgAcc3">
-    <dgm:fillClrLst meth="repeat">
-      <a:schemeClr val="lt1">
-        <a:alpha val="90000"/>
-      </a:schemeClr>
-    </dgm:fillClrLst>
-    <dgm:linClrLst meth="repeat">
-      <a:schemeClr val="accent1"/>
-    </dgm:linClrLst>
-    <dgm:effectClrLst/>
-    <dgm:txLinClrLst/>
-    <dgm:txFillClrLst meth="repeat">
-      <a:schemeClr val="dk1"/>
-    </dgm:txFillClrLst>
-    <dgm:txEffectClrLst/>
-  </dgm:styleLbl>
-  <dgm:styleLbl name="fgAcc4">
-    <dgm:fillClrLst meth="repeat">
-      <a:schemeClr val="lt1">
-        <a:alpha val="90000"/>
-      </a:schemeClr>
-    </dgm:fillClrLst>
-    <dgm:linClrLst meth="repeat">
-      <a:schemeClr val="accent1"/>
-    </dgm:linClrLst>
-    <dgm:effectClrLst/>
-    <dgm:txLinClrLst/>
-    <dgm:txFillClrLst meth="repeat">
-      <a:schemeClr val="dk1"/>
-    </dgm:txFillClrLst>
-    <dgm:txEffectClrLst/>
-  </dgm:styleLbl>
-  <dgm:styleLbl name="bgShp">
-    <dgm:fillClrLst meth="repeat">
-      <a:schemeClr val="bg1">
-        <a:lumMod val="95000"/>
-      </a:schemeClr>
-    </dgm:fillClrLst>
-    <dgm:linClrLst meth="repeat">
-      <a:schemeClr val="accent1"/>
-    </dgm:linClrLst>
-    <dgm:effectClrLst/>
-    <dgm:txLinClrLst/>
-    <dgm:txFillClrLst meth="repeat">
-      <a:schemeClr val="dk1"/>
-    </dgm:txFillClrLst>
-    <dgm:txEffectClrLst/>
-  </dgm:styleLbl>
-  <dgm:styleLbl name="dkBgShp">
-    <dgm:fillClrLst meth="repeat">
-      <a:schemeClr val="accent1">
-        <a:shade val="80000"/>
-      </a:schemeClr>
-    </dgm:fillClrLst>
-    <dgm:linClrLst meth="repeat">
-      <a:schemeClr val="accent1"/>
-    </dgm:linClrLst>
-    <dgm:effectClrLst/>
-    <dgm:txLinClrLst/>
-    <dgm:txFillClrLst meth="repeat">
-      <a:schemeClr val="lt1"/>
-    </dgm:txFillClrLst>
-    <dgm:txEffectClrLst/>
-  </dgm:styleLbl>
-  <dgm:styleLbl name="trBgShp">
-    <dgm:fillClrLst meth="repeat">
-      <a:schemeClr val="accent1">
-        <a:tint val="50000"/>
-        <a:alpha val="40000"/>
-      </a:schemeClr>
-    </dgm:fillClrLst>
-    <dgm:linClrLst meth="repeat">
-      <a:schemeClr val="accent1"/>
-    </dgm:linClrLst>
-    <dgm:effectClrLst/>
-    <dgm:txLinClrLst/>
-    <dgm:txFillClrLst meth="repeat">
-      <a:schemeClr val="lt1"/>
-    </dgm:txFillClrLst>
-    <dgm:txEffectClrLst/>
-  </dgm:styleLbl>
-  <dgm:styleLbl name="fgShp">
-    <dgm:fillClrLst meth="repeat">
-      <a:schemeClr val="accent1">
-        <a:tint val="60000"/>
-      </a:schemeClr>
-    </dgm:fillClrLst>
-    <dgm:linClrLst meth="repeat">
-      <a:schemeClr val="lt1"/>
-    </dgm:linClrLst>
-    <dgm:effectClrLst/>
-    <dgm:txLinClrLst/>
-    <dgm:txFillClrLst meth="repeat">
-      <a:schemeClr val="dk1"/>
-    </dgm:txFillClrLst>
-    <dgm:txEffectClrLst/>
-  </dgm:styleLbl>
-  <dgm:styleLbl name="revTx">
-    <dgm:fillClrLst meth="repeat">
-      <a:schemeClr val="lt1">
-        <a:alpha val="0"/>
-      </a:schemeClr>
-    </dgm:fillClrLst>
-    <dgm:linClrLst meth="repeat">
-      <a:schemeClr val="dk1">
-        <a:alpha val="0"/>
-      </a:schemeClr>
-    </dgm:linClrLst>
-    <dgm:effectClrLst/>
-    <dgm:txLinClrLst/>
-    <dgm:txFillClrLst meth="repeat">
-      <a:schemeClr val="tx1"/>
-    </dgm:txFillClrLst>
-    <dgm:txEffectClrLst/>
-  </dgm:styleLbl>
-</dgm:colorsDef>
-</file>
-
 <file path=ppt/diagrams/data1.xml><?xml version="1.0" encoding="utf-8"?>
 <dgm:dataModel xmlns:dgm="http://schemas.openxmlformats.org/drawingml/2006/diagram" xmlns:a="http://schemas.openxmlformats.org/drawingml/2006/main">
   <dgm:ptLst>
@@ -3159,344 +2411,6 @@
   <dgm:extLst>
     <a:ext uri="http://schemas.microsoft.com/office/drawing/2008/diagram">
       <dsp:dataModelExt xmlns:dsp="http://schemas.microsoft.com/office/drawing/2008/diagram" relId="rId6" minVer="http://schemas.openxmlformats.org/drawingml/2006/diagram"/>
-    </a:ext>
-  </dgm:extLst>
-</dgm:dataModel>
-</file>
-
-<file path=ppt/diagrams/data3.xml><?xml version="1.0" encoding="utf-8"?>
-<dgm:dataModel xmlns:dgm="http://schemas.openxmlformats.org/drawingml/2006/diagram" xmlns:a="http://schemas.openxmlformats.org/drawingml/2006/main">
-  <dgm:ptLst>
-    <dgm:pt modelId="{7D9C16A6-8C48-4165-8DAF-8C957C12A8FA}" type="doc">
-      <dgm:prSet loTypeId="urn:microsoft.com/office/officeart/2018/5/layout/IconCircleLabelList" loCatId="icon" qsTypeId="urn:microsoft.com/office/officeart/2005/8/quickstyle/simple1" qsCatId="simple" csTypeId="urn:microsoft.com/office/officeart/2018/5/colors/Iconchunking_neutralbg_accent1_2" csCatId="accent1" phldr="1"/>
-      <dgm:spPr/>
-    </dgm:pt>
-    <dgm:pt modelId="{701D68F5-42F8-47BC-8FED-84C50F595DF0}">
-      <dgm:prSet phldrT="[Text]"/>
-      <dgm:spPr/>
-      <dgm:t>
-        <a:bodyPr/>
-        <a:lstStyle/>
-        <a:p>
-          <a:pPr>
-            <a:lnSpc>
-              <a:spcPct val="100000"/>
-            </a:lnSpc>
-            <a:defRPr cap="all"/>
-          </a:pPr>
-          <a:r>
-            <a:rPr lang="en-ZA" dirty="0"/>
-            <a:t>Network</a:t>
-          </a:r>
-          <a:endParaRPr lang="en-US" dirty="0"/>
-        </a:p>
-      </dgm:t>
-    </dgm:pt>
-    <dgm:pt modelId="{9617668C-C38C-4017-8DDF-37855B15D110}" type="parTrans" cxnId="{C4BA385D-31ED-40EF-A5D6-98DFBA64E71A}">
-      <dgm:prSet/>
-      <dgm:spPr/>
-      <dgm:t>
-        <a:bodyPr/>
-        <a:lstStyle/>
-        <a:p>
-          <a:endParaRPr lang="en-US"/>
-        </a:p>
-      </dgm:t>
-    </dgm:pt>
-    <dgm:pt modelId="{0C95B389-AC0C-4055-9AA3-38815EFC8B0A}" type="sibTrans" cxnId="{C4BA385D-31ED-40EF-A5D6-98DFBA64E71A}">
-      <dgm:prSet/>
-      <dgm:spPr/>
-      <dgm:t>
-        <a:bodyPr/>
-        <a:lstStyle/>
-        <a:p>
-          <a:endParaRPr lang="en-US"/>
-        </a:p>
-      </dgm:t>
-    </dgm:pt>
-    <dgm:pt modelId="{91A66877-AC1C-46D9-BF2C-6024B638DEA9}">
-      <dgm:prSet phldrT="[Text]"/>
-      <dgm:spPr/>
-      <dgm:t>
-        <a:bodyPr/>
-        <a:lstStyle/>
-        <a:p>
-          <a:pPr>
-            <a:lnSpc>
-              <a:spcPct val="100000"/>
-            </a:lnSpc>
-            <a:defRPr cap="all"/>
-          </a:pPr>
-          <a:r>
-            <a:rPr lang="en-US" dirty="0"/>
-            <a:t>Satellite</a:t>
-          </a:r>
-        </a:p>
-      </dgm:t>
-    </dgm:pt>
-    <dgm:pt modelId="{913FED05-DF41-48A7-B1F8-81937A468EF9}" type="parTrans" cxnId="{7F0DAB6F-9257-4F2D-B31A-3418F73F6952}">
-      <dgm:prSet/>
-      <dgm:spPr/>
-      <dgm:t>
-        <a:bodyPr/>
-        <a:lstStyle/>
-        <a:p>
-          <a:endParaRPr lang="en-US"/>
-        </a:p>
-      </dgm:t>
-    </dgm:pt>
-    <dgm:pt modelId="{BFCE4A28-C381-46FF-935A-B11534EF7D87}" type="sibTrans" cxnId="{7F0DAB6F-9257-4F2D-B31A-3418F73F6952}">
-      <dgm:prSet/>
-      <dgm:spPr/>
-      <dgm:t>
-        <a:bodyPr/>
-        <a:lstStyle/>
-        <a:p>
-          <a:endParaRPr lang="en-US"/>
-        </a:p>
-      </dgm:t>
-    </dgm:pt>
-    <dgm:pt modelId="{76CC3289-2662-43F0-A3C6-BA04A135F08C}">
-      <dgm:prSet phldrT="[Text]"/>
-      <dgm:spPr/>
-      <dgm:t>
-        <a:bodyPr/>
-        <a:lstStyle/>
-        <a:p>
-          <a:pPr>
-            <a:lnSpc>
-              <a:spcPct val="100000"/>
-            </a:lnSpc>
-            <a:defRPr cap="all"/>
-          </a:pPr>
-          <a:r>
-            <a:rPr lang="en-US" dirty="0"/>
-            <a:t>Link</a:t>
-          </a:r>
-        </a:p>
-      </dgm:t>
-    </dgm:pt>
-    <dgm:pt modelId="{D46DB4DA-1442-4ECE-89FE-BBB1E3489E3D}" type="parTrans" cxnId="{0400886E-8A1A-44C2-95A7-DB0EF4911494}">
-      <dgm:prSet/>
-      <dgm:spPr/>
-      <dgm:t>
-        <a:bodyPr/>
-        <a:lstStyle/>
-        <a:p>
-          <a:endParaRPr lang="en-US"/>
-        </a:p>
-      </dgm:t>
-    </dgm:pt>
-    <dgm:pt modelId="{FA28C9D6-476E-43CD-BA23-D6D990FD78D0}" type="sibTrans" cxnId="{0400886E-8A1A-44C2-95A7-DB0EF4911494}">
-      <dgm:prSet/>
-      <dgm:spPr/>
-      <dgm:t>
-        <a:bodyPr/>
-        <a:lstStyle/>
-        <a:p>
-          <a:endParaRPr lang="en-US"/>
-        </a:p>
-      </dgm:t>
-    </dgm:pt>
-    <dgm:pt modelId="{25C14C25-2A98-4731-B0BF-677AD8191C30}" type="pres">
-      <dgm:prSet presAssocID="{7D9C16A6-8C48-4165-8DAF-8C957C12A8FA}" presName="root" presStyleCnt="0">
-        <dgm:presLayoutVars>
-          <dgm:dir/>
-          <dgm:resizeHandles val="exact"/>
-        </dgm:presLayoutVars>
-      </dgm:prSet>
-      <dgm:spPr/>
-    </dgm:pt>
-    <dgm:pt modelId="{76750689-6C12-4D36-8474-BFC5C125B35E}" type="pres">
-      <dgm:prSet presAssocID="{701D68F5-42F8-47BC-8FED-84C50F595DF0}" presName="compNode" presStyleCnt="0"/>
-      <dgm:spPr/>
-    </dgm:pt>
-    <dgm:pt modelId="{A39E2924-EA9B-47F3-B732-8814DF65E2EC}" type="pres">
-      <dgm:prSet presAssocID="{701D68F5-42F8-47BC-8FED-84C50F595DF0}" presName="iconBgRect" presStyleLbl="bgShp" presStyleIdx="0" presStyleCnt="3"/>
-      <dgm:spPr/>
-    </dgm:pt>
-    <dgm:pt modelId="{55BDA980-9151-47FF-AF00-AFF61BF7329A}" type="pres">
-      <dgm:prSet presAssocID="{701D68F5-42F8-47BC-8FED-84C50F595DF0}" presName="iconRect" presStyleLbl="node1" presStyleIdx="0" presStyleCnt="3"/>
-      <dgm:spPr>
-        <a:blipFill>
-          <a:blip xmlns:r="http://schemas.openxmlformats.org/officeDocument/2006/relationships" r:embed="rId1">
-            <a:extLst>
-              <a:ext uri="{28A0092B-C50C-407E-A947-70E740481C1C}">
-                <a14:useLocalDpi xmlns:a14="http://schemas.microsoft.com/office/drawing/2010/main" val="0"/>
-              </a:ext>
-              <a:ext uri="{96DAC541-7B7A-43D3-8B79-37D633B846F1}">
-                <asvg:svgBlip xmlns:asvg="http://schemas.microsoft.com/office/drawing/2016/SVG/main" r:embed="rId2"/>
-              </a:ext>
-            </a:extLst>
-          </a:blip>
-          <a:stretch>
-            <a:fillRect/>
-          </a:stretch>
-        </a:blipFill>
-        <a:ln>
-          <a:noFill/>
-        </a:ln>
-      </dgm:spPr>
-      <dgm:extLst>
-        <a:ext uri="{E40237B7-FDA0-4F09-8148-C483321AD2D9}">
-          <dgm14:cNvPr xmlns:dgm14="http://schemas.microsoft.com/office/drawing/2010/diagram" id="0" name="" descr="Network"/>
-        </a:ext>
-      </dgm:extLst>
-    </dgm:pt>
-    <dgm:pt modelId="{6813E287-6A9E-4A4E-8848-6B5E098C015B}" type="pres">
-      <dgm:prSet presAssocID="{701D68F5-42F8-47BC-8FED-84C50F595DF0}" presName="spaceRect" presStyleCnt="0"/>
-      <dgm:spPr/>
-    </dgm:pt>
-    <dgm:pt modelId="{29C7C433-EF2A-4A44-BC53-B7211D27668D}" type="pres">
-      <dgm:prSet presAssocID="{701D68F5-42F8-47BC-8FED-84C50F595DF0}" presName="textRect" presStyleLbl="revTx" presStyleIdx="0" presStyleCnt="3">
-        <dgm:presLayoutVars>
-          <dgm:chMax val="1"/>
-          <dgm:chPref val="1"/>
-        </dgm:presLayoutVars>
-      </dgm:prSet>
-      <dgm:spPr/>
-    </dgm:pt>
-    <dgm:pt modelId="{68220B65-DC55-4454-B24D-11B29BFBB9D4}" type="pres">
-      <dgm:prSet presAssocID="{0C95B389-AC0C-4055-9AA3-38815EFC8B0A}" presName="sibTrans" presStyleCnt="0"/>
-      <dgm:spPr/>
-    </dgm:pt>
-    <dgm:pt modelId="{BE6E5E78-2FF3-4F40-80FF-8626E060970A}" type="pres">
-      <dgm:prSet presAssocID="{91A66877-AC1C-46D9-BF2C-6024B638DEA9}" presName="compNode" presStyleCnt="0"/>
-      <dgm:spPr/>
-    </dgm:pt>
-    <dgm:pt modelId="{AE6D994C-35CC-4E2D-93F7-0749D531DB38}" type="pres">
-      <dgm:prSet presAssocID="{91A66877-AC1C-46D9-BF2C-6024B638DEA9}" presName="iconBgRect" presStyleLbl="bgShp" presStyleIdx="1" presStyleCnt="3"/>
-      <dgm:spPr/>
-    </dgm:pt>
-    <dgm:pt modelId="{25E3B37B-74D0-4A88-B4DE-941AD611607D}" type="pres">
-      <dgm:prSet presAssocID="{91A66877-AC1C-46D9-BF2C-6024B638DEA9}" presName="iconRect" presStyleLbl="node1" presStyleIdx="1" presStyleCnt="3"/>
-      <dgm:spPr>
-        <a:blipFill>
-          <a:blip xmlns:r="http://schemas.openxmlformats.org/officeDocument/2006/relationships" r:embed="rId3">
-            <a:extLst>
-              <a:ext uri="{28A0092B-C50C-407E-A947-70E740481C1C}">
-                <a14:useLocalDpi xmlns:a14="http://schemas.microsoft.com/office/drawing/2010/main" val="0"/>
-              </a:ext>
-              <a:ext uri="{96DAC541-7B7A-43D3-8B79-37D633B846F1}">
-                <asvg:svgBlip xmlns:asvg="http://schemas.microsoft.com/office/drawing/2016/SVG/main" r:embed="rId4"/>
-              </a:ext>
-            </a:extLst>
-          </a:blip>
-          <a:stretch>
-            <a:fillRect/>
-          </a:stretch>
-        </a:blipFill>
-        <a:ln>
-          <a:noFill/>
-        </a:ln>
-      </dgm:spPr>
-      <dgm:extLst>
-        <a:ext uri="{E40237B7-FDA0-4F09-8148-C483321AD2D9}">
-          <dgm14:cNvPr xmlns:dgm14="http://schemas.microsoft.com/office/drawing/2010/diagram" id="0" name="" descr="Satellite"/>
-        </a:ext>
-      </dgm:extLst>
-    </dgm:pt>
-    <dgm:pt modelId="{D43D9762-97CA-499D-8A22-68E4735A6BBF}" type="pres">
-      <dgm:prSet presAssocID="{91A66877-AC1C-46D9-BF2C-6024B638DEA9}" presName="spaceRect" presStyleCnt="0"/>
-      <dgm:spPr/>
-    </dgm:pt>
-    <dgm:pt modelId="{B87C32D5-7B07-49E2-84BD-BC5A516ABFE6}" type="pres">
-      <dgm:prSet presAssocID="{91A66877-AC1C-46D9-BF2C-6024B638DEA9}" presName="textRect" presStyleLbl="revTx" presStyleIdx="1" presStyleCnt="3">
-        <dgm:presLayoutVars>
-          <dgm:chMax val="1"/>
-          <dgm:chPref val="1"/>
-        </dgm:presLayoutVars>
-      </dgm:prSet>
-      <dgm:spPr/>
-    </dgm:pt>
-    <dgm:pt modelId="{3415AE4C-1FA3-4F9C-B78C-46AB8BC3FA98}" type="pres">
-      <dgm:prSet presAssocID="{BFCE4A28-C381-46FF-935A-B11534EF7D87}" presName="sibTrans" presStyleCnt="0"/>
-      <dgm:spPr/>
-    </dgm:pt>
-    <dgm:pt modelId="{8E9FCEE9-BA58-4686-AD8D-3C43F61E54DA}" type="pres">
-      <dgm:prSet presAssocID="{76CC3289-2662-43F0-A3C6-BA04A135F08C}" presName="compNode" presStyleCnt="0"/>
-      <dgm:spPr/>
-    </dgm:pt>
-    <dgm:pt modelId="{8B8DA957-4F6D-47EE-BF0F-6ACDA82AAC07}" type="pres">
-      <dgm:prSet presAssocID="{76CC3289-2662-43F0-A3C6-BA04A135F08C}" presName="iconBgRect" presStyleLbl="bgShp" presStyleIdx="2" presStyleCnt="3"/>
-      <dgm:spPr/>
-    </dgm:pt>
-    <dgm:pt modelId="{FC76B9EB-DCB2-48BE-8038-BB271187C51D}" type="pres">
-      <dgm:prSet presAssocID="{76CC3289-2662-43F0-A3C6-BA04A135F08C}" presName="iconRect" presStyleLbl="node1" presStyleIdx="2" presStyleCnt="3"/>
-      <dgm:spPr>
-        <a:blipFill>
-          <a:blip xmlns:r="http://schemas.openxmlformats.org/officeDocument/2006/relationships" r:embed="rId5">
-            <a:extLst>
-              <a:ext uri="{28A0092B-C50C-407E-A947-70E740481C1C}">
-                <a14:useLocalDpi xmlns:a14="http://schemas.microsoft.com/office/drawing/2010/main" val="0"/>
-              </a:ext>
-              <a:ext uri="{96DAC541-7B7A-43D3-8B79-37D633B846F1}">
-                <asvg:svgBlip xmlns:asvg="http://schemas.microsoft.com/office/drawing/2016/SVG/main" r:embed="rId6"/>
-              </a:ext>
-            </a:extLst>
-          </a:blip>
-          <a:stretch>
-            <a:fillRect/>
-          </a:stretch>
-        </a:blipFill>
-        <a:ln>
-          <a:noFill/>
-        </a:ln>
-      </dgm:spPr>
-      <dgm:extLst>
-        <a:ext uri="{E40237B7-FDA0-4F09-8148-C483321AD2D9}">
-          <dgm14:cNvPr xmlns:dgm14="http://schemas.microsoft.com/office/drawing/2010/diagram" id="0" name="" descr="Link"/>
-        </a:ext>
-      </dgm:extLst>
-    </dgm:pt>
-    <dgm:pt modelId="{15732EE0-EF0B-40DC-8D5B-13AD1FDF7CF0}" type="pres">
-      <dgm:prSet presAssocID="{76CC3289-2662-43F0-A3C6-BA04A135F08C}" presName="spaceRect" presStyleCnt="0"/>
-      <dgm:spPr/>
-    </dgm:pt>
-    <dgm:pt modelId="{E92865A0-8142-4764-BBFC-1FA0DCA8D9E0}" type="pres">
-      <dgm:prSet presAssocID="{76CC3289-2662-43F0-A3C6-BA04A135F08C}" presName="textRect" presStyleLbl="revTx" presStyleIdx="2" presStyleCnt="3">
-        <dgm:presLayoutVars>
-          <dgm:chMax val="1"/>
-          <dgm:chPref val="1"/>
-        </dgm:presLayoutVars>
-      </dgm:prSet>
-      <dgm:spPr/>
-    </dgm:pt>
-  </dgm:ptLst>
-  <dgm:cxnLst>
-    <dgm:cxn modelId="{C4BA385D-31ED-40EF-A5D6-98DFBA64E71A}" srcId="{7D9C16A6-8C48-4165-8DAF-8C957C12A8FA}" destId="{701D68F5-42F8-47BC-8FED-84C50F595DF0}" srcOrd="0" destOrd="0" parTransId="{9617668C-C38C-4017-8DDF-37855B15D110}" sibTransId="{0C95B389-AC0C-4055-9AA3-38815EFC8B0A}"/>
-    <dgm:cxn modelId="{0400886E-8A1A-44C2-95A7-DB0EF4911494}" srcId="{7D9C16A6-8C48-4165-8DAF-8C957C12A8FA}" destId="{76CC3289-2662-43F0-A3C6-BA04A135F08C}" srcOrd="2" destOrd="0" parTransId="{D46DB4DA-1442-4ECE-89FE-BBB1E3489E3D}" sibTransId="{FA28C9D6-476E-43CD-BA23-D6D990FD78D0}"/>
-    <dgm:cxn modelId="{7F0DAB6F-9257-4F2D-B31A-3418F73F6952}" srcId="{7D9C16A6-8C48-4165-8DAF-8C957C12A8FA}" destId="{91A66877-AC1C-46D9-BF2C-6024B638DEA9}" srcOrd="1" destOrd="0" parTransId="{913FED05-DF41-48A7-B1F8-81937A468EF9}" sibTransId="{BFCE4A28-C381-46FF-935A-B11534EF7D87}"/>
-    <dgm:cxn modelId="{1DCAC474-202E-48E4-8885-832453650F99}" type="presOf" srcId="{7D9C16A6-8C48-4165-8DAF-8C957C12A8FA}" destId="{25C14C25-2A98-4731-B0BF-677AD8191C30}" srcOrd="0" destOrd="0" presId="urn:microsoft.com/office/officeart/2018/5/layout/IconCircleLabelList"/>
-    <dgm:cxn modelId="{77F3068B-47FB-4C44-B12F-5B52EA8C8D6F}" type="presOf" srcId="{91A66877-AC1C-46D9-BF2C-6024B638DEA9}" destId="{B87C32D5-7B07-49E2-84BD-BC5A516ABFE6}" srcOrd="0" destOrd="0" presId="urn:microsoft.com/office/officeart/2018/5/layout/IconCircleLabelList"/>
-    <dgm:cxn modelId="{1E51D096-D749-4658-8D93-02A059315D09}" type="presOf" srcId="{76CC3289-2662-43F0-A3C6-BA04A135F08C}" destId="{E92865A0-8142-4764-BBFC-1FA0DCA8D9E0}" srcOrd="0" destOrd="0" presId="urn:microsoft.com/office/officeart/2018/5/layout/IconCircleLabelList"/>
-    <dgm:cxn modelId="{F44D1E9F-9059-456A-ACD4-C954F5166A16}" type="presOf" srcId="{701D68F5-42F8-47BC-8FED-84C50F595DF0}" destId="{29C7C433-EF2A-4A44-BC53-B7211D27668D}" srcOrd="0" destOrd="0" presId="urn:microsoft.com/office/officeart/2018/5/layout/IconCircleLabelList"/>
-    <dgm:cxn modelId="{9B7CB0EB-7F3C-4D17-B355-4090FA01A301}" type="presParOf" srcId="{25C14C25-2A98-4731-B0BF-677AD8191C30}" destId="{76750689-6C12-4D36-8474-BFC5C125B35E}" srcOrd="0" destOrd="0" presId="urn:microsoft.com/office/officeart/2018/5/layout/IconCircleLabelList"/>
-    <dgm:cxn modelId="{F736A8DC-8C73-40B1-B9D8-E2ED1B623EC4}" type="presParOf" srcId="{76750689-6C12-4D36-8474-BFC5C125B35E}" destId="{A39E2924-EA9B-47F3-B732-8814DF65E2EC}" srcOrd="0" destOrd="0" presId="urn:microsoft.com/office/officeart/2018/5/layout/IconCircleLabelList"/>
-    <dgm:cxn modelId="{E811E0A3-64EB-4B73-B7C1-483CEFD7A521}" type="presParOf" srcId="{76750689-6C12-4D36-8474-BFC5C125B35E}" destId="{55BDA980-9151-47FF-AF00-AFF61BF7329A}" srcOrd="1" destOrd="0" presId="urn:microsoft.com/office/officeart/2018/5/layout/IconCircleLabelList"/>
-    <dgm:cxn modelId="{5F50529C-66A6-45D3-914E-3EAF0020FAA5}" type="presParOf" srcId="{76750689-6C12-4D36-8474-BFC5C125B35E}" destId="{6813E287-6A9E-4A4E-8848-6B5E098C015B}" srcOrd="2" destOrd="0" presId="urn:microsoft.com/office/officeart/2018/5/layout/IconCircleLabelList"/>
-    <dgm:cxn modelId="{4A2F5C1F-0EEC-4343-A69A-A075A9327DCB}" type="presParOf" srcId="{76750689-6C12-4D36-8474-BFC5C125B35E}" destId="{29C7C433-EF2A-4A44-BC53-B7211D27668D}" srcOrd="3" destOrd="0" presId="urn:microsoft.com/office/officeart/2018/5/layout/IconCircleLabelList"/>
-    <dgm:cxn modelId="{11337B15-941E-431B-B38C-2502F8F375A2}" type="presParOf" srcId="{25C14C25-2A98-4731-B0BF-677AD8191C30}" destId="{68220B65-DC55-4454-B24D-11B29BFBB9D4}" srcOrd="1" destOrd="0" presId="urn:microsoft.com/office/officeart/2018/5/layout/IconCircleLabelList"/>
-    <dgm:cxn modelId="{43151CC7-C0C3-4F15-997C-17B72C908907}" type="presParOf" srcId="{25C14C25-2A98-4731-B0BF-677AD8191C30}" destId="{BE6E5E78-2FF3-4F40-80FF-8626E060970A}" srcOrd="2" destOrd="0" presId="urn:microsoft.com/office/officeart/2018/5/layout/IconCircleLabelList"/>
-    <dgm:cxn modelId="{B36D4B0A-AEE7-4B3F-898A-E200577B6D6B}" type="presParOf" srcId="{BE6E5E78-2FF3-4F40-80FF-8626E060970A}" destId="{AE6D994C-35CC-4E2D-93F7-0749D531DB38}" srcOrd="0" destOrd="0" presId="urn:microsoft.com/office/officeart/2018/5/layout/IconCircleLabelList"/>
-    <dgm:cxn modelId="{BE0DFE24-FE93-4079-A9EE-3648D3E1E170}" type="presParOf" srcId="{BE6E5E78-2FF3-4F40-80FF-8626E060970A}" destId="{25E3B37B-74D0-4A88-B4DE-941AD611607D}" srcOrd="1" destOrd="0" presId="urn:microsoft.com/office/officeart/2018/5/layout/IconCircleLabelList"/>
-    <dgm:cxn modelId="{F288AFD5-F3CA-46B3-8339-C045C21E9F21}" type="presParOf" srcId="{BE6E5E78-2FF3-4F40-80FF-8626E060970A}" destId="{D43D9762-97CA-499D-8A22-68E4735A6BBF}" srcOrd="2" destOrd="0" presId="urn:microsoft.com/office/officeart/2018/5/layout/IconCircleLabelList"/>
-    <dgm:cxn modelId="{18CCBC88-DFE4-411F-876C-0313FF708975}" type="presParOf" srcId="{BE6E5E78-2FF3-4F40-80FF-8626E060970A}" destId="{B87C32D5-7B07-49E2-84BD-BC5A516ABFE6}" srcOrd="3" destOrd="0" presId="urn:microsoft.com/office/officeart/2018/5/layout/IconCircleLabelList"/>
-    <dgm:cxn modelId="{D7DFC969-567D-453B-91CA-5B56EC4DF6CE}" type="presParOf" srcId="{25C14C25-2A98-4731-B0BF-677AD8191C30}" destId="{3415AE4C-1FA3-4F9C-B78C-46AB8BC3FA98}" srcOrd="3" destOrd="0" presId="urn:microsoft.com/office/officeart/2018/5/layout/IconCircleLabelList"/>
-    <dgm:cxn modelId="{FE865E36-A6AA-4CC5-B6F1-E7C4076F9DA4}" type="presParOf" srcId="{25C14C25-2A98-4731-B0BF-677AD8191C30}" destId="{8E9FCEE9-BA58-4686-AD8D-3C43F61E54DA}" srcOrd="4" destOrd="0" presId="urn:microsoft.com/office/officeart/2018/5/layout/IconCircleLabelList"/>
-    <dgm:cxn modelId="{7449518C-03B5-4688-9C60-A09CD7989430}" type="presParOf" srcId="{8E9FCEE9-BA58-4686-AD8D-3C43F61E54DA}" destId="{8B8DA957-4F6D-47EE-BF0F-6ACDA82AAC07}" srcOrd="0" destOrd="0" presId="urn:microsoft.com/office/officeart/2018/5/layout/IconCircleLabelList"/>
-    <dgm:cxn modelId="{A05A366F-56A5-494C-9AD7-7CA866ACD136}" type="presParOf" srcId="{8E9FCEE9-BA58-4686-AD8D-3C43F61E54DA}" destId="{FC76B9EB-DCB2-48BE-8038-BB271187C51D}" srcOrd="1" destOrd="0" presId="urn:microsoft.com/office/officeart/2018/5/layout/IconCircleLabelList"/>
-    <dgm:cxn modelId="{9029A874-C025-4ECE-A8D4-43E10C4561BD}" type="presParOf" srcId="{8E9FCEE9-BA58-4686-AD8D-3C43F61E54DA}" destId="{15732EE0-EF0B-40DC-8D5B-13AD1FDF7CF0}" srcOrd="2" destOrd="0" presId="urn:microsoft.com/office/officeart/2018/5/layout/IconCircleLabelList"/>
-    <dgm:cxn modelId="{F90C855F-3BD4-487B-AD80-67CD5D06AC1A}" type="presParOf" srcId="{8E9FCEE9-BA58-4686-AD8D-3C43F61E54DA}" destId="{E92865A0-8142-4764-BBFC-1FA0DCA8D9E0}" srcOrd="3" destOrd="0" presId="urn:microsoft.com/office/officeart/2018/5/layout/IconCircleLabelList"/>
-  </dgm:cxnLst>
-  <dgm:bg/>
-  <dgm:whole/>
-  <dgm:extLst>
-    <a:ext uri="http://schemas.microsoft.com/office/drawing/2008/diagram">
-      <dsp:dataModelExt xmlns:dsp="http://schemas.microsoft.com/office/drawing/2008/diagram" relId="rId7" minVer="http://schemas.openxmlformats.org/drawingml/2006/diagram"/>
-    </a:ext>
-    <a:ext uri="{C62137D5-CB1D-491B-B009-E17868A290BF}">
-      <dgm14:recolorImg xmlns:dgm14="http://schemas.microsoft.com/office/drawing/2010/diagram" val="1"/>
     </a:ext>
   </dgm:extLst>
 </dgm:dataModel>
@@ -5110,469 +4024,6 @@
 </dsp:drawing>
 </file>
 
-<file path=ppt/diagrams/drawing3.xml><?xml version="1.0" encoding="utf-8"?>
-<dsp:drawing xmlns:dgm="http://schemas.openxmlformats.org/drawingml/2006/diagram" xmlns:dsp="http://schemas.microsoft.com/office/drawing/2008/diagram" xmlns:a="http://schemas.openxmlformats.org/drawingml/2006/main">
-  <dsp:spTree>
-    <dsp:nvGrpSpPr>
-      <dsp:cNvPr id="0" name=""/>
-      <dsp:cNvGrpSpPr/>
-    </dsp:nvGrpSpPr>
-    <dsp:grpSpPr/>
-    <dsp:sp modelId="{A39E2924-EA9B-47F3-B732-8814DF65E2EC}">
-      <dsp:nvSpPr>
-        <dsp:cNvPr id="0" name=""/>
-        <dsp:cNvSpPr/>
-      </dsp:nvSpPr>
-      <dsp:spPr>
-        <a:xfrm>
-          <a:off x="686474" y="174118"/>
-          <a:ext cx="1990125" cy="1990125"/>
-        </a:xfrm>
-        <a:prstGeom prst="ellipse">
-          <a:avLst/>
-        </a:prstGeom>
-        <a:solidFill>
-          <a:schemeClr val="bg1">
-            <a:lumMod val="95000"/>
-            <a:hueOff val="0"/>
-            <a:satOff val="0"/>
-            <a:lumOff val="0"/>
-            <a:alphaOff val="0"/>
-          </a:schemeClr>
-        </a:solidFill>
-        <a:ln>
-          <a:noFill/>
-        </a:ln>
-        <a:effectLst/>
-      </dsp:spPr>
-      <dsp:style>
-        <a:lnRef idx="0">
-          <a:scrgbClr r="0" g="0" b="0"/>
-        </a:lnRef>
-        <a:fillRef idx="1">
-          <a:scrgbClr r="0" g="0" b="0"/>
-        </a:fillRef>
-        <a:effectRef idx="0">
-          <a:scrgbClr r="0" g="0" b="0"/>
-        </a:effectRef>
-        <a:fontRef idx="minor"/>
-      </dsp:style>
-    </dsp:sp>
-    <dsp:sp modelId="{55BDA980-9151-47FF-AF00-AFF61BF7329A}">
-      <dsp:nvSpPr>
-        <dsp:cNvPr id="0" name=""/>
-        <dsp:cNvSpPr/>
-      </dsp:nvSpPr>
-      <dsp:spPr>
-        <a:xfrm>
-          <a:off x="1110599" y="598243"/>
-          <a:ext cx="1141875" cy="1141875"/>
-        </a:xfrm>
-        <a:prstGeom prst="rect">
-          <a:avLst/>
-        </a:prstGeom>
-        <a:blipFill>
-          <a:blip xmlns:r="http://schemas.openxmlformats.org/officeDocument/2006/relationships" r:embed="rId1">
-            <a:extLst>
-              <a:ext uri="{28A0092B-C50C-407E-A947-70E740481C1C}">
-                <a14:useLocalDpi xmlns:a14="http://schemas.microsoft.com/office/drawing/2010/main" val="0"/>
-              </a:ext>
-              <a:ext uri="{96DAC541-7B7A-43D3-8B79-37D633B846F1}">
-                <asvg:svgBlip xmlns:asvg="http://schemas.microsoft.com/office/drawing/2016/SVG/main" r:embed="rId2"/>
-              </a:ext>
-            </a:extLst>
-          </a:blip>
-          <a:stretch>
-            <a:fillRect/>
-          </a:stretch>
-        </a:blipFill>
-        <a:ln w="22225" cap="rnd" cmpd="sng" algn="ctr">
-          <a:noFill/>
-          <a:prstDash val="solid"/>
-        </a:ln>
-        <a:effectLst/>
-      </dsp:spPr>
-      <dsp:style>
-        <a:lnRef idx="2">
-          <a:scrgbClr r="0" g="0" b="0"/>
-        </a:lnRef>
-        <a:fillRef idx="1">
-          <a:scrgbClr r="0" g="0" b="0"/>
-        </a:fillRef>
-        <a:effectRef idx="0">
-          <a:scrgbClr r="0" g="0" b="0"/>
-        </a:effectRef>
-        <a:fontRef idx="minor">
-          <a:schemeClr val="lt1"/>
-        </a:fontRef>
-      </dsp:style>
-    </dsp:sp>
-    <dsp:sp modelId="{29C7C433-EF2A-4A44-BC53-B7211D27668D}">
-      <dsp:nvSpPr>
-        <dsp:cNvPr id="0" name=""/>
-        <dsp:cNvSpPr/>
-      </dsp:nvSpPr>
-      <dsp:spPr>
-        <a:xfrm>
-          <a:off x="50287" y="2784119"/>
-          <a:ext cx="3262500" cy="720000"/>
-        </a:xfrm>
-        <a:prstGeom prst="rect">
-          <a:avLst/>
-        </a:prstGeom>
-        <a:noFill/>
-        <a:ln>
-          <a:noFill/>
-        </a:ln>
-        <a:effectLst/>
-      </dsp:spPr>
-      <dsp:style>
-        <a:lnRef idx="0">
-          <a:scrgbClr r="0" g="0" b="0"/>
-        </a:lnRef>
-        <a:fillRef idx="0">
-          <a:scrgbClr r="0" g="0" b="0"/>
-        </a:fillRef>
-        <a:effectRef idx="0">
-          <a:scrgbClr r="0" g="0" b="0"/>
-        </a:effectRef>
-        <a:fontRef idx="minor"/>
-      </dsp:style>
-      <dsp:txBody>
-        <a:bodyPr spcFirstLastPara="0" vert="horz" wrap="square" lIns="0" tIns="0" rIns="0" bIns="0" numCol="1" spcCol="1270" anchor="t" anchorCtr="0">
-          <a:noAutofit/>
-        </a:bodyPr>
-        <a:lstStyle/>
-        <a:p>
-          <a:pPr marL="0" lvl="0" indent="0" algn="ctr" defTabSz="1778000">
-            <a:lnSpc>
-              <a:spcPct val="100000"/>
-            </a:lnSpc>
-            <a:spcBef>
-              <a:spcPct val="0"/>
-            </a:spcBef>
-            <a:spcAft>
-              <a:spcPct val="35000"/>
-            </a:spcAft>
-            <a:buNone/>
-            <a:defRPr cap="all"/>
-          </a:pPr>
-          <a:r>
-            <a:rPr lang="en-ZA" sz="4000" kern="1200" dirty="0"/>
-            <a:t>Network</a:t>
-          </a:r>
-          <a:endParaRPr lang="en-US" sz="4000" kern="1200" dirty="0"/>
-        </a:p>
-      </dsp:txBody>
-      <dsp:txXfrm>
-        <a:off x="50287" y="2784119"/>
-        <a:ext cx="3262500" cy="720000"/>
-      </dsp:txXfrm>
-    </dsp:sp>
-    <dsp:sp modelId="{AE6D994C-35CC-4E2D-93F7-0749D531DB38}">
-      <dsp:nvSpPr>
-        <dsp:cNvPr id="0" name=""/>
-        <dsp:cNvSpPr/>
-      </dsp:nvSpPr>
-      <dsp:spPr>
-        <a:xfrm>
-          <a:off x="4519912" y="174118"/>
-          <a:ext cx="1990125" cy="1990125"/>
-        </a:xfrm>
-        <a:prstGeom prst="ellipse">
-          <a:avLst/>
-        </a:prstGeom>
-        <a:solidFill>
-          <a:schemeClr val="bg1">
-            <a:lumMod val="95000"/>
-            <a:hueOff val="0"/>
-            <a:satOff val="0"/>
-            <a:lumOff val="0"/>
-            <a:alphaOff val="0"/>
-          </a:schemeClr>
-        </a:solidFill>
-        <a:ln>
-          <a:noFill/>
-        </a:ln>
-        <a:effectLst/>
-      </dsp:spPr>
-      <dsp:style>
-        <a:lnRef idx="0">
-          <a:scrgbClr r="0" g="0" b="0"/>
-        </a:lnRef>
-        <a:fillRef idx="1">
-          <a:scrgbClr r="0" g="0" b="0"/>
-        </a:fillRef>
-        <a:effectRef idx="0">
-          <a:scrgbClr r="0" g="0" b="0"/>
-        </a:effectRef>
-        <a:fontRef idx="minor"/>
-      </dsp:style>
-    </dsp:sp>
-    <dsp:sp modelId="{25E3B37B-74D0-4A88-B4DE-941AD611607D}">
-      <dsp:nvSpPr>
-        <dsp:cNvPr id="0" name=""/>
-        <dsp:cNvSpPr/>
-      </dsp:nvSpPr>
-      <dsp:spPr>
-        <a:xfrm>
-          <a:off x="4944037" y="598243"/>
-          <a:ext cx="1141875" cy="1141875"/>
-        </a:xfrm>
-        <a:prstGeom prst="rect">
-          <a:avLst/>
-        </a:prstGeom>
-        <a:blipFill>
-          <a:blip xmlns:r="http://schemas.openxmlformats.org/officeDocument/2006/relationships" r:embed="rId3">
-            <a:extLst>
-              <a:ext uri="{28A0092B-C50C-407E-A947-70E740481C1C}">
-                <a14:useLocalDpi xmlns:a14="http://schemas.microsoft.com/office/drawing/2010/main" val="0"/>
-              </a:ext>
-              <a:ext uri="{96DAC541-7B7A-43D3-8B79-37D633B846F1}">
-                <asvg:svgBlip xmlns:asvg="http://schemas.microsoft.com/office/drawing/2016/SVG/main" r:embed="rId4"/>
-              </a:ext>
-            </a:extLst>
-          </a:blip>
-          <a:stretch>
-            <a:fillRect/>
-          </a:stretch>
-        </a:blipFill>
-        <a:ln w="22225" cap="rnd" cmpd="sng" algn="ctr">
-          <a:noFill/>
-          <a:prstDash val="solid"/>
-        </a:ln>
-        <a:effectLst/>
-      </dsp:spPr>
-      <dsp:style>
-        <a:lnRef idx="2">
-          <a:scrgbClr r="0" g="0" b="0"/>
-        </a:lnRef>
-        <a:fillRef idx="1">
-          <a:scrgbClr r="0" g="0" b="0"/>
-        </a:fillRef>
-        <a:effectRef idx="0">
-          <a:scrgbClr r="0" g="0" b="0"/>
-        </a:effectRef>
-        <a:fontRef idx="minor">
-          <a:schemeClr val="lt1"/>
-        </a:fontRef>
-      </dsp:style>
-    </dsp:sp>
-    <dsp:sp modelId="{B87C32D5-7B07-49E2-84BD-BC5A516ABFE6}">
-      <dsp:nvSpPr>
-        <dsp:cNvPr id="0" name=""/>
-        <dsp:cNvSpPr/>
-      </dsp:nvSpPr>
-      <dsp:spPr>
-        <a:xfrm>
-          <a:off x="3883725" y="2784119"/>
-          <a:ext cx="3262500" cy="720000"/>
-        </a:xfrm>
-        <a:prstGeom prst="rect">
-          <a:avLst/>
-        </a:prstGeom>
-        <a:noFill/>
-        <a:ln>
-          <a:noFill/>
-        </a:ln>
-        <a:effectLst/>
-      </dsp:spPr>
-      <dsp:style>
-        <a:lnRef idx="0">
-          <a:scrgbClr r="0" g="0" b="0"/>
-        </a:lnRef>
-        <a:fillRef idx="0">
-          <a:scrgbClr r="0" g="0" b="0"/>
-        </a:fillRef>
-        <a:effectRef idx="0">
-          <a:scrgbClr r="0" g="0" b="0"/>
-        </a:effectRef>
-        <a:fontRef idx="minor"/>
-      </dsp:style>
-      <dsp:txBody>
-        <a:bodyPr spcFirstLastPara="0" vert="horz" wrap="square" lIns="0" tIns="0" rIns="0" bIns="0" numCol="1" spcCol="1270" anchor="t" anchorCtr="0">
-          <a:noAutofit/>
-        </a:bodyPr>
-        <a:lstStyle/>
-        <a:p>
-          <a:pPr marL="0" lvl="0" indent="0" algn="ctr" defTabSz="1778000">
-            <a:lnSpc>
-              <a:spcPct val="100000"/>
-            </a:lnSpc>
-            <a:spcBef>
-              <a:spcPct val="0"/>
-            </a:spcBef>
-            <a:spcAft>
-              <a:spcPct val="35000"/>
-            </a:spcAft>
-            <a:buNone/>
-            <a:defRPr cap="all"/>
-          </a:pPr>
-          <a:r>
-            <a:rPr lang="en-US" sz="4000" kern="1200" dirty="0"/>
-            <a:t>Satellite</a:t>
-          </a:r>
-        </a:p>
-      </dsp:txBody>
-      <dsp:txXfrm>
-        <a:off x="3883725" y="2784119"/>
-        <a:ext cx="3262500" cy="720000"/>
-      </dsp:txXfrm>
-    </dsp:sp>
-    <dsp:sp modelId="{8B8DA957-4F6D-47EE-BF0F-6ACDA82AAC07}">
-      <dsp:nvSpPr>
-        <dsp:cNvPr id="0" name=""/>
-        <dsp:cNvSpPr/>
-      </dsp:nvSpPr>
-      <dsp:spPr>
-        <a:xfrm>
-          <a:off x="8353350" y="174118"/>
-          <a:ext cx="1990125" cy="1990125"/>
-        </a:xfrm>
-        <a:prstGeom prst="ellipse">
-          <a:avLst/>
-        </a:prstGeom>
-        <a:solidFill>
-          <a:schemeClr val="bg1">
-            <a:lumMod val="95000"/>
-            <a:hueOff val="0"/>
-            <a:satOff val="0"/>
-            <a:lumOff val="0"/>
-            <a:alphaOff val="0"/>
-          </a:schemeClr>
-        </a:solidFill>
-        <a:ln>
-          <a:noFill/>
-        </a:ln>
-        <a:effectLst/>
-      </dsp:spPr>
-      <dsp:style>
-        <a:lnRef idx="0">
-          <a:scrgbClr r="0" g="0" b="0"/>
-        </a:lnRef>
-        <a:fillRef idx="1">
-          <a:scrgbClr r="0" g="0" b="0"/>
-        </a:fillRef>
-        <a:effectRef idx="0">
-          <a:scrgbClr r="0" g="0" b="0"/>
-        </a:effectRef>
-        <a:fontRef idx="minor"/>
-      </dsp:style>
-    </dsp:sp>
-    <dsp:sp modelId="{FC76B9EB-DCB2-48BE-8038-BB271187C51D}">
-      <dsp:nvSpPr>
-        <dsp:cNvPr id="0" name=""/>
-        <dsp:cNvSpPr/>
-      </dsp:nvSpPr>
-      <dsp:spPr>
-        <a:xfrm>
-          <a:off x="8777475" y="598243"/>
-          <a:ext cx="1141875" cy="1141875"/>
-        </a:xfrm>
-        <a:prstGeom prst="rect">
-          <a:avLst/>
-        </a:prstGeom>
-        <a:blipFill>
-          <a:blip xmlns:r="http://schemas.openxmlformats.org/officeDocument/2006/relationships" r:embed="rId5">
-            <a:extLst>
-              <a:ext uri="{28A0092B-C50C-407E-A947-70E740481C1C}">
-                <a14:useLocalDpi xmlns:a14="http://schemas.microsoft.com/office/drawing/2010/main" val="0"/>
-              </a:ext>
-              <a:ext uri="{96DAC541-7B7A-43D3-8B79-37D633B846F1}">
-                <asvg:svgBlip xmlns:asvg="http://schemas.microsoft.com/office/drawing/2016/SVG/main" r:embed="rId6"/>
-              </a:ext>
-            </a:extLst>
-          </a:blip>
-          <a:stretch>
-            <a:fillRect/>
-          </a:stretch>
-        </a:blipFill>
-        <a:ln w="22225" cap="rnd" cmpd="sng" algn="ctr">
-          <a:noFill/>
-          <a:prstDash val="solid"/>
-        </a:ln>
-        <a:effectLst/>
-      </dsp:spPr>
-      <dsp:style>
-        <a:lnRef idx="2">
-          <a:scrgbClr r="0" g="0" b="0"/>
-        </a:lnRef>
-        <a:fillRef idx="1">
-          <a:scrgbClr r="0" g="0" b="0"/>
-        </a:fillRef>
-        <a:effectRef idx="0">
-          <a:scrgbClr r="0" g="0" b="0"/>
-        </a:effectRef>
-        <a:fontRef idx="minor">
-          <a:schemeClr val="lt1"/>
-        </a:fontRef>
-      </dsp:style>
-    </dsp:sp>
-    <dsp:sp modelId="{E92865A0-8142-4764-BBFC-1FA0DCA8D9E0}">
-      <dsp:nvSpPr>
-        <dsp:cNvPr id="0" name=""/>
-        <dsp:cNvSpPr/>
-      </dsp:nvSpPr>
-      <dsp:spPr>
-        <a:xfrm>
-          <a:off x="7717162" y="2784119"/>
-          <a:ext cx="3262500" cy="720000"/>
-        </a:xfrm>
-        <a:prstGeom prst="rect">
-          <a:avLst/>
-        </a:prstGeom>
-        <a:noFill/>
-        <a:ln>
-          <a:noFill/>
-        </a:ln>
-        <a:effectLst/>
-      </dsp:spPr>
-      <dsp:style>
-        <a:lnRef idx="0">
-          <a:scrgbClr r="0" g="0" b="0"/>
-        </a:lnRef>
-        <a:fillRef idx="0">
-          <a:scrgbClr r="0" g="0" b="0"/>
-        </a:fillRef>
-        <a:effectRef idx="0">
-          <a:scrgbClr r="0" g="0" b="0"/>
-        </a:effectRef>
-        <a:fontRef idx="minor"/>
-      </dsp:style>
-      <dsp:txBody>
-        <a:bodyPr spcFirstLastPara="0" vert="horz" wrap="square" lIns="0" tIns="0" rIns="0" bIns="0" numCol="1" spcCol="1270" anchor="t" anchorCtr="0">
-          <a:noAutofit/>
-        </a:bodyPr>
-        <a:lstStyle/>
-        <a:p>
-          <a:pPr marL="0" lvl="0" indent="0" algn="ctr" defTabSz="1778000">
-            <a:lnSpc>
-              <a:spcPct val="100000"/>
-            </a:lnSpc>
-            <a:spcBef>
-              <a:spcPct val="0"/>
-            </a:spcBef>
-            <a:spcAft>
-              <a:spcPct val="35000"/>
-            </a:spcAft>
-            <a:buNone/>
-            <a:defRPr cap="all"/>
-          </a:pPr>
-          <a:r>
-            <a:rPr lang="en-US" sz="4000" kern="1200" dirty="0"/>
-            <a:t>Link</a:t>
-          </a:r>
-        </a:p>
-      </dsp:txBody>
-      <dsp:txXfrm>
-        <a:off x="7717162" y="2784119"/>
-        <a:ext cx="3262500" cy="720000"/>
-      </dsp:txXfrm>
-    </dsp:sp>
-  </dsp:spTree>
-</dsp:drawing>
-</file>
-
 <file path=ppt/diagrams/layout1.xml><?xml version="1.0" encoding="utf-8"?>
 <dgm:layoutDef xmlns:dgm="http://schemas.openxmlformats.org/drawingml/2006/diagram" xmlns:a="http://schemas.openxmlformats.org/drawingml/2006/main" uniqueId="urn:microsoft.com/office/officeart/2008/layout/VerticalCurvedList">
   <dgm:title val=""/>
@@ -7079,221 +5530,6 @@
 </dgm:layoutDef>
 </file>
 
-<file path=ppt/diagrams/layout3.xml><?xml version="1.0" encoding="utf-8"?>
-<dgm:layoutDef xmlns:dgm="http://schemas.openxmlformats.org/drawingml/2006/diagram" xmlns:a="http://schemas.openxmlformats.org/drawingml/2006/main" uniqueId="urn:microsoft.com/office/officeart/2018/5/layout/IconCircleLabelList">
-  <dgm:title val="Icon Circle Label List"/>
-  <dgm:desc val="Use to show non-sequential or grouped chunks of information accompanied by a related visuals. Works best with icons or small pictures with short text captions."/>
-  <dgm:catLst>
-    <dgm:cat type="icon" pri="500"/>
-  </dgm:catLst>
-  <dgm:sampData useDef="1">
-    <dgm:dataModel>
-      <dgm:ptLst/>
-      <dgm:bg/>
-      <dgm:whole/>
-    </dgm:dataModel>
-  </dgm:sampData>
-  <dgm:styleData useDef="1">
-    <dgm:dataModel>
-      <dgm:ptLst/>
-      <dgm:bg/>
-      <dgm:whole/>
-    </dgm:dataModel>
-  </dgm:styleData>
-  <dgm:clrData useDef="1">
-    <dgm:dataModel>
-      <dgm:ptLst/>
-      <dgm:bg/>
-      <dgm:whole/>
-    </dgm:dataModel>
-  </dgm:clrData>
-  <dgm:layoutNode name="root">
-    <dgm:varLst>
-      <dgm:dir/>
-      <dgm:resizeHandles val="exact"/>
-    </dgm:varLst>
-    <dgm:choose name="Name0">
-      <dgm:if name="Name1" axis="self" func="var" arg="dir" op="equ" val="norm">
-        <dgm:alg type="snake">
-          <dgm:param type="grDir" val="tL"/>
-          <dgm:param type="flowDir" val="row"/>
-          <dgm:param type="contDir" val="sameDir"/>
-          <dgm:param type="off" val="ctr"/>
-          <dgm:param type="vertAlign" val="mid"/>
-          <dgm:param type="horzAlign" val="ctr"/>
-        </dgm:alg>
-      </dgm:if>
-      <dgm:else name="Name2">
-        <dgm:alg type="snake">
-          <dgm:param type="grDir" val="tR"/>
-          <dgm:param type="flowDir" val="row"/>
-          <dgm:param type="contDir" val="sameDir"/>
-          <dgm:param type="off" val="ctr"/>
-          <dgm:param type="vertAlign" val="mid"/>
-          <dgm:param type="horzAlign" val="ctr"/>
-        </dgm:alg>
-      </dgm:else>
-    </dgm:choose>
-    <dgm:shape xmlns:r="http://schemas.openxmlformats.org/officeDocument/2006/relationships" r:blip="">
-      <dgm:adjLst/>
-    </dgm:shape>
-    <dgm:presOf/>
-    <dgm:choose name="Name3">
-      <dgm:if name="Name4" axis="ch" ptType="node" func="cnt" op="lte" val="2">
-        <dgm:constrLst>
-          <dgm:constr type="h" for="ch" forName="compNode" refType="h" fact="0.4"/>
-          <dgm:constr type="w" for="ch" forName="compNode" val="100"/>
-          <dgm:constr type="w" for="ch" forName="sibTrans" refType="w" refFor="ch" refForName="compNode" fact="0.175"/>
-          <dgm:constr type="sp" refType="w" refFor="ch" refForName="compNode" op="equ" fact="0.25"/>
-          <dgm:constr type="primFontSz" for="des" ptType="node" op="equ" val="44"/>
-          <dgm:constr type="h" for="des" forName="compNode" op="equ"/>
-          <dgm:constr type="h" for="des" forName="textRect" op="equ"/>
-        </dgm:constrLst>
-      </dgm:if>
-      <dgm:if name="Name5" axis="ch" ptType="node" func="cnt" op="lte" val="3">
-        <dgm:constrLst>
-          <dgm:constr type="h" for="ch" forName="compNode" refType="h" fact="0.4"/>
-          <dgm:constr type="w" for="ch" forName="compNode" val="100"/>
-          <dgm:constr type="w" for="ch" forName="sibTrans" refType="w" refFor="ch" refForName="compNode" fact="0.175"/>
-          <dgm:constr type="sp" refType="w" refFor="ch" refForName="compNode" op="equ" fact="0.25"/>
-          <dgm:constr type="primFontSz" for="des" ptType="node" op="equ" val="40"/>
-          <dgm:constr type="h" for="des" forName="compNode" op="equ"/>
-          <dgm:constr type="h" for="des" forName="textRect" op="equ"/>
-        </dgm:constrLst>
-      </dgm:if>
-      <dgm:if name="Name6" axis="ch" ptType="node" func="cnt" op="lte" val="4">
-        <dgm:constrLst>
-          <dgm:constr type="h" for="ch" forName="compNode" refType="h" fact="0.4"/>
-          <dgm:constr type="w" for="ch" forName="compNode" refType="w"/>
-          <dgm:constr type="w" for="ch" forName="sibTrans" refType="w" refFor="ch" refForName="compNode" fact="0.175"/>
-          <dgm:constr type="sp" refType="w" refFor="ch" refForName="compNode" op="equ" fact="0.25"/>
-          <dgm:constr type="primFontSz" for="des" ptType="node" op="equ" val="32"/>
-          <dgm:constr type="h" for="des" forName="compNode" op="equ"/>
-          <dgm:constr type="h" for="des" forName="textRect" op="equ"/>
-        </dgm:constrLst>
-      </dgm:if>
-      <dgm:else name="Name7">
-        <dgm:constrLst>
-          <dgm:constr type="h" for="ch" forName="compNode" refType="h" fact="0.4"/>
-          <dgm:constr type="w" for="ch" forName="compNode" refType="w"/>
-          <dgm:constr type="w" for="ch" forName="sibTrans" refType="w" refFor="ch" refForName="compNode" fact="0.175"/>
-          <dgm:constr type="sp" refType="w" refFor="ch" refForName="compNode" op="equ" fact="0.25"/>
-          <dgm:constr type="primFontSz" for="des" ptType="node" op="equ" val="24"/>
-          <dgm:constr type="h" for="des" forName="compNode" op="equ"/>
-          <dgm:constr type="h" for="des" forName="textRect" op="equ"/>
-        </dgm:constrLst>
-      </dgm:else>
-    </dgm:choose>
-    <dgm:ruleLst>
-      <dgm:rule type="w" for="ch" forName="compNode" val="50" fact="NaN" max="NaN"/>
-    </dgm:ruleLst>
-    <dgm:forEach name="Name8" axis="ch" ptType="node">
-      <dgm:layoutNode name="compNode">
-        <dgm:alg type="composite"/>
-        <dgm:shape xmlns:r="http://schemas.openxmlformats.org/officeDocument/2006/relationships" r:blip="">
-          <dgm:adjLst/>
-        </dgm:shape>
-        <dgm:presOf axis="self"/>
-        <dgm:constrLst>
-          <dgm:constr type="w" for="ch" forName="iconBgRect" refType="w" fact="0.61"/>
-          <dgm:constr type="h" for="ch" forName="iconBgRect" refType="w" refFor="ch" refForName="iconBgRect"/>
-          <dgm:constr type="t" for="ch" forName="iconBgRect"/>
-          <dgm:constr type="ctrX" for="ch" forName="iconBgRect" refType="w" fact="0.5"/>
-          <dgm:constr type="w" for="ch" forName="iconRect" refType="w" fact="0.35"/>
-          <dgm:constr type="h" for="ch" forName="iconRect" refType="w" refFor="ch" refForName="iconRect"/>
-          <dgm:constr type="ctrX" for="ch" forName="iconRect" refType="ctrX" refFor="ch" refForName="iconBgRect"/>
-          <dgm:constr type="ctrY" for="ch" forName="iconRect" refType="ctrY" refFor="ch" refForName="iconBgRect"/>
-          <dgm:constr type="h" for="ch" forName="spaceRect" refType="w" fact="0.19"/>
-          <dgm:constr type="w" for="ch" forName="spaceRect" refType="w"/>
-          <dgm:constr type="l" for="ch" forName="spaceRect"/>
-          <dgm:constr type="t" for="ch" forName="spaceRect" refType="b" refFor="ch" refForName="iconBgRect"/>
-          <dgm:constr type="h" for="ch" forName="textRect" val="20"/>
-          <dgm:constr type="w" for="ch" forName="textRect" refType="w"/>
-          <dgm:constr type="l" for="ch" forName="textRect"/>
-          <dgm:constr type="t" for="ch" forName="textRect" refType="b" refFor="ch" refForName="spaceRect"/>
-        </dgm:constrLst>
-        <dgm:ruleLst>
-          <dgm:rule type="h" val="INF" fact="NaN" max="NaN"/>
-        </dgm:ruleLst>
-        <dgm:layoutNode name="iconBgRect" styleLbl="bgShp">
-          <dgm:alg type="sp"/>
-          <dgm:shape xmlns:r="http://schemas.openxmlformats.org/officeDocument/2006/relationships" type="ellipse" r:blip="">
-            <dgm:adjLst/>
-          </dgm:shape>
-          <dgm:presOf/>
-          <dgm:constrLst/>
-          <dgm:ruleLst/>
-        </dgm:layoutNode>
-        <dgm:layoutNode name="iconRect" styleLbl="node1">
-          <dgm:alg type="sp"/>
-          <dgm:shape xmlns:r="http://schemas.openxmlformats.org/officeDocument/2006/relationships" type="rect" r:blip="" blipPhldr="1">
-            <dgm:adjLst/>
-          </dgm:shape>
-          <dgm:presOf/>
-          <dgm:constrLst/>
-          <dgm:ruleLst/>
-        </dgm:layoutNode>
-        <dgm:layoutNode name="spaceRect">
-          <dgm:alg type="sp"/>
-          <dgm:shape xmlns:r="http://schemas.openxmlformats.org/officeDocument/2006/relationships" r:blip="">
-            <dgm:adjLst/>
-          </dgm:shape>
-          <dgm:presOf/>
-          <dgm:constrLst/>
-          <dgm:ruleLst/>
-        </dgm:layoutNode>
-        <dgm:layoutNode name="textRect" styleLbl="revTx">
-          <dgm:varLst>
-            <dgm:chMax val="1"/>
-            <dgm:chPref val="1"/>
-          </dgm:varLst>
-          <dgm:alg type="tx">
-            <dgm:param type="txAnchorVert" val="t"/>
-          </dgm:alg>
-          <dgm:shape xmlns:r="http://schemas.openxmlformats.org/officeDocument/2006/relationships" type="rect" r:blip="">
-            <dgm:adjLst/>
-          </dgm:shape>
-          <dgm:presOf axis="self" ptType="node"/>
-          <dgm:constrLst>
-            <dgm:constr type="lMarg"/>
-            <dgm:constr type="rMarg"/>
-            <dgm:constr type="tMarg"/>
-            <dgm:constr type="bMarg"/>
-          </dgm:constrLst>
-          <dgm:ruleLst>
-            <dgm:rule type="primFontSz" val="11" fact="NaN" max="NaN"/>
-            <dgm:rule type="h" val="INF" fact="NaN" max="NaN"/>
-          </dgm:ruleLst>
-        </dgm:layoutNode>
-      </dgm:layoutNode>
-      <dgm:forEach name="Name9" axis="followSib" ptType="sibTrans" cnt="1">
-        <dgm:layoutNode name="sibTrans">
-          <dgm:alg type="sp"/>
-          <dgm:shape xmlns:r="http://schemas.openxmlformats.org/officeDocument/2006/relationships" r:blip="">
-            <dgm:adjLst/>
-          </dgm:shape>
-          <dgm:presOf axis="self"/>
-          <dgm:constrLst/>
-          <dgm:ruleLst/>
-        </dgm:layoutNode>
-      </dgm:forEach>
-    </dgm:forEach>
-  </dgm:layoutNode>
-  <dgm:extLst>
-    <a:ext uri="{68A01E43-0DF5-4B5B-8FA6-DAF915123BFB}">
-      <dgm1612:lstStyle xmlns:dgm1612="http://schemas.microsoft.com/office/drawing/2016/12/diagram">
-        <a:lvl1pPr>
-          <a:lnSpc>
-            <a:spcPct val="100000"/>
-          </a:lnSpc>
-          <a:defRPr cap="all"/>
-        </a:lvl1pPr>
-      </dgm1612:lstStyle>
-    </a:ext>
-  </dgm:extLst>
-</dgm:layoutDef>
-</file>
-
 <file path=ppt/diagrams/quickStyle1.xml><?xml version="1.0" encoding="utf-8"?>
 <dgm:styleDef xmlns:dgm="http://schemas.openxmlformats.org/drawingml/2006/diagram" xmlns:a="http://schemas.openxmlformats.org/drawingml/2006/main" uniqueId="urn:microsoft.com/office/officeart/2005/8/quickstyle/simple4">
   <dgm:title val=""/>
@@ -8329,1040 +6565,6 @@
 </file>
 
 <file path=ppt/diagrams/quickStyle2.xml><?xml version="1.0" encoding="utf-8"?>
-<dgm:styleDef xmlns:dgm="http://schemas.openxmlformats.org/drawingml/2006/diagram" xmlns:a="http://schemas.openxmlformats.org/drawingml/2006/main" uniqueId="urn:microsoft.com/office/officeart/2005/8/quickstyle/simple1">
-  <dgm:title val=""/>
-  <dgm:desc val=""/>
-  <dgm:catLst>
-    <dgm:cat type="simple" pri="10100"/>
-  </dgm:catLst>
-  <dgm:scene3d>
-    <a:camera prst="orthographicFront"/>
-    <a:lightRig rig="threePt" dir="t"/>
-  </dgm:scene3d>
-  <dgm:styleLbl name="node0">
-    <dgm:scene3d>
-      <a:camera prst="orthographicFront"/>
-      <a:lightRig rig="threePt" dir="t"/>
-    </dgm:scene3d>
-    <dgm:sp3d/>
-    <dgm:txPr/>
-    <dgm:style>
-      <a:lnRef idx="2">
-        <a:scrgbClr r="0" g="0" b="0"/>
-      </a:lnRef>
-      <a:fillRef idx="1">
-        <a:scrgbClr r="0" g="0" b="0"/>
-      </a:fillRef>
-      <a:effectRef idx="0">
-        <a:scrgbClr r="0" g="0" b="0"/>
-      </a:effectRef>
-      <a:fontRef idx="minor">
-        <a:schemeClr val="lt1"/>
-      </a:fontRef>
-    </dgm:style>
-  </dgm:styleLbl>
-  <dgm:styleLbl name="lnNode1">
-    <dgm:scene3d>
-      <a:camera prst="orthographicFront"/>
-      <a:lightRig rig="threePt" dir="t"/>
-    </dgm:scene3d>
-    <dgm:sp3d/>
-    <dgm:txPr/>
-    <dgm:style>
-      <a:lnRef idx="2">
-        <a:scrgbClr r="0" g="0" b="0"/>
-      </a:lnRef>
-      <a:fillRef idx="1">
-        <a:scrgbClr r="0" g="0" b="0"/>
-      </a:fillRef>
-      <a:effectRef idx="0">
-        <a:scrgbClr r="0" g="0" b="0"/>
-      </a:effectRef>
-      <a:fontRef idx="minor">
-        <a:schemeClr val="lt1"/>
-      </a:fontRef>
-    </dgm:style>
-  </dgm:styleLbl>
-  <dgm:styleLbl name="vennNode1">
-    <dgm:scene3d>
-      <a:camera prst="orthographicFront"/>
-      <a:lightRig rig="threePt" dir="t"/>
-    </dgm:scene3d>
-    <dgm:sp3d/>
-    <dgm:txPr/>
-    <dgm:style>
-      <a:lnRef idx="2">
-        <a:scrgbClr r="0" g="0" b="0"/>
-      </a:lnRef>
-      <a:fillRef idx="1">
-        <a:scrgbClr r="0" g="0" b="0"/>
-      </a:fillRef>
-      <a:effectRef idx="0">
-        <a:scrgbClr r="0" g="0" b="0"/>
-      </a:effectRef>
-      <a:fontRef idx="minor">
-        <a:schemeClr val="tx1"/>
-      </a:fontRef>
-    </dgm:style>
-  </dgm:styleLbl>
-  <dgm:styleLbl name="alignNode1">
-    <dgm:scene3d>
-      <a:camera prst="orthographicFront"/>
-      <a:lightRig rig="threePt" dir="t"/>
-    </dgm:scene3d>
-    <dgm:sp3d/>
-    <dgm:txPr/>
-    <dgm:style>
-      <a:lnRef idx="2">
-        <a:scrgbClr r="0" g="0" b="0"/>
-      </a:lnRef>
-      <a:fillRef idx="1">
-        <a:scrgbClr r="0" g="0" b="0"/>
-      </a:fillRef>
-      <a:effectRef idx="0">
-        <a:scrgbClr r="0" g="0" b="0"/>
-      </a:effectRef>
-      <a:fontRef idx="minor">
-        <a:schemeClr val="lt1"/>
-      </a:fontRef>
-    </dgm:style>
-  </dgm:styleLbl>
-  <dgm:styleLbl name="node1">
-    <dgm:scene3d>
-      <a:camera prst="orthographicFront"/>
-      <a:lightRig rig="threePt" dir="t"/>
-    </dgm:scene3d>
-    <dgm:sp3d/>
-    <dgm:txPr/>
-    <dgm:style>
-      <a:lnRef idx="2">
-        <a:scrgbClr r="0" g="0" b="0"/>
-      </a:lnRef>
-      <a:fillRef idx="1">
-        <a:scrgbClr r="0" g="0" b="0"/>
-      </a:fillRef>
-      <a:effectRef idx="0">
-        <a:scrgbClr r="0" g="0" b="0"/>
-      </a:effectRef>
-      <a:fontRef idx="minor">
-        <a:schemeClr val="lt1"/>
-      </a:fontRef>
-    </dgm:style>
-  </dgm:styleLbl>
-  <dgm:styleLbl name="node2">
-    <dgm:scene3d>
-      <a:camera prst="orthographicFront"/>
-      <a:lightRig rig="threePt" dir="t"/>
-    </dgm:scene3d>
-    <dgm:sp3d/>
-    <dgm:txPr/>
-    <dgm:style>
-      <a:lnRef idx="2">
-        <a:scrgbClr r="0" g="0" b="0"/>
-      </a:lnRef>
-      <a:fillRef idx="1">
-        <a:scrgbClr r="0" g="0" b="0"/>
-      </a:fillRef>
-      <a:effectRef idx="0">
-        <a:scrgbClr r="0" g="0" b="0"/>
-      </a:effectRef>
-      <a:fontRef idx="minor">
-        <a:schemeClr val="lt1"/>
-      </a:fontRef>
-    </dgm:style>
-  </dgm:styleLbl>
-  <dgm:styleLbl name="node3">
-    <dgm:scene3d>
-      <a:camera prst="orthographicFront"/>
-      <a:lightRig rig="threePt" dir="t"/>
-    </dgm:scene3d>
-    <dgm:sp3d/>
-    <dgm:txPr/>
-    <dgm:style>
-      <a:lnRef idx="2">
-        <a:scrgbClr r="0" g="0" b="0"/>
-      </a:lnRef>
-      <a:fillRef idx="1">
-        <a:scrgbClr r="0" g="0" b="0"/>
-      </a:fillRef>
-      <a:effectRef idx="0">
-        <a:scrgbClr r="0" g="0" b="0"/>
-      </a:effectRef>
-      <a:fontRef idx="minor">
-        <a:schemeClr val="lt1"/>
-      </a:fontRef>
-    </dgm:style>
-  </dgm:styleLbl>
-  <dgm:styleLbl name="node4">
-    <dgm:scene3d>
-      <a:camera prst="orthographicFront"/>
-      <a:lightRig rig="threePt" dir="t"/>
-    </dgm:scene3d>
-    <dgm:sp3d/>
-    <dgm:txPr/>
-    <dgm:style>
-      <a:lnRef idx="2">
-        <a:scrgbClr r="0" g="0" b="0"/>
-      </a:lnRef>
-      <a:fillRef idx="1">
-        <a:scrgbClr r="0" g="0" b="0"/>
-      </a:fillRef>
-      <a:effectRef idx="0">
-        <a:scrgbClr r="0" g="0" b="0"/>
-      </a:effectRef>
-      <a:fontRef idx="minor">
-        <a:schemeClr val="lt1"/>
-      </a:fontRef>
-    </dgm:style>
-  </dgm:styleLbl>
-  <dgm:styleLbl name="fgImgPlace1">
-    <dgm:scene3d>
-      <a:camera prst="orthographicFront"/>
-      <a:lightRig rig="threePt" dir="t"/>
-    </dgm:scene3d>
-    <dgm:sp3d/>
-    <dgm:txPr/>
-    <dgm:style>
-      <a:lnRef idx="2">
-        <a:scrgbClr r="0" g="0" b="0"/>
-      </a:lnRef>
-      <a:fillRef idx="1">
-        <a:scrgbClr r="0" g="0" b="0"/>
-      </a:fillRef>
-      <a:effectRef idx="0">
-        <a:scrgbClr r="0" g="0" b="0"/>
-      </a:effectRef>
-      <a:fontRef idx="minor"/>
-    </dgm:style>
-  </dgm:styleLbl>
-  <dgm:styleLbl name="alignImgPlace1">
-    <dgm:scene3d>
-      <a:camera prst="orthographicFront"/>
-      <a:lightRig rig="threePt" dir="t"/>
-    </dgm:scene3d>
-    <dgm:sp3d/>
-    <dgm:txPr/>
-    <dgm:style>
-      <a:lnRef idx="2">
-        <a:scrgbClr r="0" g="0" b="0"/>
-      </a:lnRef>
-      <a:fillRef idx="1">
-        <a:scrgbClr r="0" g="0" b="0"/>
-      </a:fillRef>
-      <a:effectRef idx="0">
-        <a:scrgbClr r="0" g="0" b="0"/>
-      </a:effectRef>
-      <a:fontRef idx="minor"/>
-    </dgm:style>
-  </dgm:styleLbl>
-  <dgm:styleLbl name="bgImgPlace1">
-    <dgm:scene3d>
-      <a:camera prst="orthographicFront"/>
-      <a:lightRig rig="threePt" dir="t"/>
-    </dgm:scene3d>
-    <dgm:sp3d/>
-    <dgm:txPr/>
-    <dgm:style>
-      <a:lnRef idx="2">
-        <a:scrgbClr r="0" g="0" b="0"/>
-      </a:lnRef>
-      <a:fillRef idx="1">
-        <a:scrgbClr r="0" g="0" b="0"/>
-      </a:fillRef>
-      <a:effectRef idx="0">
-        <a:scrgbClr r="0" g="0" b="0"/>
-      </a:effectRef>
-      <a:fontRef idx="minor"/>
-    </dgm:style>
-  </dgm:styleLbl>
-  <dgm:styleLbl name="sibTrans2D1">
-    <dgm:scene3d>
-      <a:camera prst="orthographicFront"/>
-      <a:lightRig rig="threePt" dir="t"/>
-    </dgm:scene3d>
-    <dgm:sp3d/>
-    <dgm:txPr/>
-    <dgm:style>
-      <a:lnRef idx="0">
-        <a:scrgbClr r="0" g="0" b="0"/>
-      </a:lnRef>
-      <a:fillRef idx="1">
-        <a:scrgbClr r="0" g="0" b="0"/>
-      </a:fillRef>
-      <a:effectRef idx="0">
-        <a:scrgbClr r="0" g="0" b="0"/>
-      </a:effectRef>
-      <a:fontRef idx="minor">
-        <a:schemeClr val="lt1"/>
-      </a:fontRef>
-    </dgm:style>
-  </dgm:styleLbl>
-  <dgm:styleLbl name="fgSibTrans2D1">
-    <dgm:scene3d>
-      <a:camera prst="orthographicFront"/>
-      <a:lightRig rig="threePt" dir="t"/>
-    </dgm:scene3d>
-    <dgm:sp3d/>
-    <dgm:txPr/>
-    <dgm:style>
-      <a:lnRef idx="0">
-        <a:scrgbClr r="0" g="0" b="0"/>
-      </a:lnRef>
-      <a:fillRef idx="1">
-        <a:scrgbClr r="0" g="0" b="0"/>
-      </a:fillRef>
-      <a:effectRef idx="0">
-        <a:scrgbClr r="0" g="0" b="0"/>
-      </a:effectRef>
-      <a:fontRef idx="minor">
-        <a:schemeClr val="lt1"/>
-      </a:fontRef>
-    </dgm:style>
-  </dgm:styleLbl>
-  <dgm:styleLbl name="bgSibTrans2D1">
-    <dgm:scene3d>
-      <a:camera prst="orthographicFront"/>
-      <a:lightRig rig="threePt" dir="t"/>
-    </dgm:scene3d>
-    <dgm:sp3d/>
-    <dgm:txPr/>
-    <dgm:style>
-      <a:lnRef idx="0">
-        <a:scrgbClr r="0" g="0" b="0"/>
-      </a:lnRef>
-      <a:fillRef idx="1">
-        <a:scrgbClr r="0" g="0" b="0"/>
-      </a:fillRef>
-      <a:effectRef idx="0">
-        <a:scrgbClr r="0" g="0" b="0"/>
-      </a:effectRef>
-      <a:fontRef idx="minor">
-        <a:schemeClr val="lt1"/>
-      </a:fontRef>
-    </dgm:style>
-  </dgm:styleLbl>
-  <dgm:styleLbl name="sibTrans1D1">
-    <dgm:scene3d>
-      <a:camera prst="orthographicFront"/>
-      <a:lightRig rig="threePt" dir="t"/>
-    </dgm:scene3d>
-    <dgm:sp3d/>
-    <dgm:txPr/>
-    <dgm:style>
-      <a:lnRef idx="1">
-        <a:scrgbClr r="0" g="0" b="0"/>
-      </a:lnRef>
-      <a:fillRef idx="0">
-        <a:scrgbClr r="0" g="0" b="0"/>
-      </a:fillRef>
-      <a:effectRef idx="0">
-        <a:scrgbClr r="0" g="0" b="0"/>
-      </a:effectRef>
-      <a:fontRef idx="minor"/>
-    </dgm:style>
-  </dgm:styleLbl>
-  <dgm:styleLbl name="callout">
-    <dgm:scene3d>
-      <a:camera prst="orthographicFront"/>
-      <a:lightRig rig="threePt" dir="t"/>
-    </dgm:scene3d>
-    <dgm:sp3d/>
-    <dgm:txPr/>
-    <dgm:style>
-      <a:lnRef idx="2">
-        <a:scrgbClr r="0" g="0" b="0"/>
-      </a:lnRef>
-      <a:fillRef idx="1">
-        <a:scrgbClr r="0" g="0" b="0"/>
-      </a:fillRef>
-      <a:effectRef idx="0">
-        <a:scrgbClr r="0" g="0" b="0"/>
-      </a:effectRef>
-      <a:fontRef idx="minor"/>
-    </dgm:style>
-  </dgm:styleLbl>
-  <dgm:styleLbl name="asst0">
-    <dgm:scene3d>
-      <a:camera prst="orthographicFront"/>
-      <a:lightRig rig="threePt" dir="t"/>
-    </dgm:scene3d>
-    <dgm:sp3d/>
-    <dgm:txPr/>
-    <dgm:style>
-      <a:lnRef idx="2">
-        <a:scrgbClr r="0" g="0" b="0"/>
-      </a:lnRef>
-      <a:fillRef idx="1">
-        <a:scrgbClr r="0" g="0" b="0"/>
-      </a:fillRef>
-      <a:effectRef idx="0">
-        <a:scrgbClr r="0" g="0" b="0"/>
-      </a:effectRef>
-      <a:fontRef idx="minor">
-        <a:schemeClr val="lt1"/>
-      </a:fontRef>
-    </dgm:style>
-  </dgm:styleLbl>
-  <dgm:styleLbl name="asst1">
-    <dgm:scene3d>
-      <a:camera prst="orthographicFront"/>
-      <a:lightRig rig="threePt" dir="t"/>
-    </dgm:scene3d>
-    <dgm:sp3d/>
-    <dgm:txPr/>
-    <dgm:style>
-      <a:lnRef idx="2">
-        <a:scrgbClr r="0" g="0" b="0"/>
-      </a:lnRef>
-      <a:fillRef idx="1">
-        <a:scrgbClr r="0" g="0" b="0"/>
-      </a:fillRef>
-      <a:effectRef idx="0">
-        <a:scrgbClr r="0" g="0" b="0"/>
-      </a:effectRef>
-      <a:fontRef idx="minor">
-        <a:schemeClr val="lt1"/>
-      </a:fontRef>
-    </dgm:style>
-  </dgm:styleLbl>
-  <dgm:styleLbl name="asst2">
-    <dgm:scene3d>
-      <a:camera prst="orthographicFront"/>
-      <a:lightRig rig="threePt" dir="t"/>
-    </dgm:scene3d>
-    <dgm:sp3d/>
-    <dgm:txPr/>
-    <dgm:style>
-      <a:lnRef idx="2">
-        <a:scrgbClr r="0" g="0" b="0"/>
-      </a:lnRef>
-      <a:fillRef idx="1">
-        <a:scrgbClr r="0" g="0" b="0"/>
-      </a:fillRef>
-      <a:effectRef idx="0">
-        <a:scrgbClr r="0" g="0" b="0"/>
-      </a:effectRef>
-      <a:fontRef idx="minor">
-        <a:schemeClr val="lt1"/>
-      </a:fontRef>
-    </dgm:style>
-  </dgm:styleLbl>
-  <dgm:styleLbl name="asst3">
-    <dgm:scene3d>
-      <a:camera prst="orthographicFront"/>
-      <a:lightRig rig="threePt" dir="t"/>
-    </dgm:scene3d>
-    <dgm:sp3d/>
-    <dgm:txPr/>
-    <dgm:style>
-      <a:lnRef idx="2">
-        <a:scrgbClr r="0" g="0" b="0"/>
-      </a:lnRef>
-      <a:fillRef idx="1">
-        <a:scrgbClr r="0" g="0" b="0"/>
-      </a:fillRef>
-      <a:effectRef idx="0">
-        <a:scrgbClr r="0" g="0" b="0"/>
-      </a:effectRef>
-      <a:fontRef idx="minor">
-        <a:schemeClr val="lt1"/>
-      </a:fontRef>
-    </dgm:style>
-  </dgm:styleLbl>
-  <dgm:styleLbl name="asst4">
-    <dgm:scene3d>
-      <a:camera prst="orthographicFront"/>
-      <a:lightRig rig="threePt" dir="t"/>
-    </dgm:scene3d>
-    <dgm:sp3d/>
-    <dgm:txPr/>
-    <dgm:style>
-      <a:lnRef idx="2">
-        <a:scrgbClr r="0" g="0" b="0"/>
-      </a:lnRef>
-      <a:fillRef idx="1">
-        <a:scrgbClr r="0" g="0" b="0"/>
-      </a:fillRef>
-      <a:effectRef idx="0">
-        <a:scrgbClr r="0" g="0" b="0"/>
-      </a:effectRef>
-      <a:fontRef idx="minor">
-        <a:schemeClr val="lt1"/>
-      </a:fontRef>
-    </dgm:style>
-  </dgm:styleLbl>
-  <dgm:styleLbl name="parChTrans2D1">
-    <dgm:scene3d>
-      <a:camera prst="orthographicFront"/>
-      <a:lightRig rig="threePt" dir="t"/>
-    </dgm:scene3d>
-    <dgm:sp3d/>
-    <dgm:txPr/>
-    <dgm:style>
-      <a:lnRef idx="2">
-        <a:scrgbClr r="0" g="0" b="0"/>
-      </a:lnRef>
-      <a:fillRef idx="1">
-        <a:scrgbClr r="0" g="0" b="0"/>
-      </a:fillRef>
-      <a:effectRef idx="0">
-        <a:scrgbClr r="0" g="0" b="0"/>
-      </a:effectRef>
-      <a:fontRef idx="minor">
-        <a:schemeClr val="lt1"/>
-      </a:fontRef>
-    </dgm:style>
-  </dgm:styleLbl>
-  <dgm:styleLbl name="parChTrans2D2">
-    <dgm:scene3d>
-      <a:camera prst="orthographicFront"/>
-      <a:lightRig rig="threePt" dir="t"/>
-    </dgm:scene3d>
-    <dgm:sp3d/>
-    <dgm:txPr/>
-    <dgm:style>
-      <a:lnRef idx="2">
-        <a:scrgbClr r="0" g="0" b="0"/>
-      </a:lnRef>
-      <a:fillRef idx="1">
-        <a:scrgbClr r="0" g="0" b="0"/>
-      </a:fillRef>
-      <a:effectRef idx="0">
-        <a:scrgbClr r="0" g="0" b="0"/>
-      </a:effectRef>
-      <a:fontRef idx="minor">
-        <a:schemeClr val="lt1"/>
-      </a:fontRef>
-    </dgm:style>
-  </dgm:styleLbl>
-  <dgm:styleLbl name="parChTrans2D3">
-    <dgm:scene3d>
-      <a:camera prst="orthographicFront"/>
-      <a:lightRig rig="threePt" dir="t"/>
-    </dgm:scene3d>
-    <dgm:sp3d/>
-    <dgm:txPr/>
-    <dgm:style>
-      <a:lnRef idx="2">
-        <a:scrgbClr r="0" g="0" b="0"/>
-      </a:lnRef>
-      <a:fillRef idx="1">
-        <a:scrgbClr r="0" g="0" b="0"/>
-      </a:fillRef>
-      <a:effectRef idx="0">
-        <a:scrgbClr r="0" g="0" b="0"/>
-      </a:effectRef>
-      <a:fontRef idx="minor">
-        <a:schemeClr val="lt1"/>
-      </a:fontRef>
-    </dgm:style>
-  </dgm:styleLbl>
-  <dgm:styleLbl name="parChTrans2D4">
-    <dgm:scene3d>
-      <a:camera prst="orthographicFront"/>
-      <a:lightRig rig="threePt" dir="t"/>
-    </dgm:scene3d>
-    <dgm:sp3d/>
-    <dgm:txPr/>
-    <dgm:style>
-      <a:lnRef idx="2">
-        <a:scrgbClr r="0" g="0" b="0"/>
-      </a:lnRef>
-      <a:fillRef idx="1">
-        <a:scrgbClr r="0" g="0" b="0"/>
-      </a:fillRef>
-      <a:effectRef idx="0">
-        <a:scrgbClr r="0" g="0" b="0"/>
-      </a:effectRef>
-      <a:fontRef idx="minor">
-        <a:schemeClr val="lt1"/>
-      </a:fontRef>
-    </dgm:style>
-  </dgm:styleLbl>
-  <dgm:styleLbl name="parChTrans1D1">
-    <dgm:scene3d>
-      <a:camera prst="orthographicFront"/>
-      <a:lightRig rig="threePt" dir="t"/>
-    </dgm:scene3d>
-    <dgm:sp3d/>
-    <dgm:txPr/>
-    <dgm:style>
-      <a:lnRef idx="2">
-        <a:scrgbClr r="0" g="0" b="0"/>
-      </a:lnRef>
-      <a:fillRef idx="0">
-        <a:scrgbClr r="0" g="0" b="0"/>
-      </a:fillRef>
-      <a:effectRef idx="0">
-        <a:scrgbClr r="0" g="0" b="0"/>
-      </a:effectRef>
-      <a:fontRef idx="minor"/>
-    </dgm:style>
-  </dgm:styleLbl>
-  <dgm:styleLbl name="parChTrans1D2">
-    <dgm:scene3d>
-      <a:camera prst="orthographicFront"/>
-      <a:lightRig rig="threePt" dir="t"/>
-    </dgm:scene3d>
-    <dgm:sp3d/>
-    <dgm:txPr/>
-    <dgm:style>
-      <a:lnRef idx="2">
-        <a:scrgbClr r="0" g="0" b="0"/>
-      </a:lnRef>
-      <a:fillRef idx="0">
-        <a:scrgbClr r="0" g="0" b="0"/>
-      </a:fillRef>
-      <a:effectRef idx="0">
-        <a:scrgbClr r="0" g="0" b="0"/>
-      </a:effectRef>
-      <a:fontRef idx="minor"/>
-    </dgm:style>
-  </dgm:styleLbl>
-  <dgm:styleLbl name="parChTrans1D3">
-    <dgm:scene3d>
-      <a:camera prst="orthographicFront"/>
-      <a:lightRig rig="threePt" dir="t"/>
-    </dgm:scene3d>
-    <dgm:sp3d/>
-    <dgm:txPr/>
-    <dgm:style>
-      <a:lnRef idx="2">
-        <a:scrgbClr r="0" g="0" b="0"/>
-      </a:lnRef>
-      <a:fillRef idx="0">
-        <a:scrgbClr r="0" g="0" b="0"/>
-      </a:fillRef>
-      <a:effectRef idx="0">
-        <a:scrgbClr r="0" g="0" b="0"/>
-      </a:effectRef>
-      <a:fontRef idx="minor"/>
-    </dgm:style>
-  </dgm:styleLbl>
-  <dgm:styleLbl name="parChTrans1D4">
-    <dgm:scene3d>
-      <a:camera prst="orthographicFront"/>
-      <a:lightRig rig="threePt" dir="t"/>
-    </dgm:scene3d>
-    <dgm:sp3d/>
-    <dgm:txPr/>
-    <dgm:style>
-      <a:lnRef idx="2">
-        <a:scrgbClr r="0" g="0" b="0"/>
-      </a:lnRef>
-      <a:fillRef idx="0">
-        <a:scrgbClr r="0" g="0" b="0"/>
-      </a:fillRef>
-      <a:effectRef idx="0">
-        <a:scrgbClr r="0" g="0" b="0"/>
-      </a:effectRef>
-      <a:fontRef idx="minor"/>
-    </dgm:style>
-  </dgm:styleLbl>
-  <dgm:styleLbl name="fgAcc1">
-    <dgm:scene3d>
-      <a:camera prst="orthographicFront"/>
-      <a:lightRig rig="threePt" dir="t"/>
-    </dgm:scene3d>
-    <dgm:sp3d/>
-    <dgm:txPr/>
-    <dgm:style>
-      <a:lnRef idx="2">
-        <a:scrgbClr r="0" g="0" b="0"/>
-      </a:lnRef>
-      <a:fillRef idx="1">
-        <a:scrgbClr r="0" g="0" b="0"/>
-      </a:fillRef>
-      <a:effectRef idx="0">
-        <a:scrgbClr r="0" g="0" b="0"/>
-      </a:effectRef>
-      <a:fontRef idx="minor"/>
-    </dgm:style>
-  </dgm:styleLbl>
-  <dgm:styleLbl name="conFgAcc1">
-    <dgm:scene3d>
-      <a:camera prst="orthographicFront"/>
-      <a:lightRig rig="threePt" dir="t"/>
-    </dgm:scene3d>
-    <dgm:sp3d/>
-    <dgm:txPr/>
-    <dgm:style>
-      <a:lnRef idx="2">
-        <a:scrgbClr r="0" g="0" b="0"/>
-      </a:lnRef>
-      <a:fillRef idx="1">
-        <a:scrgbClr r="0" g="0" b="0"/>
-      </a:fillRef>
-      <a:effectRef idx="0">
-        <a:scrgbClr r="0" g="0" b="0"/>
-      </a:effectRef>
-      <a:fontRef idx="minor"/>
-    </dgm:style>
-  </dgm:styleLbl>
-  <dgm:styleLbl name="alignAcc1">
-    <dgm:scene3d>
-      <a:camera prst="orthographicFront"/>
-      <a:lightRig rig="threePt" dir="t"/>
-    </dgm:scene3d>
-    <dgm:sp3d/>
-    <dgm:txPr/>
-    <dgm:style>
-      <a:lnRef idx="2">
-        <a:scrgbClr r="0" g="0" b="0"/>
-      </a:lnRef>
-      <a:fillRef idx="1">
-        <a:scrgbClr r="0" g="0" b="0"/>
-      </a:fillRef>
-      <a:effectRef idx="0">
-        <a:scrgbClr r="0" g="0" b="0"/>
-      </a:effectRef>
-      <a:fontRef idx="minor"/>
-    </dgm:style>
-  </dgm:styleLbl>
-  <dgm:styleLbl name="trAlignAcc1">
-    <dgm:scene3d>
-      <a:camera prst="orthographicFront"/>
-      <a:lightRig rig="threePt" dir="t"/>
-    </dgm:scene3d>
-    <dgm:sp3d/>
-    <dgm:txPr/>
-    <dgm:style>
-      <a:lnRef idx="1">
-        <a:scrgbClr r="0" g="0" b="0"/>
-      </a:lnRef>
-      <a:fillRef idx="1">
-        <a:scrgbClr r="0" g="0" b="0"/>
-      </a:fillRef>
-      <a:effectRef idx="0">
-        <a:scrgbClr r="0" g="0" b="0"/>
-      </a:effectRef>
-      <a:fontRef idx="minor"/>
-    </dgm:style>
-  </dgm:styleLbl>
-  <dgm:styleLbl name="bgAcc1">
-    <dgm:scene3d>
-      <a:camera prst="orthographicFront"/>
-      <a:lightRig rig="threePt" dir="t"/>
-    </dgm:scene3d>
-    <dgm:sp3d/>
-    <dgm:txPr/>
-    <dgm:style>
-      <a:lnRef idx="2">
-        <a:scrgbClr r="0" g="0" b="0"/>
-      </a:lnRef>
-      <a:fillRef idx="1">
-        <a:scrgbClr r="0" g="0" b="0"/>
-      </a:fillRef>
-      <a:effectRef idx="0">
-        <a:scrgbClr r="0" g="0" b="0"/>
-      </a:effectRef>
-      <a:fontRef idx="minor"/>
-    </dgm:style>
-  </dgm:styleLbl>
-  <dgm:styleLbl name="solidFgAcc1">
-    <dgm:scene3d>
-      <a:camera prst="orthographicFront"/>
-      <a:lightRig rig="threePt" dir="t"/>
-    </dgm:scene3d>
-    <dgm:sp3d/>
-    <dgm:txPr/>
-    <dgm:style>
-      <a:lnRef idx="2">
-        <a:scrgbClr r="0" g="0" b="0"/>
-      </a:lnRef>
-      <a:fillRef idx="1">
-        <a:scrgbClr r="0" g="0" b="0"/>
-      </a:fillRef>
-      <a:effectRef idx="0">
-        <a:scrgbClr r="0" g="0" b="0"/>
-      </a:effectRef>
-      <a:fontRef idx="minor"/>
-    </dgm:style>
-  </dgm:styleLbl>
-  <dgm:styleLbl name="solidAlignAcc1">
-    <dgm:scene3d>
-      <a:camera prst="orthographicFront"/>
-      <a:lightRig rig="threePt" dir="t"/>
-    </dgm:scene3d>
-    <dgm:sp3d/>
-    <dgm:txPr/>
-    <dgm:style>
-      <a:lnRef idx="2">
-        <a:scrgbClr r="0" g="0" b="0"/>
-      </a:lnRef>
-      <a:fillRef idx="1">
-        <a:scrgbClr r="0" g="0" b="0"/>
-      </a:fillRef>
-      <a:effectRef idx="0">
-        <a:scrgbClr r="0" g="0" b="0"/>
-      </a:effectRef>
-      <a:fontRef idx="minor"/>
-    </dgm:style>
-  </dgm:styleLbl>
-  <dgm:styleLbl name="solidBgAcc1">
-    <dgm:scene3d>
-      <a:camera prst="orthographicFront"/>
-      <a:lightRig rig="threePt" dir="t"/>
-    </dgm:scene3d>
-    <dgm:sp3d/>
-    <dgm:txPr/>
-    <dgm:style>
-      <a:lnRef idx="2">
-        <a:scrgbClr r="0" g="0" b="0"/>
-      </a:lnRef>
-      <a:fillRef idx="1">
-        <a:scrgbClr r="0" g="0" b="0"/>
-      </a:fillRef>
-      <a:effectRef idx="0">
-        <a:scrgbClr r="0" g="0" b="0"/>
-      </a:effectRef>
-      <a:fontRef idx="minor"/>
-    </dgm:style>
-  </dgm:styleLbl>
-  <dgm:styleLbl name="fgAccFollowNode1">
-    <dgm:scene3d>
-      <a:camera prst="orthographicFront"/>
-      <a:lightRig rig="threePt" dir="t"/>
-    </dgm:scene3d>
-    <dgm:sp3d/>
-    <dgm:txPr/>
-    <dgm:style>
-      <a:lnRef idx="2">
-        <a:scrgbClr r="0" g="0" b="0"/>
-      </a:lnRef>
-      <a:fillRef idx="1">
-        <a:scrgbClr r="0" g="0" b="0"/>
-      </a:fillRef>
-      <a:effectRef idx="0">
-        <a:scrgbClr r="0" g="0" b="0"/>
-      </a:effectRef>
-      <a:fontRef idx="minor"/>
-    </dgm:style>
-  </dgm:styleLbl>
-  <dgm:styleLbl name="alignAccFollowNode1">
-    <dgm:scene3d>
-      <a:camera prst="orthographicFront"/>
-      <a:lightRig rig="threePt" dir="t"/>
-    </dgm:scene3d>
-    <dgm:sp3d/>
-    <dgm:txPr/>
-    <dgm:style>
-      <a:lnRef idx="2">
-        <a:scrgbClr r="0" g="0" b="0"/>
-      </a:lnRef>
-      <a:fillRef idx="1">
-        <a:scrgbClr r="0" g="0" b="0"/>
-      </a:fillRef>
-      <a:effectRef idx="0">
-        <a:scrgbClr r="0" g="0" b="0"/>
-      </a:effectRef>
-      <a:fontRef idx="minor"/>
-    </dgm:style>
-  </dgm:styleLbl>
-  <dgm:styleLbl name="bgAccFollowNode1">
-    <dgm:scene3d>
-      <a:camera prst="orthographicFront"/>
-      <a:lightRig rig="threePt" dir="t"/>
-    </dgm:scene3d>
-    <dgm:sp3d/>
-    <dgm:txPr/>
-    <dgm:style>
-      <a:lnRef idx="2">
-        <a:scrgbClr r="0" g="0" b="0"/>
-      </a:lnRef>
-      <a:fillRef idx="1">
-        <a:scrgbClr r="0" g="0" b="0"/>
-      </a:fillRef>
-      <a:effectRef idx="0">
-        <a:scrgbClr r="0" g="0" b="0"/>
-      </a:effectRef>
-      <a:fontRef idx="minor"/>
-    </dgm:style>
-  </dgm:styleLbl>
-  <dgm:styleLbl name="fgAcc0">
-    <dgm:scene3d>
-      <a:camera prst="orthographicFront"/>
-      <a:lightRig rig="threePt" dir="t"/>
-    </dgm:scene3d>
-    <dgm:sp3d/>
-    <dgm:txPr/>
-    <dgm:style>
-      <a:lnRef idx="2">
-        <a:scrgbClr r="0" g="0" b="0"/>
-      </a:lnRef>
-      <a:fillRef idx="1">
-        <a:scrgbClr r="0" g="0" b="0"/>
-      </a:fillRef>
-      <a:effectRef idx="0">
-        <a:scrgbClr r="0" g="0" b="0"/>
-      </a:effectRef>
-      <a:fontRef idx="minor"/>
-    </dgm:style>
-  </dgm:styleLbl>
-  <dgm:styleLbl name="fgAcc2">
-    <dgm:scene3d>
-      <a:camera prst="orthographicFront"/>
-      <a:lightRig rig="threePt" dir="t"/>
-    </dgm:scene3d>
-    <dgm:sp3d/>
-    <dgm:txPr/>
-    <dgm:style>
-      <a:lnRef idx="2">
-        <a:scrgbClr r="0" g="0" b="0"/>
-      </a:lnRef>
-      <a:fillRef idx="1">
-        <a:scrgbClr r="0" g="0" b="0"/>
-      </a:fillRef>
-      <a:effectRef idx="0">
-        <a:scrgbClr r="0" g="0" b="0"/>
-      </a:effectRef>
-      <a:fontRef idx="minor"/>
-    </dgm:style>
-  </dgm:styleLbl>
-  <dgm:styleLbl name="fgAcc3">
-    <dgm:scene3d>
-      <a:camera prst="orthographicFront"/>
-      <a:lightRig rig="threePt" dir="t"/>
-    </dgm:scene3d>
-    <dgm:sp3d/>
-    <dgm:txPr/>
-    <dgm:style>
-      <a:lnRef idx="2">
-        <a:scrgbClr r="0" g="0" b="0"/>
-      </a:lnRef>
-      <a:fillRef idx="1">
-        <a:scrgbClr r="0" g="0" b="0"/>
-      </a:fillRef>
-      <a:effectRef idx="0">
-        <a:scrgbClr r="0" g="0" b="0"/>
-      </a:effectRef>
-      <a:fontRef idx="minor"/>
-    </dgm:style>
-  </dgm:styleLbl>
-  <dgm:styleLbl name="fgAcc4">
-    <dgm:scene3d>
-      <a:camera prst="orthographicFront"/>
-      <a:lightRig rig="threePt" dir="t"/>
-    </dgm:scene3d>
-    <dgm:sp3d/>
-    <dgm:txPr/>
-    <dgm:style>
-      <a:lnRef idx="2">
-        <a:scrgbClr r="0" g="0" b="0"/>
-      </a:lnRef>
-      <a:fillRef idx="1">
-        <a:scrgbClr r="0" g="0" b="0"/>
-      </a:fillRef>
-      <a:effectRef idx="0">
-        <a:scrgbClr r="0" g="0" b="0"/>
-      </a:effectRef>
-      <a:fontRef idx="minor"/>
-    </dgm:style>
-  </dgm:styleLbl>
-  <dgm:styleLbl name="bgShp">
-    <dgm:scene3d>
-      <a:camera prst="orthographicFront"/>
-      <a:lightRig rig="threePt" dir="t"/>
-    </dgm:scene3d>
-    <dgm:sp3d/>
-    <dgm:txPr/>
-    <dgm:style>
-      <a:lnRef idx="0">
-        <a:scrgbClr r="0" g="0" b="0"/>
-      </a:lnRef>
-      <a:fillRef idx="1">
-        <a:scrgbClr r="0" g="0" b="0"/>
-      </a:fillRef>
-      <a:effectRef idx="0">
-        <a:scrgbClr r="0" g="0" b="0"/>
-      </a:effectRef>
-      <a:fontRef idx="minor"/>
-    </dgm:style>
-  </dgm:styleLbl>
-  <dgm:styleLbl name="dkBgShp">
-    <dgm:scene3d>
-      <a:camera prst="orthographicFront"/>
-      <a:lightRig rig="threePt" dir="t"/>
-    </dgm:scene3d>
-    <dgm:sp3d/>
-    <dgm:txPr/>
-    <dgm:style>
-      <a:lnRef idx="0">
-        <a:scrgbClr r="0" g="0" b="0"/>
-      </a:lnRef>
-      <a:fillRef idx="1">
-        <a:scrgbClr r="0" g="0" b="0"/>
-      </a:fillRef>
-      <a:effectRef idx="0">
-        <a:scrgbClr r="0" g="0" b="0"/>
-      </a:effectRef>
-      <a:fontRef idx="minor"/>
-    </dgm:style>
-  </dgm:styleLbl>
-  <dgm:styleLbl name="trBgShp">
-    <dgm:scene3d>
-      <a:camera prst="orthographicFront"/>
-      <a:lightRig rig="threePt" dir="t"/>
-    </dgm:scene3d>
-    <dgm:sp3d/>
-    <dgm:txPr/>
-    <dgm:style>
-      <a:lnRef idx="0">
-        <a:scrgbClr r="0" g="0" b="0"/>
-      </a:lnRef>
-      <a:fillRef idx="1">
-        <a:scrgbClr r="0" g="0" b="0"/>
-      </a:fillRef>
-      <a:effectRef idx="0">
-        <a:scrgbClr r="0" g="0" b="0"/>
-      </a:effectRef>
-      <a:fontRef idx="minor"/>
-    </dgm:style>
-  </dgm:styleLbl>
-  <dgm:styleLbl name="fgShp">
-    <dgm:scene3d>
-      <a:camera prst="orthographicFront"/>
-      <a:lightRig rig="threePt" dir="t"/>
-    </dgm:scene3d>
-    <dgm:sp3d/>
-    <dgm:txPr/>
-    <dgm:style>
-      <a:lnRef idx="2">
-        <a:scrgbClr r="0" g="0" b="0"/>
-      </a:lnRef>
-      <a:fillRef idx="1">
-        <a:scrgbClr r="0" g="0" b="0"/>
-      </a:fillRef>
-      <a:effectRef idx="0">
-        <a:scrgbClr r="0" g="0" b="0"/>
-      </a:effectRef>
-      <a:fontRef idx="minor"/>
-    </dgm:style>
-  </dgm:styleLbl>
-  <dgm:styleLbl name="revTx">
-    <dgm:scene3d>
-      <a:camera prst="orthographicFront"/>
-      <a:lightRig rig="threePt" dir="t"/>
-    </dgm:scene3d>
-    <dgm:sp3d/>
-    <dgm:txPr/>
-    <dgm:style>
-      <a:lnRef idx="0">
-        <a:scrgbClr r="0" g="0" b="0"/>
-      </a:lnRef>
-      <a:fillRef idx="0">
-        <a:scrgbClr r="0" g="0" b="0"/>
-      </a:fillRef>
-      <a:effectRef idx="0">
-        <a:scrgbClr r="0" g="0" b="0"/>
-      </a:effectRef>
-      <a:fontRef idx="minor"/>
-    </dgm:style>
-  </dgm:styleLbl>
-</dgm:styleDef>
-</file>
-
-<file path=ppt/diagrams/quickStyle3.xml><?xml version="1.0" encoding="utf-8"?>
 <dgm:styleDef xmlns:dgm="http://schemas.openxmlformats.org/drawingml/2006/diagram" xmlns:a="http://schemas.openxmlformats.org/drawingml/2006/main" uniqueId="urn:microsoft.com/office/officeart/2005/8/quickstyle/simple1">
   <dgm:title val=""/>
   <dgm:desc val=""/>
@@ -11167,175 +8369,7 @@
           <a:p>
             <a:fld id="{CD3F15BC-4AA1-41C4-8C26-91A7E3BB93DC}" type="slidenum">
               <a:rPr lang="en-US" smtClean="0"/>
-              <a:t>11</a:t>
-            </a:fld>
-            <a:endParaRPr lang="en-US" dirty="0"/>
-          </a:p>
-        </p:txBody>
-      </p:sp>
-    </p:spTree>
-    <p:extLst>
-      <p:ext uri="{BB962C8B-B14F-4D97-AF65-F5344CB8AC3E}">
-        <p14:creationId xmlns:p14="http://schemas.microsoft.com/office/powerpoint/2010/main" val="3573156617"/>
-      </p:ext>
-    </p:extLst>
-  </p:cSld>
-  <p:clrMapOvr>
-    <a:masterClrMapping/>
-  </p:clrMapOvr>
-</p:notes>
-</file>
-
-<file path=ppt/notesSlides/notesSlide4.xml><?xml version="1.0" encoding="utf-8"?>
-<p:notes xmlns:a="http://schemas.openxmlformats.org/drawingml/2006/main" xmlns:r="http://schemas.openxmlformats.org/officeDocument/2006/relationships" xmlns:p="http://schemas.openxmlformats.org/presentationml/2006/main">
-  <p:cSld>
-    <p:spTree>
-      <p:nvGrpSpPr>
-        <p:cNvPr id="1" name=""/>
-        <p:cNvGrpSpPr/>
-        <p:nvPr/>
-      </p:nvGrpSpPr>
-      <p:grpSpPr>
-        <a:xfrm>
-          <a:off x="0" y="0"/>
-          <a:ext cx="0" cy="0"/>
-          <a:chOff x="0" y="0"/>
-          <a:chExt cx="0" cy="0"/>
-        </a:xfrm>
-      </p:grpSpPr>
-      <p:sp>
-        <p:nvSpPr>
-          <p:cNvPr id="2" name="Slide Image Placeholder 1"/>
-          <p:cNvSpPr>
-            <a:spLocks noGrp="1" noRot="1" noChangeAspect="1"/>
-          </p:cNvSpPr>
-          <p:nvPr>
-            <p:ph type="sldImg"/>
-          </p:nvPr>
-        </p:nvSpPr>
-        <p:spPr/>
-      </p:sp>
-      <p:sp>
-        <p:nvSpPr>
-          <p:cNvPr id="3" name="Notes Placeholder 2"/>
-          <p:cNvSpPr>
-            <a:spLocks noGrp="1"/>
-          </p:cNvSpPr>
-          <p:nvPr>
-            <p:ph type="body" idx="1"/>
-          </p:nvPr>
-        </p:nvSpPr>
-        <p:spPr/>
-        <p:txBody>
-          <a:bodyPr/>
-          <a:lstStyle/>
-          <a:p>
-            <a:endParaRPr lang="en-US" dirty="0"/>
-          </a:p>
-        </p:txBody>
-      </p:sp>
-      <p:sp>
-        <p:nvSpPr>
-          <p:cNvPr id="4" name="Slide Number Placeholder 3"/>
-          <p:cNvSpPr>
-            <a:spLocks noGrp="1"/>
-          </p:cNvSpPr>
-          <p:nvPr>
-            <p:ph type="sldNum" sz="quarter" idx="5"/>
-          </p:nvPr>
-        </p:nvSpPr>
-        <p:spPr/>
-        <p:txBody>
-          <a:bodyPr/>
-          <a:lstStyle/>
-          <a:p>
-            <a:fld id="{CD3F15BC-4AA1-41C4-8C26-91A7E3BB93DC}" type="slidenum">
-              <a:rPr lang="en-US" smtClean="0"/>
-              <a:t>12</a:t>
-            </a:fld>
-            <a:endParaRPr lang="en-US" dirty="0"/>
-          </a:p>
-        </p:txBody>
-      </p:sp>
-    </p:spTree>
-    <p:extLst>
-      <p:ext uri="{BB962C8B-B14F-4D97-AF65-F5344CB8AC3E}">
-        <p14:creationId xmlns:p14="http://schemas.microsoft.com/office/powerpoint/2010/main" val="1738381787"/>
-      </p:ext>
-    </p:extLst>
-  </p:cSld>
-  <p:clrMapOvr>
-    <a:masterClrMapping/>
-  </p:clrMapOvr>
-</p:notes>
-</file>
-
-<file path=ppt/notesSlides/notesSlide5.xml><?xml version="1.0" encoding="utf-8"?>
-<p:notes xmlns:a="http://schemas.openxmlformats.org/drawingml/2006/main" xmlns:r="http://schemas.openxmlformats.org/officeDocument/2006/relationships" xmlns:p="http://schemas.openxmlformats.org/presentationml/2006/main">
-  <p:cSld>
-    <p:spTree>
-      <p:nvGrpSpPr>
-        <p:cNvPr id="1" name=""/>
-        <p:cNvGrpSpPr/>
-        <p:nvPr/>
-      </p:nvGrpSpPr>
-      <p:grpSpPr>
-        <a:xfrm>
-          <a:off x="0" y="0"/>
-          <a:ext cx="0" cy="0"/>
-          <a:chOff x="0" y="0"/>
-          <a:chExt cx="0" cy="0"/>
-        </a:xfrm>
-      </p:grpSpPr>
-      <p:sp>
-        <p:nvSpPr>
-          <p:cNvPr id="2" name="Slide Image Placeholder 1"/>
-          <p:cNvSpPr>
-            <a:spLocks noGrp="1" noRot="1" noChangeAspect="1"/>
-          </p:cNvSpPr>
-          <p:nvPr>
-            <p:ph type="sldImg"/>
-          </p:nvPr>
-        </p:nvSpPr>
-        <p:spPr/>
-      </p:sp>
-      <p:sp>
-        <p:nvSpPr>
-          <p:cNvPr id="3" name="Notes Placeholder 2"/>
-          <p:cNvSpPr>
-            <a:spLocks noGrp="1"/>
-          </p:cNvSpPr>
-          <p:nvPr>
-            <p:ph type="body" idx="1"/>
-          </p:nvPr>
-        </p:nvSpPr>
-        <p:spPr/>
-        <p:txBody>
-          <a:bodyPr/>
-          <a:lstStyle/>
-          <a:p>
-            <a:endParaRPr lang="en-US" dirty="0"/>
-          </a:p>
-        </p:txBody>
-      </p:sp>
-      <p:sp>
-        <p:nvSpPr>
-          <p:cNvPr id="4" name="Slide Number Placeholder 3"/>
-          <p:cNvSpPr>
-            <a:spLocks noGrp="1"/>
-          </p:cNvSpPr>
-          <p:nvPr>
-            <p:ph type="sldNum" sz="quarter" idx="5"/>
-          </p:nvPr>
-        </p:nvSpPr>
-        <p:spPr/>
-        <p:txBody>
-          <a:bodyPr/>
-          <a:lstStyle/>
-          <a:p>
-            <a:fld id="{CD3F15BC-4AA1-41C4-8C26-91A7E3BB93DC}" type="slidenum">
-              <a:rPr lang="en-US" smtClean="0"/>
-              <a:t>13</a:t>
+              <a:t>14</a:t>
             </a:fld>
             <a:endParaRPr lang="en-US" dirty="0"/>
           </a:p>
@@ -15540,7 +12574,23 @@
           <a:lstStyle/>
           <a:p>
             <a:r>
-              <a:rPr lang="en-US" sz="4000" dirty="0">
+              <a:rPr lang="en-US" altLang="zh-TW" sz="2800" dirty="0" err="1">
+                <a:solidFill>
+                  <a:schemeClr val="bg1"/>
+                </a:solidFill>
+              </a:rPr>
+              <a:t>DevSECops</a:t>
+            </a:r>
+            <a:r>
+              <a:rPr lang="en-US" altLang="zh-TW" sz="2800" dirty="0">
+                <a:solidFill>
+                  <a:schemeClr val="bg1"/>
+                </a:solidFill>
+              </a:rPr>
+              <a:t> : </a:t>
+            </a:r>
+            <a:r>
+              <a:rPr lang="en-US" sz="2800" dirty="0">
                 <a:solidFill>
                   <a:schemeClr val="bg1"/>
                 </a:solidFill>
@@ -15548,7 +12598,7 @@
               <a:t>Marry </a:t>
             </a:r>
             <a:r>
-              <a:rPr lang="en-US" sz="4000" dirty="0" err="1">
+              <a:rPr lang="en-US" sz="2800" dirty="0" err="1">
                 <a:solidFill>
                   <a:schemeClr val="bg1"/>
                 </a:solidFill>
@@ -15556,7 +12606,7 @@
               <a:t>Devops</a:t>
             </a:r>
             <a:r>
-              <a:rPr lang="en-US" sz="4000" dirty="0">
+              <a:rPr lang="en-US" sz="2800" dirty="0">
                 <a:solidFill>
                   <a:schemeClr val="bg1"/>
                 </a:solidFill>
@@ -15764,6 +12814,10 @@
               <a:rPr lang="en-US" altLang="zh-TW" dirty="0" err="1"/>
               <a:t>DevSecOps</a:t>
             </a:r>
+            <a:r>
+              <a:rPr lang="en-US" altLang="zh-TW" dirty="0"/>
+              <a:t> (1/4)</a:t>
+            </a:r>
             <a:endParaRPr lang="zh-TW" altLang="en-US" dirty="0"/>
           </a:p>
         </p:txBody>
@@ -15794,7 +12848,56 @@
           <a:bodyPr/>
           <a:lstStyle/>
           <a:p>
-            <a:endParaRPr lang="zh-TW" altLang="en-US" dirty="0"/>
+            <a:r>
+              <a:rPr lang="en-US" altLang="zh-TW" dirty="0" err="1"/>
+              <a:t>DevSecOps</a:t>
+            </a:r>
+            <a:r>
+              <a:rPr lang="zh-TW" altLang="en-US" dirty="0"/>
+              <a:t>，其實就是在 </a:t>
+            </a:r>
+            <a:r>
+              <a:rPr lang="en-US" altLang="zh-TW" dirty="0"/>
+              <a:t>DevOps </a:t>
+            </a:r>
+            <a:r>
+              <a:rPr lang="zh-TW" altLang="en-US" dirty="0"/>
+              <a:t>的敏捷、自動化、文化下，</a:t>
+            </a:r>
+            <a:r>
+              <a:rPr lang="zh-TW" altLang="en-US" b="1" dirty="0"/>
+              <a:t>讓大家都有權力和責任來實踐資安。</a:t>
+            </a:r>
+            <a:endParaRPr lang="en-US" altLang="zh-TW" b="1" dirty="0"/>
+          </a:p>
+          <a:p>
+            <a:r>
+              <a:rPr lang="en-US" altLang="zh-TW" dirty="0"/>
+              <a:t>DevOps </a:t>
+            </a:r>
+            <a:r>
+              <a:rPr lang="zh-TW" altLang="en-US" dirty="0"/>
+              <a:t>開發速度不一定會跟安全性成正比，可能還會成反比。而潛在資安風險就跟技術債一樣，慢慢累積最後一次爆發。</a:t>
+            </a:r>
+            <a:endParaRPr lang="en-US" altLang="zh-TW" dirty="0"/>
+          </a:p>
+          <a:p>
+            <a:r>
+              <a:rPr lang="zh-TW" altLang="en-US" b="1" dirty="0"/>
+              <a:t>所有人都有權責來做資安，並且快速、持續疊代成長。</a:t>
+            </a:r>
+            <a:endParaRPr lang="en-US" altLang="zh-TW" b="1" dirty="0"/>
+          </a:p>
+          <a:p>
+            <a:r>
+              <a:rPr lang="zh-TW" altLang="en-US" b="1" dirty="0"/>
+              <a:t>讓資安基因植入在產品、基礎建設、流程、和每個人的行動上</a:t>
+            </a:r>
+            <a:r>
+              <a:rPr lang="zh-TW" altLang="en-US" dirty="0"/>
+              <a:t>。</a:t>
+            </a:r>
+            <a:endParaRPr lang="en-US" altLang="zh-TW" dirty="0"/>
           </a:p>
         </p:txBody>
       </p:sp>
@@ -15888,325 +12991,340 @@
       </p:sp>
       <p:grpSp>
         <p:nvGrpSpPr>
-          <p:cNvPr id="11" name="Group 10">
-            <a:extLst>
-              <a:ext uri="{FF2B5EF4-FFF2-40B4-BE49-F238E27FC236}">
-                <a16:creationId xmlns:a16="http://schemas.microsoft.com/office/drawing/2014/main" id="{392D29F9-2DB2-4672-9BB4-2943EE2E7D65}"/>
-              </a:ext>
-            </a:extLst>
-          </p:cNvPr>
+          <p:cNvPr id="8" name="群組 7"/>
           <p:cNvGrpSpPr/>
           <p:nvPr/>
         </p:nvGrpSpPr>
         <p:grpSpPr>
           <a:xfrm>
-            <a:off x="694944" y="2011003"/>
+            <a:off x="548255" y="1909985"/>
             <a:ext cx="4024152" cy="3847796"/>
-            <a:chOff x="2933395" y="1808968"/>
+            <a:chOff x="694944" y="2011003"/>
             <a:chExt cx="4024152" cy="3847796"/>
           </a:xfrm>
         </p:grpSpPr>
-        <p:sp>
-          <p:nvSpPr>
-            <p:cNvPr id="7" name="Oval 6">
+        <p:grpSp>
+          <p:nvGrpSpPr>
+            <p:cNvPr id="11" name="Group 10">
               <a:extLst>
                 <a:ext uri="{FF2B5EF4-FFF2-40B4-BE49-F238E27FC236}">
-                  <a16:creationId xmlns:a16="http://schemas.microsoft.com/office/drawing/2014/main" id="{C059C4B7-43E6-420B-A85D-22AB36EF50D4}"/>
+                  <a16:creationId xmlns:a16="http://schemas.microsoft.com/office/drawing/2014/main" id="{392D29F9-2DB2-4672-9BB4-2943EE2E7D65}"/>
                 </a:ext>
               </a:extLst>
             </p:cNvPr>
-            <p:cNvSpPr/>
+            <p:cNvGrpSpPr/>
+            <p:nvPr/>
+          </p:nvGrpSpPr>
+          <p:grpSpPr>
+            <a:xfrm>
+              <a:off x="694944" y="2011003"/>
+              <a:ext cx="4024152" cy="3847796"/>
+              <a:chOff x="2933395" y="1808968"/>
+              <a:chExt cx="4024152" cy="3847796"/>
+            </a:xfrm>
+          </p:grpSpPr>
+          <p:sp>
+            <p:nvSpPr>
+              <p:cNvPr id="7" name="Oval 6">
+                <a:extLst>
+                  <a:ext uri="{FF2B5EF4-FFF2-40B4-BE49-F238E27FC236}">
+                    <a16:creationId xmlns:a16="http://schemas.microsoft.com/office/drawing/2014/main" id="{C059C4B7-43E6-420B-A85D-22AB36EF50D4}"/>
+                  </a:ext>
+                </a:extLst>
+              </p:cNvPr>
+              <p:cNvSpPr/>
+              <p:nvPr/>
+            </p:nvSpPr>
+            <p:spPr>
+              <a:xfrm>
+                <a:off x="3562502" y="1808968"/>
+                <a:ext cx="2655418" cy="2655418"/>
+              </a:xfrm>
+              <a:prstGeom prst="ellipse">
+                <a:avLst/>
+              </a:prstGeom>
+              <a:noFill/>
+              <a:ln>
+                <a:solidFill>
+                  <a:srgbClr val="FF0000"/>
+                </a:solidFill>
+              </a:ln>
+            </p:spPr>
+            <p:style>
+              <a:lnRef idx="2">
+                <a:schemeClr val="accent1">
+                  <a:shade val="50000"/>
+                </a:schemeClr>
+              </a:lnRef>
+              <a:fillRef idx="1">
+                <a:schemeClr val="accent1"/>
+              </a:fillRef>
+              <a:effectRef idx="0">
+                <a:schemeClr val="accent1"/>
+              </a:effectRef>
+              <a:fontRef idx="minor">
+                <a:schemeClr val="lt1"/>
+              </a:fontRef>
+            </p:style>
+            <p:txBody>
+              <a:bodyPr rtlCol="0" anchor="ctr"/>
+              <a:lstStyle/>
+              <a:p>
+                <a:pPr algn="ctr"/>
+                <a:endParaRPr lang="zh-TW" altLang="en-US"/>
+              </a:p>
+            </p:txBody>
+          </p:sp>
+          <p:sp>
+            <p:nvSpPr>
+              <p:cNvPr id="9" name="Oval 8">
+                <a:extLst>
+                  <a:ext uri="{FF2B5EF4-FFF2-40B4-BE49-F238E27FC236}">
+                    <a16:creationId xmlns:a16="http://schemas.microsoft.com/office/drawing/2014/main" id="{2E0C72C5-C75B-4CD9-9428-887E29734FC0}"/>
+                  </a:ext>
+                </a:extLst>
+              </p:cNvPr>
+              <p:cNvSpPr/>
+              <p:nvPr/>
+            </p:nvSpPr>
+            <p:spPr>
+              <a:xfrm>
+                <a:off x="2933395" y="3001346"/>
+                <a:ext cx="2655418" cy="2655418"/>
+              </a:xfrm>
+              <a:prstGeom prst="ellipse">
+                <a:avLst/>
+              </a:prstGeom>
+              <a:noFill/>
+              <a:ln>
+                <a:solidFill>
+                  <a:srgbClr val="92D050"/>
+                </a:solidFill>
+              </a:ln>
+            </p:spPr>
+            <p:style>
+              <a:lnRef idx="2">
+                <a:schemeClr val="accent1">
+                  <a:shade val="50000"/>
+                </a:schemeClr>
+              </a:lnRef>
+              <a:fillRef idx="1">
+                <a:schemeClr val="accent1"/>
+              </a:fillRef>
+              <a:effectRef idx="0">
+                <a:schemeClr val="accent1"/>
+              </a:effectRef>
+              <a:fontRef idx="minor">
+                <a:schemeClr val="lt1"/>
+              </a:fontRef>
+            </p:style>
+            <p:txBody>
+              <a:bodyPr rtlCol="0" anchor="ctr"/>
+              <a:lstStyle/>
+              <a:p>
+                <a:pPr algn="ctr"/>
+                <a:endParaRPr lang="zh-TW" altLang="en-US"/>
+              </a:p>
+            </p:txBody>
+          </p:sp>
+          <p:sp>
+            <p:nvSpPr>
+              <p:cNvPr id="10" name="Oval 9">
+                <a:extLst>
+                  <a:ext uri="{FF2B5EF4-FFF2-40B4-BE49-F238E27FC236}">
+                    <a16:creationId xmlns:a16="http://schemas.microsoft.com/office/drawing/2014/main" id="{0E317D85-81DB-4A73-A760-D87989BFC002}"/>
+                  </a:ext>
+                </a:extLst>
+              </p:cNvPr>
+              <p:cNvSpPr/>
+              <p:nvPr/>
+            </p:nvSpPr>
+            <p:spPr>
+              <a:xfrm>
+                <a:off x="4302129" y="3001346"/>
+                <a:ext cx="2655418" cy="2655418"/>
+              </a:xfrm>
+              <a:prstGeom prst="ellipse">
+                <a:avLst/>
+              </a:prstGeom>
+              <a:noFill/>
+              <a:ln>
+                <a:solidFill>
+                  <a:schemeClr val="accent2"/>
+                </a:solidFill>
+              </a:ln>
+            </p:spPr>
+            <p:style>
+              <a:lnRef idx="2">
+                <a:schemeClr val="accent1">
+                  <a:shade val="50000"/>
+                </a:schemeClr>
+              </a:lnRef>
+              <a:fillRef idx="1">
+                <a:schemeClr val="accent1"/>
+              </a:fillRef>
+              <a:effectRef idx="0">
+                <a:schemeClr val="accent1"/>
+              </a:effectRef>
+              <a:fontRef idx="minor">
+                <a:schemeClr val="lt1"/>
+              </a:fontRef>
+            </p:style>
+            <p:txBody>
+              <a:bodyPr rtlCol="0" anchor="ctr"/>
+              <a:lstStyle/>
+              <a:p>
+                <a:pPr algn="ctr"/>
+                <a:endParaRPr lang="zh-TW" altLang="en-US" dirty="0"/>
+              </a:p>
+            </p:txBody>
+          </p:sp>
+        </p:grpSp>
+        <p:sp>
+          <p:nvSpPr>
+            <p:cNvPr id="12" name="TextBox 11">
+              <a:extLst>
+                <a:ext uri="{FF2B5EF4-FFF2-40B4-BE49-F238E27FC236}">
+                  <a16:creationId xmlns:a16="http://schemas.microsoft.com/office/drawing/2014/main" id="{6D75C83F-8294-4FD3-839E-07BCB4E4BAC3}"/>
+                </a:ext>
+              </a:extLst>
+            </p:cNvPr>
+            <p:cNvSpPr txBox="1"/>
             <p:nvPr/>
           </p:nvSpPr>
           <p:spPr>
             <a:xfrm>
-              <a:off x="3562502" y="1808968"/>
-              <a:ext cx="2655418" cy="2655418"/>
+              <a:off x="1867205" y="2501860"/>
+              <a:ext cx="1569110" cy="369332"/>
             </a:xfrm>
-            <a:prstGeom prst="ellipse">
+            <a:prstGeom prst="rect">
               <a:avLst/>
             </a:prstGeom>
             <a:noFill/>
-            <a:ln>
-              <a:solidFill>
-                <a:srgbClr val="FF0000"/>
-              </a:solidFill>
-            </a:ln>
           </p:spPr>
-          <p:style>
-            <a:lnRef idx="2">
-              <a:schemeClr val="accent1">
-                <a:shade val="50000"/>
-              </a:schemeClr>
-            </a:lnRef>
-            <a:fillRef idx="1">
-              <a:schemeClr val="accent1"/>
-            </a:fillRef>
-            <a:effectRef idx="0">
-              <a:schemeClr val="accent1"/>
-            </a:effectRef>
-            <a:fontRef idx="minor">
-              <a:schemeClr val="lt1"/>
-            </a:fontRef>
-          </p:style>
           <p:txBody>
-            <a:bodyPr rtlCol="0" anchor="ctr"/>
+            <a:bodyPr wrap="square" rtlCol="0">
+              <a:spAutoFit/>
+            </a:bodyPr>
             <a:lstStyle/>
             <a:p>
-              <a:pPr algn="ctr"/>
-              <a:endParaRPr lang="zh-TW" altLang="en-US"/>
+              <a:r>
+                <a:rPr lang="en-US" altLang="zh-TW" dirty="0"/>
+                <a:t>Development</a:t>
+              </a:r>
+              <a:endParaRPr lang="zh-TW" altLang="en-US" dirty="0"/>
             </a:p>
           </p:txBody>
         </p:sp>
         <p:sp>
           <p:nvSpPr>
-            <p:cNvPr id="9" name="Oval 8">
+            <p:cNvPr id="13" name="TextBox 12">
               <a:extLst>
                 <a:ext uri="{FF2B5EF4-FFF2-40B4-BE49-F238E27FC236}">
-                  <a16:creationId xmlns:a16="http://schemas.microsoft.com/office/drawing/2014/main" id="{2E0C72C5-C75B-4CD9-9428-887E29734FC0}"/>
+                  <a16:creationId xmlns:a16="http://schemas.microsoft.com/office/drawing/2014/main" id="{D213457C-B641-452E-A50D-86C38C0A3316}"/>
                 </a:ext>
               </a:extLst>
             </p:cNvPr>
-            <p:cNvSpPr/>
+            <p:cNvSpPr txBox="1"/>
             <p:nvPr/>
           </p:nvSpPr>
           <p:spPr>
             <a:xfrm>
-              <a:off x="2933395" y="3001346"/>
-              <a:ext cx="2655418" cy="2655418"/>
+              <a:off x="909310" y="4592136"/>
+              <a:ext cx="1569110" cy="369332"/>
             </a:xfrm>
-            <a:prstGeom prst="ellipse">
+            <a:prstGeom prst="rect">
               <a:avLst/>
             </a:prstGeom>
             <a:noFill/>
-            <a:ln>
-              <a:solidFill>
-                <a:srgbClr val="92D050"/>
-              </a:solidFill>
-            </a:ln>
           </p:spPr>
-          <p:style>
-            <a:lnRef idx="2">
-              <a:schemeClr val="accent1">
-                <a:shade val="50000"/>
-              </a:schemeClr>
-            </a:lnRef>
-            <a:fillRef idx="1">
-              <a:schemeClr val="accent1"/>
-            </a:fillRef>
-            <a:effectRef idx="0">
-              <a:schemeClr val="accent1"/>
-            </a:effectRef>
-            <a:fontRef idx="minor">
-              <a:schemeClr val="lt1"/>
-            </a:fontRef>
-          </p:style>
           <p:txBody>
-            <a:bodyPr rtlCol="0" anchor="ctr"/>
+            <a:bodyPr wrap="square" rtlCol="0">
+              <a:spAutoFit/>
+            </a:bodyPr>
             <a:lstStyle/>
             <a:p>
-              <a:pPr algn="ctr"/>
-              <a:endParaRPr lang="zh-TW" altLang="en-US"/>
+              <a:r>
+                <a:rPr lang="en-US" altLang="zh-TW" dirty="0"/>
+                <a:t>Operation</a:t>
+              </a:r>
+              <a:endParaRPr lang="zh-TW" altLang="en-US" dirty="0"/>
             </a:p>
           </p:txBody>
         </p:sp>
         <p:sp>
           <p:nvSpPr>
-            <p:cNvPr id="10" name="Oval 9">
+            <p:cNvPr id="14" name="TextBox 13">
               <a:extLst>
                 <a:ext uri="{FF2B5EF4-FFF2-40B4-BE49-F238E27FC236}">
-                  <a16:creationId xmlns:a16="http://schemas.microsoft.com/office/drawing/2014/main" id="{0E317D85-81DB-4A73-A760-D87989BFC002}"/>
+                  <a16:creationId xmlns:a16="http://schemas.microsoft.com/office/drawing/2014/main" id="{60952BF2-EF33-4CC1-B5D9-0314347052F8}"/>
                 </a:ext>
               </a:extLst>
             </p:cNvPr>
-            <p:cNvSpPr/>
+            <p:cNvSpPr txBox="1"/>
             <p:nvPr/>
           </p:nvSpPr>
           <p:spPr>
             <a:xfrm>
-              <a:off x="4302129" y="3001346"/>
-              <a:ext cx="2655418" cy="2655418"/>
+              <a:off x="3795948" y="4592136"/>
+              <a:ext cx="588082" cy="369332"/>
             </a:xfrm>
-            <a:prstGeom prst="ellipse">
+            <a:prstGeom prst="rect">
               <a:avLst/>
             </a:prstGeom>
             <a:noFill/>
-            <a:ln>
-              <a:solidFill>
-                <a:schemeClr val="accent2"/>
-              </a:solidFill>
-            </a:ln>
           </p:spPr>
-          <p:style>
-            <a:lnRef idx="2">
-              <a:schemeClr val="accent1">
-                <a:shade val="50000"/>
-              </a:schemeClr>
-            </a:lnRef>
-            <a:fillRef idx="1">
-              <a:schemeClr val="accent1"/>
-            </a:fillRef>
-            <a:effectRef idx="0">
-              <a:schemeClr val="accent1"/>
-            </a:effectRef>
-            <a:fontRef idx="minor">
-              <a:schemeClr val="lt1"/>
-            </a:fontRef>
-          </p:style>
           <p:txBody>
-            <a:bodyPr rtlCol="0" anchor="ctr"/>
+            <a:bodyPr wrap="square" rtlCol="0">
+              <a:spAutoFit/>
+            </a:bodyPr>
             <a:lstStyle/>
             <a:p>
-              <a:pPr algn="ctr"/>
+              <a:r>
+                <a:rPr lang="en-US" altLang="zh-TW" dirty="0"/>
+                <a:t>QA</a:t>
+              </a:r>
+              <a:endParaRPr lang="zh-TW" altLang="en-US" dirty="0"/>
+            </a:p>
+          </p:txBody>
+        </p:sp>
+        <p:sp>
+          <p:nvSpPr>
+            <p:cNvPr id="15" name="TextBox 14">
+              <a:extLst>
+                <a:ext uri="{FF2B5EF4-FFF2-40B4-BE49-F238E27FC236}">
+                  <a16:creationId xmlns:a16="http://schemas.microsoft.com/office/drawing/2014/main" id="{EF46CEAD-EB6F-4758-8AF8-915BB9CECF2A}"/>
+                </a:ext>
+              </a:extLst>
+            </p:cNvPr>
+            <p:cNvSpPr txBox="1"/>
+            <p:nvPr/>
+          </p:nvSpPr>
+          <p:spPr>
+            <a:xfrm>
+              <a:off x="2357719" y="3830342"/>
+              <a:ext cx="588082" cy="646331"/>
+            </a:xfrm>
+            <a:prstGeom prst="rect">
+              <a:avLst/>
+            </a:prstGeom>
+            <a:noFill/>
+          </p:spPr>
+          <p:txBody>
+            <a:bodyPr wrap="square" rtlCol="0">
+              <a:spAutoFit/>
+            </a:bodyPr>
+            <a:lstStyle/>
+            <a:p>
+              <a:r>
+                <a:rPr lang="en-US" altLang="zh-TW" dirty="0"/>
+                <a:t>DevOps</a:t>
+              </a:r>
               <a:endParaRPr lang="zh-TW" altLang="en-US" dirty="0"/>
             </a:p>
           </p:txBody>
         </p:sp>
       </p:grpSp>
-      <p:sp>
-        <p:nvSpPr>
-          <p:cNvPr id="12" name="TextBox 11">
-            <a:extLst>
-              <a:ext uri="{FF2B5EF4-FFF2-40B4-BE49-F238E27FC236}">
-                <a16:creationId xmlns:a16="http://schemas.microsoft.com/office/drawing/2014/main" id="{6D75C83F-8294-4FD3-839E-07BCB4E4BAC3}"/>
-              </a:ext>
-            </a:extLst>
-          </p:cNvPr>
-          <p:cNvSpPr txBox="1"/>
-          <p:nvPr/>
-        </p:nvSpPr>
-        <p:spPr>
-          <a:xfrm>
-            <a:off x="1867205" y="2501860"/>
-            <a:ext cx="1569110" cy="369332"/>
-          </a:xfrm>
-          <a:prstGeom prst="rect">
-            <a:avLst/>
-          </a:prstGeom>
-          <a:noFill/>
-        </p:spPr>
-        <p:txBody>
-          <a:bodyPr wrap="square" rtlCol="0">
-            <a:spAutoFit/>
-          </a:bodyPr>
-          <a:lstStyle/>
-          <a:p>
-            <a:r>
-              <a:rPr lang="en-US" altLang="zh-TW" dirty="0"/>
-              <a:t>Development</a:t>
-            </a:r>
-            <a:endParaRPr lang="zh-TW" altLang="en-US" dirty="0"/>
-          </a:p>
-        </p:txBody>
-      </p:sp>
-      <p:sp>
-        <p:nvSpPr>
-          <p:cNvPr id="13" name="TextBox 12">
-            <a:extLst>
-              <a:ext uri="{FF2B5EF4-FFF2-40B4-BE49-F238E27FC236}">
-                <a16:creationId xmlns:a16="http://schemas.microsoft.com/office/drawing/2014/main" id="{D213457C-B641-452E-A50D-86C38C0A3316}"/>
-              </a:ext>
-            </a:extLst>
-          </p:cNvPr>
-          <p:cNvSpPr txBox="1"/>
-          <p:nvPr/>
-        </p:nvSpPr>
-        <p:spPr>
-          <a:xfrm>
-            <a:off x="909310" y="4592136"/>
-            <a:ext cx="1569110" cy="369332"/>
-          </a:xfrm>
-          <a:prstGeom prst="rect">
-            <a:avLst/>
-          </a:prstGeom>
-          <a:noFill/>
-        </p:spPr>
-        <p:txBody>
-          <a:bodyPr wrap="square" rtlCol="0">
-            <a:spAutoFit/>
-          </a:bodyPr>
-          <a:lstStyle/>
-          <a:p>
-            <a:r>
-              <a:rPr lang="en-US" altLang="zh-TW" dirty="0"/>
-              <a:t>Operation</a:t>
-            </a:r>
-            <a:endParaRPr lang="zh-TW" altLang="en-US" dirty="0"/>
-          </a:p>
-        </p:txBody>
-      </p:sp>
-      <p:sp>
-        <p:nvSpPr>
-          <p:cNvPr id="14" name="TextBox 13">
-            <a:extLst>
-              <a:ext uri="{FF2B5EF4-FFF2-40B4-BE49-F238E27FC236}">
-                <a16:creationId xmlns:a16="http://schemas.microsoft.com/office/drawing/2014/main" id="{60952BF2-EF33-4CC1-B5D9-0314347052F8}"/>
-              </a:ext>
-            </a:extLst>
-          </p:cNvPr>
-          <p:cNvSpPr txBox="1"/>
-          <p:nvPr/>
-        </p:nvSpPr>
-        <p:spPr>
-          <a:xfrm>
-            <a:off x="3795948" y="4592136"/>
-            <a:ext cx="588082" cy="369332"/>
-          </a:xfrm>
-          <a:prstGeom prst="rect">
-            <a:avLst/>
-          </a:prstGeom>
-          <a:noFill/>
-        </p:spPr>
-        <p:txBody>
-          <a:bodyPr wrap="square" rtlCol="0">
-            <a:spAutoFit/>
-          </a:bodyPr>
-          <a:lstStyle/>
-          <a:p>
-            <a:r>
-              <a:rPr lang="en-US" altLang="zh-TW" dirty="0"/>
-              <a:t>QA</a:t>
-            </a:r>
-            <a:endParaRPr lang="zh-TW" altLang="en-US" dirty="0"/>
-          </a:p>
-        </p:txBody>
-      </p:sp>
-      <p:sp>
-        <p:nvSpPr>
-          <p:cNvPr id="15" name="TextBox 14">
-            <a:extLst>
-              <a:ext uri="{FF2B5EF4-FFF2-40B4-BE49-F238E27FC236}">
-                <a16:creationId xmlns:a16="http://schemas.microsoft.com/office/drawing/2014/main" id="{EF46CEAD-EB6F-4758-8AF8-915BB9CECF2A}"/>
-              </a:ext>
-            </a:extLst>
-          </p:cNvPr>
-          <p:cNvSpPr txBox="1"/>
-          <p:nvPr/>
-        </p:nvSpPr>
-        <p:spPr>
-          <a:xfrm>
-            <a:off x="2357719" y="3830342"/>
-            <a:ext cx="588082" cy="646331"/>
-          </a:xfrm>
-          <a:prstGeom prst="rect">
-            <a:avLst/>
-          </a:prstGeom>
-          <a:noFill/>
-        </p:spPr>
-        <p:txBody>
-          <a:bodyPr wrap="square" rtlCol="0">
-            <a:spAutoFit/>
-          </a:bodyPr>
-          <a:lstStyle/>
-          <a:p>
-            <a:r>
-              <a:rPr lang="en-US" altLang="zh-TW" dirty="0"/>
-              <a:t>DevOps</a:t>
-            </a:r>
-            <a:endParaRPr lang="zh-TW" altLang="en-US" dirty="0"/>
-          </a:p>
-        </p:txBody>
-      </p:sp>
       <p:sp>
         <p:nvSpPr>
           <p:cNvPr id="16" name="Rectangle: Rounded Corners 15">
@@ -16273,8 +13391,8 @@
         </p:nvCxnSpPr>
         <p:spPr>
           <a:xfrm rot="16200000" flipV="1">
-            <a:off x="4308106" y="1537305"/>
-            <a:ext cx="1294028" cy="2580409"/>
+            <a:off x="4140662" y="1369861"/>
+            <a:ext cx="1294651" cy="2914675"/>
           </a:xfrm>
           <a:prstGeom prst="bentConnector2">
             <a:avLst/>
@@ -16316,12 +13434,12 @@
         </p:nvCxnSpPr>
         <p:spPr>
           <a:xfrm rot="5400000">
-            <a:off x="3301211" y="2914685"/>
-            <a:ext cx="1665557" cy="4222671"/>
+            <a:off x="3278375" y="2790831"/>
+            <a:ext cx="1564539" cy="4369360"/>
           </a:xfrm>
           <a:prstGeom prst="bentConnector3">
             <a:avLst>
-              <a:gd name="adj1" fmla="val 113725"/>
+              <a:gd name="adj1" fmla="val 114611"/>
             </a:avLst>
           </a:prstGeom>
           <a:ln>
@@ -16360,8 +13478,8 @@
         </p:nvCxnSpPr>
         <p:spPr>
           <a:xfrm flipH="1">
-            <a:off x="4886960" y="3833883"/>
-            <a:ext cx="626844" cy="0"/>
+            <a:off x="4447642" y="3833883"/>
+            <a:ext cx="1066162" cy="0"/>
           </a:xfrm>
           <a:prstGeom prst="straightConnector1">
             <a:avLst/>
@@ -16425,10 +13543,439 @@
       </p:grpSpPr>
       <p:sp>
         <p:nvSpPr>
+          <p:cNvPr id="12" name="Rectangle 11">
+            <a:extLst>
+              <a:ext uri="{FF2B5EF4-FFF2-40B4-BE49-F238E27FC236}">
+                <a16:creationId xmlns:a16="http://schemas.microsoft.com/office/drawing/2014/main" id="{3CED7894-4F62-4A6C-8DB5-DB5BE08E9C03}"/>
+              </a:ext>
+              <a:ext uri="{C183D7F6-B498-43B3-948B-1728B52AA6E4}">
+                <adec:decorative xmlns:adec="http://schemas.microsoft.com/office/drawing/2017/decorative" val="1"/>
+              </a:ext>
+            </a:extLst>
+          </p:cNvPr>
+          <p:cNvSpPr>
+            <a:spLocks noGrp="1" noRot="1" noChangeAspect="1" noMove="1" noResize="1" noEditPoints="1" noAdjustHandles="1" noChangeArrowheads="1" noChangeShapeType="1" noTextEdit="1"/>
+          </p:cNvSpPr>
+          <p:nvPr>
+            <p:extLst>
+              <p:ext uri="{386F3935-93C4-4BCD-93E2-E3B085C9AB24}">
+                <p16:designElem xmlns:p16="http://schemas.microsoft.com/office/powerpoint/2015/main" val="1"/>
+              </p:ext>
+            </p:extLst>
+          </p:nvPr>
+        </p:nvSpPr>
+        <p:spPr>
+          <a:xfrm>
+            <a:off x="0" y="0"/>
+            <a:ext cx="12192000" cy="6858000"/>
+          </a:xfrm>
+          <a:prstGeom prst="rect">
+            <a:avLst/>
+          </a:prstGeom>
+          <a:solidFill>
+            <a:schemeClr val="bg1">
+              <a:lumMod val="75000"/>
+              <a:lumOff val="25000"/>
+            </a:schemeClr>
+          </a:solidFill>
+          <a:ln>
+            <a:noFill/>
+          </a:ln>
+          <a:effectLst/>
+        </p:spPr>
+        <p:style>
+          <a:lnRef idx="1">
+            <a:schemeClr val="accent1"/>
+          </a:lnRef>
+          <a:fillRef idx="3">
+            <a:schemeClr val="accent1"/>
+          </a:fillRef>
+          <a:effectRef idx="2">
+            <a:schemeClr val="accent1"/>
+          </a:effectRef>
+          <a:fontRef idx="minor">
+            <a:schemeClr val="lt1"/>
+          </a:fontRef>
+        </p:style>
+      </p:sp>
+      <p:sp>
+        <p:nvSpPr>
+          <p:cNvPr id="2" name="標題 1"/>
+          <p:cNvSpPr>
+            <a:spLocks noGrp="1"/>
+          </p:cNvSpPr>
+          <p:nvPr>
+            <p:ph type="title"/>
+          </p:nvPr>
+        </p:nvSpPr>
+        <p:spPr>
+          <a:xfrm>
+            <a:off x="609906" y="702155"/>
+            <a:ext cx="3568661" cy="1269713"/>
+          </a:xfrm>
+        </p:spPr>
+        <p:txBody>
+          <a:bodyPr>
+            <a:normAutofit/>
+          </a:bodyPr>
+          <a:lstStyle/>
+          <a:p>
+            <a:r>
+              <a:rPr lang="en-US" altLang="zh-TW" dirty="0" err="1">
+                <a:solidFill>
+                  <a:schemeClr val="tx2"/>
+                </a:solidFill>
+              </a:rPr>
+              <a:t>DevSecOps</a:t>
+            </a:r>
+            <a:r>
+              <a:rPr lang="en-US" altLang="zh-TW" dirty="0">
+                <a:solidFill>
+                  <a:schemeClr val="tx2"/>
+                </a:solidFill>
+              </a:rPr>
+              <a:t> (2/4)</a:t>
+            </a:r>
+            <a:endParaRPr lang="zh-TW" altLang="en-US" dirty="0">
+              <a:solidFill>
+                <a:schemeClr val="tx2"/>
+              </a:solidFill>
+            </a:endParaRPr>
+          </a:p>
+        </p:txBody>
+      </p:sp>
+      <p:sp>
+        <p:nvSpPr>
+          <p:cNvPr id="14" name="Rectangle 13">
+            <a:extLst>
+              <a:ext uri="{FF2B5EF4-FFF2-40B4-BE49-F238E27FC236}">
+                <a16:creationId xmlns:a16="http://schemas.microsoft.com/office/drawing/2014/main" id="{E536F3B4-50F6-4C52-8F76-4EB1214719DC}"/>
+              </a:ext>
+              <a:ext uri="{C183D7F6-B498-43B3-948B-1728B52AA6E4}">
+                <adec:decorative xmlns:adec="http://schemas.microsoft.com/office/drawing/2017/decorative" val="1"/>
+              </a:ext>
+            </a:extLst>
+          </p:cNvPr>
+          <p:cNvSpPr>
+            <a:spLocks noGrp="1" noRot="1" noChangeAspect="1" noMove="1" noResize="1" noEditPoints="1" noAdjustHandles="1" noChangeArrowheads="1" noChangeShapeType="1" noTextEdit="1"/>
+          </p:cNvSpPr>
+          <p:nvPr>
+            <p:extLst>
+              <p:ext uri="{386F3935-93C4-4BCD-93E2-E3B085C9AB24}">
+                <p16:designElem xmlns:p16="http://schemas.microsoft.com/office/powerpoint/2015/main" val="1"/>
+              </p:ext>
+            </p:extLst>
+          </p:nvPr>
+        </p:nvSpPr>
+        <p:spPr>
+          <a:xfrm>
+            <a:off x="638620" y="457200"/>
+            <a:ext cx="3511233" cy="91439"/>
+          </a:xfrm>
+          <a:prstGeom prst="rect">
+            <a:avLst/>
+          </a:prstGeom>
+          <a:solidFill>
+            <a:schemeClr val="accent2"/>
+          </a:solidFill>
+          <a:ln>
+            <a:noFill/>
+          </a:ln>
+          <a:effectLst/>
+        </p:spPr>
+        <p:style>
+          <a:lnRef idx="1">
+            <a:schemeClr val="accent1"/>
+          </a:lnRef>
+          <a:fillRef idx="3">
+            <a:schemeClr val="accent1"/>
+          </a:fillRef>
+          <a:effectRef idx="2">
+            <a:schemeClr val="accent1"/>
+          </a:effectRef>
+          <a:fontRef idx="minor">
+            <a:schemeClr val="lt1"/>
+          </a:fontRef>
+        </p:style>
+      </p:sp>
+      <p:sp>
+        <p:nvSpPr>
+          <p:cNvPr id="3" name="內容版面配置區 2"/>
+          <p:cNvSpPr>
+            <a:spLocks noGrp="1"/>
+          </p:cNvSpPr>
+          <p:nvPr>
+            <p:ph idx="1"/>
+          </p:nvPr>
+        </p:nvSpPr>
+        <p:spPr>
+          <a:xfrm>
+            <a:off x="609906" y="2340864"/>
+            <a:ext cx="3568661" cy="3634486"/>
+          </a:xfrm>
+        </p:spPr>
+        <p:txBody>
+          <a:bodyPr>
+            <a:normAutofit/>
+          </a:bodyPr>
+          <a:lstStyle/>
+          <a:p>
+            <a:r>
+              <a:rPr lang="en-US" altLang="zh-TW"/>
+              <a:t>DevSecOps </a:t>
+            </a:r>
+            <a:r>
+              <a:rPr lang="zh-TW" altLang="en-US"/>
+              <a:t>的挑戰 </a:t>
+            </a:r>
+            <a:r>
+              <a:rPr lang="en-US" altLang="zh-TW"/>
+              <a:t>:</a:t>
+            </a:r>
+            <a:r>
+              <a:rPr lang="zh-TW" altLang="en-US"/>
+              <a:t> </a:t>
+            </a:r>
+            <a:endParaRPr lang="en-US" altLang="zh-TW"/>
+          </a:p>
+          <a:p>
+            <a:pPr lvl="1"/>
+            <a:r>
+              <a:rPr lang="zh-TW" altLang="en-US"/>
+              <a:t>速度 </a:t>
+            </a:r>
+            <a:r>
+              <a:rPr lang="en-US" altLang="zh-TW"/>
+              <a:t>:</a:t>
+            </a:r>
+            <a:r>
+              <a:rPr lang="zh-TW" altLang="en-US"/>
+              <a:t> 專門為 </a:t>
+            </a:r>
+            <a:r>
+              <a:rPr lang="en-US" altLang="zh-TW"/>
+              <a:t>DevSecOps </a:t>
+            </a:r>
+            <a:r>
+              <a:rPr lang="zh-TW" altLang="en-US"/>
+              <a:t>的資安測試</a:t>
+            </a:r>
+            <a:endParaRPr lang="en-US" altLang="zh-TW"/>
+          </a:p>
+          <a:p>
+            <a:pPr lvl="1"/>
+            <a:r>
+              <a:rPr lang="zh-TW" altLang="en-US"/>
+              <a:t>環境 </a:t>
+            </a:r>
+            <a:r>
+              <a:rPr lang="en-US" altLang="zh-TW"/>
+              <a:t>:</a:t>
+            </a:r>
+            <a:r>
+              <a:rPr lang="zh-TW" altLang="en-US"/>
+              <a:t> 你真的知道駭客怎麼攻擊？</a:t>
+            </a:r>
+            <a:endParaRPr lang="en-US" altLang="zh-TW"/>
+          </a:p>
+          <a:p>
+            <a:pPr lvl="1"/>
+            <a:r>
+              <a:rPr lang="zh-TW" altLang="en-US"/>
+              <a:t>持續 </a:t>
+            </a:r>
+            <a:r>
+              <a:rPr lang="en-US" altLang="zh-TW"/>
+              <a:t>:</a:t>
+            </a:r>
+            <a:r>
+              <a:rPr lang="zh-TW" altLang="en-US"/>
+              <a:t> 持續保持資安的使用性和效果？</a:t>
+            </a:r>
+            <a:endParaRPr lang="zh-TW" altLang="en-US" dirty="0"/>
+          </a:p>
+        </p:txBody>
+      </p:sp>
+      <p:pic>
+        <p:nvPicPr>
+          <p:cNvPr id="7" name="圖片 6"/>
+          <p:cNvPicPr>
+            <a:picLocks noChangeAspect="1"/>
+          </p:cNvPicPr>
+          <p:nvPr/>
+        </p:nvPicPr>
+        <p:blipFill>
+          <a:blip r:embed="rId2">
+            <a:extLst>
+              <a:ext uri="{28A0092B-C50C-407E-A947-70E740481C1C}">
+                <a14:useLocalDpi xmlns:a14="http://schemas.microsoft.com/office/drawing/2010/main" val="0"/>
+              </a:ext>
+            </a:extLst>
+          </a:blip>
+          <a:stretch>
+            <a:fillRect/>
+          </a:stretch>
+        </p:blipFill>
+        <p:spPr>
+          <a:xfrm>
+            <a:off x="4982626" y="702156"/>
+            <a:ext cx="6078611" cy="5273194"/>
+          </a:xfrm>
+          <a:prstGeom prst="rect">
+            <a:avLst/>
+          </a:prstGeom>
+        </p:spPr>
+      </p:pic>
+      <p:sp>
+        <p:nvSpPr>
+          <p:cNvPr id="5" name="頁尾版面配置區 4"/>
+          <p:cNvSpPr>
+            <a:spLocks noGrp="1"/>
+          </p:cNvSpPr>
+          <p:nvPr>
+            <p:ph type="ftr" sz="quarter" idx="11"/>
+          </p:nvPr>
+        </p:nvSpPr>
+        <p:spPr>
+          <a:xfrm>
+            <a:off x="581192" y="5951811"/>
+            <a:ext cx="6917210" cy="365125"/>
+          </a:xfrm>
+        </p:spPr>
+        <p:txBody>
+          <a:bodyPr>
+            <a:normAutofit/>
+          </a:bodyPr>
+          <a:lstStyle/>
+          <a:p>
+            <a:pPr>
+              <a:spcAft>
+                <a:spcPts val="600"/>
+              </a:spcAft>
+            </a:pPr>
+            <a:r>
+              <a:rPr lang="en-US"/>
+              <a:t>OOP and Software engineering final presentation, GIDS TMU</a:t>
+            </a:r>
+          </a:p>
+        </p:txBody>
+      </p:sp>
+      <p:sp>
+        <p:nvSpPr>
+          <p:cNvPr id="4" name="日期版面配置區 3"/>
+          <p:cNvSpPr>
+            <a:spLocks noGrp="1"/>
+          </p:cNvSpPr>
+          <p:nvPr>
+            <p:ph type="dt" sz="half" idx="10"/>
+          </p:nvPr>
+        </p:nvSpPr>
+        <p:spPr>
+          <a:xfrm>
+            <a:off x="7605951" y="5956137"/>
+            <a:ext cx="2844799" cy="365125"/>
+          </a:xfrm>
+        </p:spPr>
+        <p:txBody>
+          <a:bodyPr>
+            <a:normAutofit/>
+          </a:bodyPr>
+          <a:lstStyle/>
+          <a:p>
+            <a:pPr>
+              <a:spcAft>
+                <a:spcPts val="600"/>
+              </a:spcAft>
+            </a:pPr>
+            <a:fld id="{45DBC1AF-4BB3-4F7A-9493-F1920306AEEF}" type="datetime1">
+              <a:rPr lang="en-US" altLang="zh-TW" smtClean="0"/>
+              <a:pPr>
+                <a:spcAft>
+                  <a:spcPts val="600"/>
+                </a:spcAft>
+              </a:pPr>
+              <a:t>12/11/2019</a:t>
+            </a:fld>
+            <a:endParaRPr lang="en-US"/>
+          </a:p>
+        </p:txBody>
+      </p:sp>
+      <p:sp>
+        <p:nvSpPr>
+          <p:cNvPr id="6" name="投影片編號版面配置區 5"/>
+          <p:cNvSpPr>
+            <a:spLocks noGrp="1"/>
+          </p:cNvSpPr>
+          <p:nvPr>
+            <p:ph type="sldNum" sz="quarter" idx="12"/>
+          </p:nvPr>
+        </p:nvSpPr>
+        <p:spPr>
+          <a:xfrm>
+            <a:off x="10558300" y="5956137"/>
+            <a:ext cx="1052508" cy="365125"/>
+          </a:xfrm>
+        </p:spPr>
+        <p:txBody>
+          <a:bodyPr>
+            <a:normAutofit/>
+          </a:bodyPr>
+          <a:lstStyle/>
+          <a:p>
+            <a:pPr>
+              <a:spcAft>
+                <a:spcPts val="600"/>
+              </a:spcAft>
+            </a:pPr>
+            <a:fld id="{D57F1E4F-1CFF-5643-939E-217C01CDF565}" type="slidenum">
+              <a:rPr lang="en-US" smtClean="0"/>
+              <a:pPr>
+                <a:spcAft>
+                  <a:spcPts val="600"/>
+                </a:spcAft>
+              </a:pPr>
+              <a:t>11</a:t>
+            </a:fld>
+            <a:endParaRPr lang="en-US"/>
+          </a:p>
+        </p:txBody>
+      </p:sp>
+    </p:spTree>
+    <p:extLst>
+      <p:ext uri="{BB962C8B-B14F-4D97-AF65-F5344CB8AC3E}">
+        <p14:creationId xmlns:p14="http://schemas.microsoft.com/office/powerpoint/2010/main" val="651833310"/>
+      </p:ext>
+    </p:extLst>
+  </p:cSld>
+  <p:clrMapOvr>
+    <a:masterClrMapping/>
+  </p:clrMapOvr>
+</p:sld>
+</file>
+
+<file path=ppt/slides/slide12.xml><?xml version="1.0" encoding="utf-8"?>
+<p:sld xmlns:a="http://schemas.openxmlformats.org/drawingml/2006/main" xmlns:r="http://schemas.openxmlformats.org/officeDocument/2006/relationships" xmlns:p="http://schemas.openxmlformats.org/presentationml/2006/main">
+  <p:cSld>
+    <p:spTree>
+      <p:nvGrpSpPr>
+        <p:cNvPr id="1" name=""/>
+        <p:cNvGrpSpPr/>
+        <p:nvPr/>
+      </p:nvGrpSpPr>
+      <p:grpSpPr>
+        <a:xfrm>
+          <a:off x="0" y="0"/>
+          <a:ext cx="0" cy="0"/>
+          <a:chOff x="0" y="0"/>
+          <a:chExt cx="0" cy="0"/>
+        </a:xfrm>
+      </p:grpSpPr>
+      <p:sp>
+        <p:nvSpPr>
           <p:cNvPr id="2" name="Title 1">
             <a:extLst>
               <a:ext uri="{FF2B5EF4-FFF2-40B4-BE49-F238E27FC236}">
-                <a16:creationId xmlns:a16="http://schemas.microsoft.com/office/drawing/2014/main" id="{5B040558-A365-4CCE-92FA-5A48CD98F9C9}"/>
+                <a16:creationId xmlns:a16="http://schemas.microsoft.com/office/drawing/2014/main" id="{C5390FF6-5056-40C3-9DFF-317F5AA8E675}"/>
               </a:ext>
             </a:extLst>
           </p:cNvPr>
@@ -16439,66 +13986,95 @@
             <p:ph type="title"/>
           </p:nvPr>
         </p:nvSpPr>
+        <p:spPr/>
+        <p:txBody>
+          <a:bodyPr/>
+          <a:lstStyle/>
+          <a:p>
+            <a:r>
+              <a:rPr lang="en-US" altLang="zh-TW" dirty="0" err="1"/>
+              <a:t>DevSecOps</a:t>
+            </a:r>
+            <a:r>
+              <a:rPr lang="en-US" altLang="zh-TW" dirty="0"/>
+              <a:t> (3/4)</a:t>
+            </a:r>
+            <a:endParaRPr lang="zh-TW" altLang="en-US" dirty="0"/>
+          </a:p>
+        </p:txBody>
+      </p:sp>
+      <p:sp>
+        <p:nvSpPr>
+          <p:cNvPr id="3" name="Content Placeholder 2">
+            <a:extLst>
+              <a:ext uri="{FF2B5EF4-FFF2-40B4-BE49-F238E27FC236}">
+                <a16:creationId xmlns:a16="http://schemas.microsoft.com/office/drawing/2014/main" id="{7ED972AC-4591-47CA-8010-4C10B9688109}"/>
+              </a:ext>
+            </a:extLst>
+          </p:cNvPr>
+          <p:cNvSpPr>
+            <a:spLocks noGrp="1"/>
+          </p:cNvSpPr>
+          <p:nvPr>
+            <p:ph idx="1"/>
+          </p:nvPr>
+        </p:nvSpPr>
         <p:spPr>
           <a:xfrm>
-            <a:off x="581192" y="702156"/>
-            <a:ext cx="11029616" cy="1013800"/>
+            <a:off x="581193" y="2180496"/>
+            <a:ext cx="2066910" cy="2311037"/>
           </a:xfrm>
         </p:spPr>
         <p:txBody>
-          <a:bodyPr>
-            <a:normAutofit/>
-          </a:bodyPr>
+          <a:bodyPr/>
           <a:lstStyle/>
           <a:p>
-            <a:r>
-              <a:rPr lang="en-US" dirty="0">
-                <a:solidFill>
-                  <a:srgbClr val="FFFEFF"/>
-                </a:solidFill>
-              </a:rPr>
-              <a:t>Tech Requirements</a:t>
-            </a:r>
+            <a:pPr marL="0" indent="0">
+              <a:buNone/>
+            </a:pPr>
+            <a:r>
+              <a:rPr lang="zh-TW" altLang="en-US" sz="2800" dirty="0"/>
+              <a:t>方法論 </a:t>
+            </a:r>
+            <a:r>
+              <a:rPr lang="en-US" altLang="zh-TW" sz="2800" dirty="0"/>
+              <a:t>:</a:t>
+            </a:r>
+            <a:r>
+              <a:rPr lang="zh-TW" altLang="en-US" sz="2800" dirty="0"/>
+              <a:t> </a:t>
+            </a:r>
+            <a:endParaRPr lang="en-US" altLang="zh-TW" sz="2800" dirty="0"/>
+          </a:p>
+          <a:p>
+            <a:r>
+              <a:rPr lang="zh-TW" altLang="en-US" b="1" dirty="0"/>
+              <a:t>標準化</a:t>
+            </a:r>
+            <a:endParaRPr lang="en-US" altLang="zh-TW" b="1" dirty="0"/>
+          </a:p>
+          <a:p>
+            <a:r>
+              <a:rPr lang="zh-TW" altLang="en-US" b="1" dirty="0"/>
+              <a:t>模組化</a:t>
+            </a:r>
+            <a:endParaRPr lang="en-US" altLang="zh-TW" b="1" dirty="0"/>
+          </a:p>
+          <a:p>
+            <a:r>
+              <a:rPr lang="zh-TW" altLang="en-US" b="1" dirty="0"/>
+              <a:t>自動化</a:t>
+            </a:r>
+            <a:endParaRPr lang="zh-TW" altLang="en-US" dirty="0"/>
           </a:p>
         </p:txBody>
       </p:sp>
-      <p:graphicFrame>
-        <p:nvGraphicFramePr>
-          <p:cNvPr id="4" name="Content Placeholder 3" descr="icon SmartArt graphic">
+      <p:sp>
+        <p:nvSpPr>
+          <p:cNvPr id="4" name="Date Placeholder 3">
             <a:extLst>
               <a:ext uri="{FF2B5EF4-FFF2-40B4-BE49-F238E27FC236}">
-                <a16:creationId xmlns:a16="http://schemas.microsoft.com/office/drawing/2014/main" id="{81E592E1-99DF-4294-A2E9-EF46299BD3F4}"/>
-              </a:ext>
-            </a:extLst>
-          </p:cNvPr>
-          <p:cNvGraphicFramePr>
-            <a:graphicFrameLocks noGrp="1"/>
-          </p:cNvGraphicFramePr>
-          <p:nvPr>
-            <p:ph idx="1"/>
-            <p:extLst>
-              <p:ext uri="{D42A27DB-BD31-4B8C-83A1-F6EECF244321}">
-                <p14:modId xmlns:p14="http://schemas.microsoft.com/office/powerpoint/2010/main" val="3511271754"/>
-              </p:ext>
-            </p:extLst>
-          </p:nvPr>
-        </p:nvGraphicFramePr>
-        <p:xfrm>
-          <a:off x="581025" y="2181225"/>
-          <a:ext cx="11029950" cy="3678238"/>
-        </p:xfrm>
-        <a:graphic>
-          <a:graphicData uri="http://schemas.openxmlformats.org/drawingml/2006/diagram">
-            <dgm:relIds xmlns:dgm="http://schemas.openxmlformats.org/drawingml/2006/diagram" xmlns:r="http://schemas.openxmlformats.org/officeDocument/2006/relationships" r:dm="rId3" r:lo="rId4" r:qs="rId5" r:cs="rId6"/>
-          </a:graphicData>
-        </a:graphic>
-      </p:graphicFrame>
-      <p:sp>
-        <p:nvSpPr>
-          <p:cNvPr id="3" name="Date Placeholder 2">
-            <a:extLst>
-              <a:ext uri="{FF2B5EF4-FFF2-40B4-BE49-F238E27FC236}">
-                <a16:creationId xmlns:a16="http://schemas.microsoft.com/office/drawing/2014/main" id="{930C91F4-9260-42FD-9DC3-8860E375BD1D}"/>
+                <a16:creationId xmlns:a16="http://schemas.microsoft.com/office/drawing/2014/main" id="{0D745DAC-C595-493D-AF56-BE2038414801}"/>
               </a:ext>
             </a:extLst>
           </p:cNvPr>
@@ -16514,7 +14090,7 @@
           <a:bodyPr/>
           <a:lstStyle/>
           <a:p>
-            <a:fld id="{0C2019C8-E187-4F29-A369-B6242536C960}" type="datetime1">
+            <a:fld id="{45DBC1AF-4BB3-4F7A-9493-F1920306AEEF}" type="datetime1">
               <a:rPr lang="en-US" altLang="zh-TW" smtClean="0"/>
               <a:t>12/11/2019</a:t>
             </a:fld>
@@ -16527,7 +14103,7 @@
           <p:cNvPr id="5" name="Footer Placeholder 4">
             <a:extLst>
               <a:ext uri="{FF2B5EF4-FFF2-40B4-BE49-F238E27FC236}">
-                <a16:creationId xmlns:a16="http://schemas.microsoft.com/office/drawing/2014/main" id="{E9C04891-C27F-4ACE-ACCA-68A8637BF55F}"/>
+                <a16:creationId xmlns:a16="http://schemas.microsoft.com/office/drawing/2014/main" id="{F5CFFB2B-945B-4C9D-AEC6-C785812FDC35}"/>
               </a:ext>
             </a:extLst>
           </p:cNvPr>
@@ -16556,7 +14132,7 @@
           <p:cNvPr id="6" name="Slide Number Placeholder 5">
             <a:extLst>
               <a:ext uri="{FF2B5EF4-FFF2-40B4-BE49-F238E27FC236}">
-                <a16:creationId xmlns:a16="http://schemas.microsoft.com/office/drawing/2014/main" id="{FC95FA1A-AC30-45BD-9AD8-ECD4A492A7DC}"/>
+                <a16:creationId xmlns:a16="http://schemas.microsoft.com/office/drawing/2014/main" id="{BDE3FD5E-C7B2-4149-968C-0750F4895099}"/>
               </a:ext>
             </a:extLst>
           </p:cNvPr>
@@ -16575,16 +14151,362 @@
             <a:fld id="{D57F1E4F-1CFF-5643-939E-217C01CDF565}" type="slidenum">
               <a:rPr lang="en-US" smtClean="0"/>
               <a:pPr/>
-              <a:t>11</a:t>
+              <a:t>12</a:t>
             </a:fld>
             <a:endParaRPr lang="en-US" dirty="0"/>
+          </a:p>
+        </p:txBody>
+      </p:sp>
+      <p:sp>
+        <p:nvSpPr>
+          <p:cNvPr id="7" name="Content Placeholder 2">
+            <a:extLst>
+              <a:ext uri="{FF2B5EF4-FFF2-40B4-BE49-F238E27FC236}">
+                <a16:creationId xmlns:a16="http://schemas.microsoft.com/office/drawing/2014/main" id="{861DF869-B128-4459-B6F3-F0A604829755}"/>
+              </a:ext>
+            </a:extLst>
+          </p:cNvPr>
+          <p:cNvSpPr txBox="1">
+            <a:spLocks/>
+          </p:cNvSpPr>
+          <p:nvPr/>
+        </p:nvSpPr>
+        <p:spPr>
+          <a:xfrm>
+            <a:off x="2834275" y="2180495"/>
+            <a:ext cx="8776532" cy="3678303"/>
+          </a:xfrm>
+          <a:prstGeom prst="rect">
+            <a:avLst/>
+          </a:prstGeom>
+        </p:spPr>
+        <p:txBody>
+          <a:bodyPr vert="horz" lIns="91440" tIns="45720" rIns="91440" bIns="45720" rtlCol="0" anchor="ctr">
+            <a:normAutofit/>
+          </a:bodyPr>
+          <a:lstStyle>
+            <a:lvl1pPr marL="306000" indent="-306000" algn="l" defTabSz="457200" rtl="0" eaLnBrk="1" latinLnBrk="0" hangingPunct="1">
+              <a:spcBef>
+                <a:spcPct val="20000"/>
+              </a:spcBef>
+              <a:spcAft>
+                <a:spcPts val="600"/>
+              </a:spcAft>
+              <a:buClr>
+                <a:schemeClr val="accent2"/>
+              </a:buClr>
+              <a:buSzPct val="92000"/>
+              <a:buFont typeface="Wingdings 2" panose="05020102010507070707" pitchFamily="18" charset="2"/>
+              <a:buChar char=""/>
+              <a:defRPr sz="1800" kern="1200">
+                <a:solidFill>
+                  <a:schemeClr val="tx2"/>
+                </a:solidFill>
+                <a:latin typeface="+mn-lt"/>
+                <a:ea typeface="+mn-ea"/>
+                <a:cs typeface="+mn-cs"/>
+              </a:defRPr>
+            </a:lvl1pPr>
+            <a:lvl2pPr marL="630000" indent="-306000" algn="l" defTabSz="457200" rtl="0" eaLnBrk="1" latinLnBrk="0" hangingPunct="1">
+              <a:spcBef>
+                <a:spcPct val="20000"/>
+              </a:spcBef>
+              <a:spcAft>
+                <a:spcPts val="600"/>
+              </a:spcAft>
+              <a:buClr>
+                <a:schemeClr val="accent2"/>
+              </a:buClr>
+              <a:buSzPct val="92000"/>
+              <a:buFont typeface="Wingdings 2" panose="05020102010507070707" pitchFamily="18" charset="2"/>
+              <a:buChar char=""/>
+              <a:defRPr sz="1600" kern="1200">
+                <a:solidFill>
+                  <a:schemeClr val="tx2"/>
+                </a:solidFill>
+                <a:latin typeface="+mn-lt"/>
+                <a:ea typeface="+mn-ea"/>
+                <a:cs typeface="+mn-cs"/>
+              </a:defRPr>
+            </a:lvl2pPr>
+            <a:lvl3pPr marL="900000" indent="-270000" algn="l" defTabSz="457200" rtl="0" eaLnBrk="1" latinLnBrk="0" hangingPunct="1">
+              <a:spcBef>
+                <a:spcPct val="20000"/>
+              </a:spcBef>
+              <a:spcAft>
+                <a:spcPts val="600"/>
+              </a:spcAft>
+              <a:buClr>
+                <a:schemeClr val="accent2"/>
+              </a:buClr>
+              <a:buSzPct val="92000"/>
+              <a:buFont typeface="Wingdings 2" panose="05020102010507070707" pitchFamily="18" charset="2"/>
+              <a:buChar char=""/>
+              <a:defRPr sz="1400" kern="1200">
+                <a:solidFill>
+                  <a:schemeClr val="tx2"/>
+                </a:solidFill>
+                <a:latin typeface="+mn-lt"/>
+                <a:ea typeface="+mn-ea"/>
+                <a:cs typeface="+mn-cs"/>
+              </a:defRPr>
+            </a:lvl3pPr>
+            <a:lvl4pPr marL="1242000" indent="-234000" algn="l" defTabSz="457200" rtl="0" eaLnBrk="1" latinLnBrk="0" hangingPunct="1">
+              <a:spcBef>
+                <a:spcPct val="20000"/>
+              </a:spcBef>
+              <a:spcAft>
+                <a:spcPts val="600"/>
+              </a:spcAft>
+              <a:buClr>
+                <a:schemeClr val="accent2"/>
+              </a:buClr>
+              <a:buSzPct val="92000"/>
+              <a:buFont typeface="Wingdings 2" panose="05020102010507070707" pitchFamily="18" charset="2"/>
+              <a:buChar char=""/>
+              <a:defRPr sz="1200" kern="1200">
+                <a:solidFill>
+                  <a:schemeClr val="tx2"/>
+                </a:solidFill>
+                <a:latin typeface="+mn-lt"/>
+                <a:ea typeface="+mn-ea"/>
+                <a:cs typeface="+mn-cs"/>
+              </a:defRPr>
+            </a:lvl4pPr>
+            <a:lvl5pPr marL="1602000" indent="-234000" algn="l" defTabSz="457200" rtl="0" eaLnBrk="1" latinLnBrk="0" hangingPunct="1">
+              <a:spcBef>
+                <a:spcPct val="20000"/>
+              </a:spcBef>
+              <a:spcAft>
+                <a:spcPts val="600"/>
+              </a:spcAft>
+              <a:buClr>
+                <a:schemeClr val="accent2"/>
+              </a:buClr>
+              <a:buSzPct val="92000"/>
+              <a:buFont typeface="Wingdings 2" panose="05020102010507070707" pitchFamily="18" charset="2"/>
+              <a:buChar char=""/>
+              <a:defRPr sz="1200" kern="1200">
+                <a:solidFill>
+                  <a:schemeClr val="tx2"/>
+                </a:solidFill>
+                <a:latin typeface="+mn-lt"/>
+                <a:ea typeface="+mn-ea"/>
+                <a:cs typeface="+mn-cs"/>
+              </a:defRPr>
+            </a:lvl5pPr>
+            <a:lvl6pPr marL="1900000" indent="-228600" algn="l" defTabSz="457200" rtl="0" eaLnBrk="1" latinLnBrk="0" hangingPunct="1">
+              <a:spcBef>
+                <a:spcPct val="20000"/>
+              </a:spcBef>
+              <a:spcAft>
+                <a:spcPts val="600"/>
+              </a:spcAft>
+              <a:buClr>
+                <a:schemeClr val="accent2"/>
+              </a:buClr>
+              <a:buSzPct val="92000"/>
+              <a:buFont typeface="Wingdings 2" panose="05020102010507070707" pitchFamily="18" charset="2"/>
+              <a:buChar char=""/>
+              <a:defRPr sz="1200" kern="1200">
+                <a:solidFill>
+                  <a:schemeClr val="tx2"/>
+                </a:solidFill>
+                <a:latin typeface="+mn-lt"/>
+                <a:ea typeface="+mn-ea"/>
+                <a:cs typeface="+mn-cs"/>
+              </a:defRPr>
+            </a:lvl6pPr>
+            <a:lvl7pPr marL="2200000" indent="-228600" algn="l" defTabSz="457200" rtl="0" eaLnBrk="1" latinLnBrk="0" hangingPunct="1">
+              <a:spcBef>
+                <a:spcPct val="20000"/>
+              </a:spcBef>
+              <a:spcAft>
+                <a:spcPts val="600"/>
+              </a:spcAft>
+              <a:buClr>
+                <a:schemeClr val="accent2"/>
+              </a:buClr>
+              <a:buSzPct val="92000"/>
+              <a:buFont typeface="Wingdings 2" panose="05020102010507070707" pitchFamily="18" charset="2"/>
+              <a:buChar char=""/>
+              <a:defRPr sz="1200" kern="1200">
+                <a:solidFill>
+                  <a:schemeClr val="tx2"/>
+                </a:solidFill>
+                <a:latin typeface="+mn-lt"/>
+                <a:ea typeface="+mn-ea"/>
+                <a:cs typeface="+mn-cs"/>
+              </a:defRPr>
+            </a:lvl7pPr>
+            <a:lvl8pPr marL="2500000" indent="-228600" algn="l" defTabSz="457200" rtl="0" eaLnBrk="1" latinLnBrk="0" hangingPunct="1">
+              <a:spcBef>
+                <a:spcPct val="20000"/>
+              </a:spcBef>
+              <a:spcAft>
+                <a:spcPts val="600"/>
+              </a:spcAft>
+              <a:buClr>
+                <a:schemeClr val="accent2"/>
+              </a:buClr>
+              <a:buSzPct val="92000"/>
+              <a:buFont typeface="Wingdings 2" panose="05020102010507070707" pitchFamily="18" charset="2"/>
+              <a:buChar char=""/>
+              <a:defRPr sz="1200" kern="1200">
+                <a:solidFill>
+                  <a:schemeClr val="tx2"/>
+                </a:solidFill>
+                <a:latin typeface="+mn-lt"/>
+                <a:ea typeface="+mn-ea"/>
+                <a:cs typeface="+mn-cs"/>
+              </a:defRPr>
+            </a:lvl8pPr>
+            <a:lvl9pPr marL="2800000" indent="-228600" algn="l" defTabSz="457200" rtl="0" eaLnBrk="1" latinLnBrk="0" hangingPunct="1">
+              <a:spcBef>
+                <a:spcPct val="20000"/>
+              </a:spcBef>
+              <a:spcAft>
+                <a:spcPts val="600"/>
+              </a:spcAft>
+              <a:buClr>
+                <a:schemeClr val="accent2"/>
+              </a:buClr>
+              <a:buSzPct val="92000"/>
+              <a:buFont typeface="Wingdings 2" panose="05020102010507070707" pitchFamily="18" charset="2"/>
+              <a:buChar char=""/>
+              <a:defRPr sz="1200" kern="1200">
+                <a:solidFill>
+                  <a:schemeClr val="tx2"/>
+                </a:solidFill>
+                <a:latin typeface="+mn-lt"/>
+                <a:ea typeface="+mn-ea"/>
+                <a:cs typeface="+mn-cs"/>
+              </a:defRPr>
+            </a:lvl9pPr>
+          </a:lstStyle>
+          <a:p>
+            <a:pPr marL="0" indent="0">
+              <a:buNone/>
+            </a:pPr>
+            <a:r>
+              <a:rPr lang="zh-TW" altLang="en-US" sz="2800" dirty="0"/>
+              <a:t>開發流程 </a:t>
+            </a:r>
+            <a:r>
+              <a:rPr lang="en-US" altLang="zh-TW" sz="2800" dirty="0"/>
+              <a:t>:</a:t>
+            </a:r>
+            <a:r>
+              <a:rPr lang="zh-TW" altLang="en-US" sz="2800" dirty="0"/>
+              <a:t> </a:t>
+            </a:r>
+            <a:endParaRPr lang="en-US" altLang="zh-TW" sz="2800" dirty="0"/>
+          </a:p>
+          <a:p>
+            <a:r>
+              <a:rPr lang="zh-TW" altLang="en-US" b="1" dirty="0"/>
+              <a:t>準備階段 </a:t>
+            </a:r>
+            <a:r>
+              <a:rPr lang="en-US" altLang="zh-TW" b="1" dirty="0"/>
+              <a:t>:</a:t>
+            </a:r>
+            <a:r>
+              <a:rPr lang="zh-TW" altLang="en-US" b="1" dirty="0"/>
+              <a:t> </a:t>
+            </a:r>
+            <a:r>
+              <a:rPr lang="zh-TW" altLang="en-US" dirty="0"/>
+              <a:t>「資產清點、威脅模型、風險評估、量化」，清點第三方函式庫、雲端服務，接著規劃攻擊者可能的攻擊，定義出潛在問題、並且量化和選擇防禦方法。</a:t>
+            </a:r>
+            <a:endParaRPr lang="en-US" altLang="zh-TW" dirty="0"/>
+          </a:p>
+          <a:p>
+            <a:r>
+              <a:rPr lang="zh-TW" altLang="en-US" b="1" dirty="0"/>
+              <a:t>設計階段 </a:t>
+            </a:r>
+            <a:r>
+              <a:rPr lang="en-US" altLang="zh-TW" b="1" dirty="0"/>
+              <a:t>:</a:t>
+            </a:r>
+            <a:r>
+              <a:rPr lang="zh-TW" altLang="en-US" b="1" dirty="0"/>
+              <a:t> </a:t>
+            </a:r>
+            <a:r>
+              <a:rPr lang="zh-TW" altLang="en-US" dirty="0"/>
+              <a:t>預設有資安系統架構的考量、自有保護機制設計、</a:t>
+            </a:r>
+            <a:endParaRPr lang="en-US" altLang="zh-TW" b="1" dirty="0"/>
+          </a:p>
+          <a:p>
+            <a:r>
+              <a:rPr lang="zh-TW" altLang="en-US" b="1" dirty="0"/>
+              <a:t>建構階段 </a:t>
+            </a:r>
+            <a:r>
+              <a:rPr lang="en-US" altLang="zh-TW" b="1" dirty="0"/>
+              <a:t>:</a:t>
+            </a:r>
+            <a:r>
+              <a:rPr lang="zh-TW" altLang="en-US" b="1" dirty="0"/>
+              <a:t> </a:t>
+            </a:r>
+            <a:r>
+              <a:rPr lang="en-US" altLang="zh-TW" dirty="0"/>
+              <a:t> (CI) </a:t>
+            </a:r>
+            <a:r>
+              <a:rPr lang="zh-TW" altLang="en-US" dirty="0"/>
+              <a:t>靜態掃描</a:t>
+            </a:r>
+            <a:endParaRPr lang="en-US" altLang="zh-TW" b="1" dirty="0"/>
+          </a:p>
+          <a:p>
+            <a:r>
+              <a:rPr lang="zh-TW" altLang="en-US" b="1" dirty="0"/>
+              <a:t>部署階段 </a:t>
+            </a:r>
+            <a:r>
+              <a:rPr lang="en-US" altLang="zh-TW" b="1" dirty="0"/>
+              <a:t>:</a:t>
+            </a:r>
+            <a:r>
+              <a:rPr lang="zh-TW" altLang="en-US" b="1" dirty="0"/>
+              <a:t>  </a:t>
+            </a:r>
+            <a:r>
+              <a:rPr lang="en-US" altLang="zh-TW" dirty="0"/>
+              <a:t>(CD)</a:t>
+            </a:r>
+            <a:r>
+              <a:rPr lang="zh-TW" altLang="en-US" dirty="0"/>
+              <a:t> 第三方函式庫檢查、動態測試、主機環境與系統配置、機密資訊配置、權限、網路存取</a:t>
+            </a:r>
+            <a:endParaRPr lang="en-US" altLang="zh-TW" dirty="0"/>
+          </a:p>
+          <a:p>
+            <a:r>
+              <a:rPr lang="zh-TW" altLang="en-US" b="1" dirty="0"/>
+              <a:t>執行階段 </a:t>
+            </a:r>
+            <a:r>
+              <a:rPr lang="en-US" altLang="zh-TW" b="1" dirty="0"/>
+              <a:t>:</a:t>
+            </a:r>
+            <a:r>
+              <a:rPr lang="zh-TW" altLang="en-US" dirty="0"/>
+              <a:t>網路的監控、流量分析、日誌收集與分析。威脅偵測與反應。</a:t>
+            </a:r>
+            <a:endParaRPr lang="en-US" altLang="zh-TW" dirty="0"/>
           </a:p>
         </p:txBody>
       </p:sp>
     </p:spTree>
     <p:extLst>
       <p:ext uri="{BB962C8B-B14F-4D97-AF65-F5344CB8AC3E}">
-        <p14:creationId xmlns:p14="http://schemas.microsoft.com/office/powerpoint/2010/main" val="1703342593"/>
+        <p14:creationId xmlns:p14="http://schemas.microsoft.com/office/powerpoint/2010/main" val="3471572518"/>
       </p:ext>
     </p:extLst>
   </p:cSld>
@@ -16594,13 +14516,294 @@
 </p:sld>
 </file>
 
-<file path=ppt/slides/slide12.xml><?xml version="1.0" encoding="utf-8"?>
+<file path=ppt/slides/slide13.xml><?xml version="1.0" encoding="utf-8"?>
+<p:sld xmlns:a="http://schemas.openxmlformats.org/drawingml/2006/main" xmlns:r="http://schemas.openxmlformats.org/officeDocument/2006/relationships" xmlns:p="http://schemas.openxmlformats.org/presentationml/2006/main">
+  <p:cSld>
+    <p:spTree>
+      <p:nvGrpSpPr>
+        <p:cNvPr id="1" name=""/>
+        <p:cNvGrpSpPr/>
+        <p:nvPr/>
+      </p:nvGrpSpPr>
+      <p:grpSpPr>
+        <a:xfrm>
+          <a:off x="0" y="0"/>
+          <a:ext cx="0" cy="0"/>
+          <a:chOff x="0" y="0"/>
+          <a:chExt cx="0" cy="0"/>
+        </a:xfrm>
+      </p:grpSpPr>
+      <p:sp>
+        <p:nvSpPr>
+          <p:cNvPr id="2" name="Title 1">
+            <a:extLst>
+              <a:ext uri="{FF2B5EF4-FFF2-40B4-BE49-F238E27FC236}">
+                <a16:creationId xmlns:a16="http://schemas.microsoft.com/office/drawing/2014/main" id="{6B322AF5-06EE-4793-98E4-45FFBA265782}"/>
+              </a:ext>
+            </a:extLst>
+          </p:cNvPr>
+          <p:cNvSpPr>
+            <a:spLocks noGrp="1"/>
+          </p:cNvSpPr>
+          <p:nvPr>
+            <p:ph type="title"/>
+          </p:nvPr>
+        </p:nvSpPr>
+        <p:spPr/>
+        <p:txBody>
+          <a:bodyPr/>
+          <a:lstStyle/>
+          <a:p>
+            <a:r>
+              <a:rPr lang="en-US" altLang="zh-TW" dirty="0" err="1"/>
+              <a:t>DevSecOps</a:t>
+            </a:r>
+            <a:r>
+              <a:rPr lang="en-US" altLang="zh-TW" dirty="0"/>
+              <a:t> (4/4)</a:t>
+            </a:r>
+            <a:endParaRPr lang="zh-TW" altLang="en-US" dirty="0"/>
+          </a:p>
+        </p:txBody>
+      </p:sp>
+      <p:sp>
+        <p:nvSpPr>
+          <p:cNvPr id="3" name="Content Placeholder 2">
+            <a:extLst>
+              <a:ext uri="{FF2B5EF4-FFF2-40B4-BE49-F238E27FC236}">
+                <a16:creationId xmlns:a16="http://schemas.microsoft.com/office/drawing/2014/main" id="{AD8EF192-2CC9-4E18-8BA5-6F1055B618BC}"/>
+              </a:ext>
+            </a:extLst>
+          </p:cNvPr>
+          <p:cNvSpPr>
+            <a:spLocks noGrp="1"/>
+          </p:cNvSpPr>
+          <p:nvPr>
+            <p:ph idx="1"/>
+          </p:nvPr>
+        </p:nvSpPr>
+        <p:spPr/>
+        <p:txBody>
+          <a:bodyPr/>
+          <a:lstStyle/>
+          <a:p>
+            <a:r>
+              <a:rPr lang="zh-TW" altLang="en-US" b="1" dirty="0"/>
+              <a:t>資安文化需由上而下</a:t>
+            </a:r>
+          </a:p>
+          <a:p>
+            <a:pPr marL="0" indent="0">
+              <a:buNone/>
+            </a:pPr>
+            <a:r>
+              <a:rPr lang="zh-TW" altLang="en-US" dirty="0"/>
+              <a:t>資安可能比 </a:t>
+            </a:r>
+            <a:r>
+              <a:rPr lang="en-US" altLang="zh-TW" dirty="0"/>
+              <a:t>DevOps </a:t>
+            </a:r>
+            <a:r>
+              <a:rPr lang="zh-TW" altLang="en-US" dirty="0"/>
+              <a:t>還要更強烈需要由文化和人來推動。畢竟 </a:t>
+            </a:r>
+            <a:r>
+              <a:rPr lang="en-US" altLang="zh-TW" dirty="0"/>
+              <a:t>DevOps </a:t>
+            </a:r>
+            <a:r>
+              <a:rPr lang="zh-TW" altLang="en-US" dirty="0"/>
+              <a:t>讓人更方便，但傳統資安像是「門神」的做法：這個不行那個也不能，會讓工程師覺得是在找麻煩。</a:t>
+            </a:r>
+            <a:r>
+              <a:rPr lang="zh-TW" altLang="en-US" b="1" dirty="0"/>
+              <a:t>做資安不是來搞人，我們是一起來把事情做好</a:t>
+            </a:r>
+            <a:r>
+              <a:rPr lang="zh-TW" altLang="en-US" dirty="0"/>
+              <a:t>。</a:t>
+            </a:r>
+            <a:endParaRPr lang="en-US" altLang="zh-TW" dirty="0"/>
+          </a:p>
+          <a:p>
+            <a:pPr marL="0" indent="0">
+              <a:buNone/>
+            </a:pPr>
+            <a:r>
+              <a:rPr lang="zh-TW" altLang="en-US" dirty="0"/>
+              <a:t>傳統上，資安人員通常不太了解開發，而開發人員也可能沒比資安人員精通資安。</a:t>
+            </a:r>
+            <a:r>
+              <a:rPr lang="en-US" altLang="zh-TW" dirty="0" err="1"/>
+              <a:t>DevSecOps</a:t>
+            </a:r>
+            <a:r>
+              <a:rPr lang="en-US" altLang="zh-TW" dirty="0"/>
+              <a:t> </a:t>
+            </a:r>
+            <a:r>
+              <a:rPr lang="zh-TW" altLang="en-US" dirty="0"/>
+              <a:t>也許是希望能打破這條線，將「做資安」這樣的</a:t>
+            </a:r>
+            <a:r>
+              <a:rPr lang="zh-TW" altLang="en-US" b="1" dirty="0"/>
+              <a:t>權限與責任交給大家</a:t>
+            </a:r>
+            <a:r>
+              <a:rPr lang="zh-TW" altLang="en-US" dirty="0"/>
+              <a:t>，讓開發團隊和資安團隊都需要「一起」來主動實踐資安、一起面對和處理漏洞、一起讓產品更安全。</a:t>
+            </a:r>
+            <a:endParaRPr lang="en-US" altLang="zh-TW" dirty="0"/>
+          </a:p>
+          <a:p>
+            <a:pPr marL="0" indent="0">
+              <a:buNone/>
+            </a:pPr>
+            <a:endParaRPr lang="en-US" altLang="zh-TW" dirty="0"/>
+          </a:p>
+          <a:p>
+            <a:r>
+              <a:rPr lang="zh-TW" altLang="en-US" b="1" dirty="0"/>
+              <a:t>由內而外</a:t>
+            </a:r>
+          </a:p>
+          <a:p>
+            <a:pPr marL="0" indent="0">
+              <a:buNone/>
+            </a:pPr>
+            <a:r>
+              <a:rPr lang="en-US" altLang="zh-TW" dirty="0" err="1"/>
+              <a:t>DevSecOps</a:t>
+            </a:r>
+            <a:r>
+              <a:rPr lang="en-US" altLang="zh-TW" dirty="0"/>
+              <a:t> </a:t>
+            </a:r>
+            <a:r>
+              <a:rPr lang="zh-TW" altLang="en-US" dirty="0"/>
+              <a:t>的合作理念，是希望資安不是由外部團隊額外掛上，是</a:t>
+            </a:r>
+            <a:r>
+              <a:rPr lang="zh-TW" altLang="en-US" b="1" dirty="0"/>
+              <a:t>由內而外</a:t>
+            </a:r>
+            <a:r>
+              <a:rPr lang="zh-TW" altLang="en-US" dirty="0"/>
+              <a:t>的延伸。</a:t>
+            </a:r>
+            <a:endParaRPr lang="en-US" altLang="zh-TW" dirty="0"/>
+          </a:p>
+        </p:txBody>
+      </p:sp>
+      <p:sp>
+        <p:nvSpPr>
+          <p:cNvPr id="4" name="Date Placeholder 3">
+            <a:extLst>
+              <a:ext uri="{FF2B5EF4-FFF2-40B4-BE49-F238E27FC236}">
+                <a16:creationId xmlns:a16="http://schemas.microsoft.com/office/drawing/2014/main" id="{BA6A7EAA-EDF5-48EC-A122-FB2C930DC2E5}"/>
+              </a:ext>
+            </a:extLst>
+          </p:cNvPr>
+          <p:cNvSpPr>
+            <a:spLocks noGrp="1"/>
+          </p:cNvSpPr>
+          <p:nvPr>
+            <p:ph type="dt" sz="half" idx="10"/>
+          </p:nvPr>
+        </p:nvSpPr>
+        <p:spPr/>
+        <p:txBody>
+          <a:bodyPr/>
+          <a:lstStyle/>
+          <a:p>
+            <a:fld id="{45DBC1AF-4BB3-4F7A-9493-F1920306AEEF}" type="datetime1">
+              <a:rPr lang="en-US" altLang="zh-TW" smtClean="0"/>
+              <a:t>12/11/2019</a:t>
+            </a:fld>
+            <a:endParaRPr lang="en-US" dirty="0"/>
+          </a:p>
+        </p:txBody>
+      </p:sp>
+      <p:sp>
+        <p:nvSpPr>
+          <p:cNvPr id="5" name="Footer Placeholder 4">
+            <a:extLst>
+              <a:ext uri="{FF2B5EF4-FFF2-40B4-BE49-F238E27FC236}">
+                <a16:creationId xmlns:a16="http://schemas.microsoft.com/office/drawing/2014/main" id="{F5A40807-6A20-4DE1-A300-1BD5D5833C22}"/>
+              </a:ext>
+            </a:extLst>
+          </p:cNvPr>
+          <p:cNvSpPr>
+            <a:spLocks noGrp="1"/>
+          </p:cNvSpPr>
+          <p:nvPr>
+            <p:ph type="ftr" sz="quarter" idx="11"/>
+          </p:nvPr>
+        </p:nvSpPr>
+        <p:spPr/>
+        <p:txBody>
+          <a:bodyPr/>
+          <a:lstStyle/>
+          <a:p>
+            <a:r>
+              <a:rPr lang="en-US"/>
+              <a:t>OOP and Software engineering final presentation, GIDS TMU</a:t>
+            </a:r>
+            <a:endParaRPr lang="en-US" dirty="0"/>
+          </a:p>
+        </p:txBody>
+      </p:sp>
+      <p:sp>
+        <p:nvSpPr>
+          <p:cNvPr id="6" name="Slide Number Placeholder 5">
+            <a:extLst>
+              <a:ext uri="{FF2B5EF4-FFF2-40B4-BE49-F238E27FC236}">
+                <a16:creationId xmlns:a16="http://schemas.microsoft.com/office/drawing/2014/main" id="{EDDEB7E0-9AE3-47F8-9A07-62384C9E625D}"/>
+              </a:ext>
+            </a:extLst>
+          </p:cNvPr>
+          <p:cNvSpPr>
+            <a:spLocks noGrp="1"/>
+          </p:cNvSpPr>
+          <p:nvPr>
+            <p:ph type="sldNum" sz="quarter" idx="12"/>
+          </p:nvPr>
+        </p:nvSpPr>
+        <p:spPr/>
+        <p:txBody>
+          <a:bodyPr/>
+          <a:lstStyle/>
+          <a:p>
+            <a:fld id="{D57F1E4F-1CFF-5643-939E-217C01CDF565}" type="slidenum">
+              <a:rPr lang="en-US" smtClean="0"/>
+              <a:pPr/>
+              <a:t>13</a:t>
+            </a:fld>
+            <a:endParaRPr lang="en-US" dirty="0"/>
+          </a:p>
+        </p:txBody>
+      </p:sp>
+    </p:spTree>
+    <p:extLst>
+      <p:ext uri="{BB962C8B-B14F-4D97-AF65-F5344CB8AC3E}">
+        <p14:creationId xmlns:p14="http://schemas.microsoft.com/office/powerpoint/2010/main" val="2018378018"/>
+      </p:ext>
+    </p:extLst>
+  </p:cSld>
+  <p:clrMapOvr>
+    <a:masterClrMapping/>
+  </p:clrMapOvr>
+</p:sld>
+</file>
+
+<file path=ppt/slides/slide14.xml><?xml version="1.0" encoding="utf-8"?>
 <p:sld xmlns:a="http://schemas.openxmlformats.org/drawingml/2006/main" xmlns:r="http://schemas.openxmlformats.org/officeDocument/2006/relationships" xmlns:p="http://schemas.openxmlformats.org/presentationml/2006/main">
   <p:cSld>
     <p:bg>
       <p:bgPr>
         <a:solidFill>
-          <a:schemeClr val="bg1"/>
+          <a:schemeClr val="bg2"/>
         </a:solidFill>
         <a:effectLst/>
       </p:bgPr>
@@ -16621,229 +14824,10 @@
       </p:grpSpPr>
       <p:sp>
         <p:nvSpPr>
-          <p:cNvPr id="2" name="Title 1">
+          <p:cNvPr id="22" name="Rectangle 21">
             <a:extLst>
               <a:ext uri="{FF2B5EF4-FFF2-40B4-BE49-F238E27FC236}">
-                <a16:creationId xmlns:a16="http://schemas.microsoft.com/office/drawing/2014/main" id="{921633EB-7DCB-4DDC-80AF-C885A3EE1245}"/>
-              </a:ext>
-            </a:extLst>
-          </p:cNvPr>
-          <p:cNvSpPr>
-            <a:spLocks noGrp="1"/>
-          </p:cNvSpPr>
-          <p:nvPr>
-            <p:ph type="title"/>
-          </p:nvPr>
-        </p:nvSpPr>
-        <p:spPr/>
-        <p:txBody>
-          <a:bodyPr/>
-          <a:lstStyle/>
-          <a:p>
-            <a:r>
-              <a:rPr lang="en-US" dirty="0"/>
-              <a:t>Competitive Landscape</a:t>
-            </a:r>
-          </a:p>
-        </p:txBody>
-      </p:sp>
-      <p:pic>
-        <p:nvPicPr>
-          <p:cNvPr id="11" name="Content Placeholder 4" descr="Charts">
-            <a:extLst>
-              <a:ext uri="{FF2B5EF4-FFF2-40B4-BE49-F238E27FC236}">
-                <a16:creationId xmlns:a16="http://schemas.microsoft.com/office/drawing/2014/main" id="{47D9BE16-119C-43B2-9AE6-18C4A150C0EF}"/>
-              </a:ext>
-            </a:extLst>
-          </p:cNvPr>
-          <p:cNvPicPr>
-            <a:picLocks noGrp="1" noChangeAspect="1"/>
-          </p:cNvPicPr>
-          <p:nvPr>
-            <p:ph sz="half" idx="1"/>
-          </p:nvPr>
-        </p:nvPicPr>
-        <p:blipFill rotWithShape="1">
-          <a:blip r:embed="rId3" cstate="screen">
-            <a:extLst>
-              <a:ext uri="{28A0092B-C50C-407E-A947-70E740481C1C}">
-                <a14:useLocalDpi xmlns:a14="http://schemas.microsoft.com/office/drawing/2010/main"/>
-              </a:ext>
-            </a:extLst>
-          </a:blip>
-          <a:stretch/>
-        </p:blipFill>
-        <p:spPr>
-          <a:xfrm>
-            <a:off x="581025" y="2231480"/>
-            <a:ext cx="5422900" cy="3625353"/>
-          </a:xfrm>
-        </p:spPr>
-      </p:pic>
-      <p:pic>
-        <p:nvPicPr>
-          <p:cNvPr id="18" name="Content Placeholder 17" descr="Chart placeholder">
-            <a:extLst>
-              <a:ext uri="{FF2B5EF4-FFF2-40B4-BE49-F238E27FC236}">
-                <a16:creationId xmlns:a16="http://schemas.microsoft.com/office/drawing/2014/main" id="{BFEA8EC1-23A4-4843-A9C3-AE771D73392A}"/>
-              </a:ext>
-            </a:extLst>
-          </p:cNvPr>
-          <p:cNvPicPr>
-            <a:picLocks noGrp="1" noChangeAspect="1"/>
-          </p:cNvPicPr>
-          <p:nvPr>
-            <p:ph sz="half" idx="2"/>
-          </p:nvPr>
-        </p:nvPicPr>
-        <p:blipFill>
-          <a:blip r:embed="rId4"/>
-          <a:stretch>
-            <a:fillRect/>
-          </a:stretch>
-        </p:blipFill>
-        <p:spPr>
-          <a:xfrm>
-            <a:off x="6201811" y="2571845"/>
-            <a:ext cx="5395428" cy="2944623"/>
-          </a:xfrm>
-          <a:prstGeom prst="rect">
-            <a:avLst/>
-          </a:prstGeom>
-        </p:spPr>
-      </p:pic>
-      <p:sp>
-        <p:nvSpPr>
-          <p:cNvPr id="3" name="Date Placeholder 2">
-            <a:extLst>
-              <a:ext uri="{FF2B5EF4-FFF2-40B4-BE49-F238E27FC236}">
-                <a16:creationId xmlns:a16="http://schemas.microsoft.com/office/drawing/2014/main" id="{423E5FCF-4F31-45C4-A105-D8A47E855451}"/>
-              </a:ext>
-            </a:extLst>
-          </p:cNvPr>
-          <p:cNvSpPr>
-            <a:spLocks noGrp="1"/>
-          </p:cNvSpPr>
-          <p:nvPr>
-            <p:ph type="dt" sz="half" idx="10"/>
-          </p:nvPr>
-        </p:nvSpPr>
-        <p:spPr/>
-        <p:txBody>
-          <a:bodyPr/>
-          <a:lstStyle/>
-          <a:p>
-            <a:fld id="{894D433E-2413-4328-B4AD-E3E17ABFB90A}" type="datetime1">
-              <a:rPr lang="en-US" altLang="zh-TW" smtClean="0"/>
-              <a:t>12/11/2019</a:t>
-            </a:fld>
-            <a:endParaRPr lang="en-US" dirty="0"/>
-          </a:p>
-        </p:txBody>
-      </p:sp>
-      <p:sp>
-        <p:nvSpPr>
-          <p:cNvPr id="4" name="Footer Placeholder 3">
-            <a:extLst>
-              <a:ext uri="{FF2B5EF4-FFF2-40B4-BE49-F238E27FC236}">
-                <a16:creationId xmlns:a16="http://schemas.microsoft.com/office/drawing/2014/main" id="{7E8B7A13-01AC-4109-A78C-1A0B5D488EA4}"/>
-              </a:ext>
-            </a:extLst>
-          </p:cNvPr>
-          <p:cNvSpPr>
-            <a:spLocks noGrp="1"/>
-          </p:cNvSpPr>
-          <p:nvPr>
-            <p:ph type="ftr" sz="quarter" idx="11"/>
-          </p:nvPr>
-        </p:nvSpPr>
-        <p:spPr/>
-        <p:txBody>
-          <a:bodyPr/>
-          <a:lstStyle/>
-          <a:p>
-            <a:r>
-              <a:rPr lang="en-US"/>
-              <a:t>OOP and Software engineering final presentation, GIDS TMU</a:t>
-            </a:r>
-            <a:endParaRPr lang="en-US" dirty="0"/>
-          </a:p>
-        </p:txBody>
-      </p:sp>
-      <p:sp>
-        <p:nvSpPr>
-          <p:cNvPr id="5" name="Slide Number Placeholder 4">
-            <a:extLst>
-              <a:ext uri="{FF2B5EF4-FFF2-40B4-BE49-F238E27FC236}">
-                <a16:creationId xmlns:a16="http://schemas.microsoft.com/office/drawing/2014/main" id="{195CC485-F941-4919-A65E-DF11BC4492DB}"/>
-              </a:ext>
-            </a:extLst>
-          </p:cNvPr>
-          <p:cNvSpPr>
-            <a:spLocks noGrp="1"/>
-          </p:cNvSpPr>
-          <p:nvPr>
-            <p:ph type="sldNum" sz="quarter" idx="12"/>
-          </p:nvPr>
-        </p:nvSpPr>
-        <p:spPr/>
-        <p:txBody>
-          <a:bodyPr/>
-          <a:lstStyle/>
-          <a:p>
-            <a:fld id="{D57F1E4F-1CFF-5643-939E-217C01CDF565}" type="slidenum">
-              <a:rPr lang="en-US" smtClean="0"/>
-              <a:pPr/>
-              <a:t>12</a:t>
-            </a:fld>
-            <a:endParaRPr lang="en-US" dirty="0"/>
-          </a:p>
-        </p:txBody>
-      </p:sp>
-    </p:spTree>
-    <p:extLst>
-      <p:ext uri="{BB962C8B-B14F-4D97-AF65-F5344CB8AC3E}">
-        <p14:creationId xmlns:p14="http://schemas.microsoft.com/office/powerpoint/2010/main" val="497607547"/>
-      </p:ext>
-    </p:extLst>
-  </p:cSld>
-  <p:clrMapOvr>
-    <a:masterClrMapping/>
-  </p:clrMapOvr>
-</p:sld>
-</file>
-
-<file path=ppt/slides/slide13.xml><?xml version="1.0" encoding="utf-8"?>
-<p:sld xmlns:a="http://schemas.openxmlformats.org/drawingml/2006/main" xmlns:r="http://schemas.openxmlformats.org/officeDocument/2006/relationships" xmlns:p="http://schemas.openxmlformats.org/presentationml/2006/main">
-  <p:cSld>
-    <p:bg>
-      <p:bgPr>
-        <a:solidFill>
-          <a:schemeClr val="bg1"/>
-        </a:solidFill>
-        <a:effectLst/>
-      </p:bgPr>
-    </p:bg>
-    <p:spTree>
-      <p:nvGrpSpPr>
-        <p:cNvPr id="1" name=""/>
-        <p:cNvGrpSpPr/>
-        <p:nvPr/>
-      </p:nvGrpSpPr>
-      <p:grpSpPr>
-        <a:xfrm>
-          <a:off x="0" y="0"/>
-          <a:ext cx="0" cy="0"/>
-          <a:chOff x="0" y="0"/>
-          <a:chExt cx="0" cy="0"/>
-        </a:xfrm>
-      </p:grpSpPr>
-      <p:sp useBgFill="1">
-        <p:nvSpPr>
-          <p:cNvPr id="10" name="Rectangle 9">
-            <a:extLst>
-              <a:ext uri="{FF2B5EF4-FFF2-40B4-BE49-F238E27FC236}">
-                <a16:creationId xmlns:a16="http://schemas.microsoft.com/office/drawing/2014/main" id="{379F11E2-8BA5-4C5C-AE7C-361E5EA011FF}"/>
+                <a16:creationId xmlns:a16="http://schemas.microsoft.com/office/drawing/2014/main" id="{88B624A8-BF06-4FB1-A761-D94F820E260A}"/>
               </a:ext>
               <a:ext uri="{C183D7F6-B498-43B3-948B-1728B52AA6E4}">
                 <adec:decorative xmlns:adec="http://schemas.microsoft.com/office/drawing/2017/decorative" val="1"/>
@@ -16863,12 +14847,15 @@
         </p:nvSpPr>
         <p:spPr>
           <a:xfrm>
-            <a:off x="0" y="1"/>
+            <a:off x="1" y="1"/>
             <a:ext cx="12191999" cy="6858000"/>
           </a:xfrm>
           <a:prstGeom prst="rect">
             <a:avLst/>
           </a:prstGeom>
+          <a:solidFill>
+            <a:srgbClr val="FFFFFF"/>
+          </a:solidFill>
           <a:ln>
             <a:noFill/>
           </a:ln>
@@ -16894,51 +14881,16 @@
           <a:lstStyle/>
           <a:p>
             <a:pPr algn="ctr"/>
-            <a:endParaRPr lang="en-US" dirty="0"/>
+            <a:endParaRPr lang="en-US"/>
           </a:p>
         </p:txBody>
       </p:sp>
-      <p:pic>
-        <p:nvPicPr>
-          <p:cNvPr id="5" name="Picture 4" descr="Digital Numbers">
+      <p:sp useBgFill="1">
+        <p:nvSpPr>
+          <p:cNvPr id="24" name="Rectangle 23">
             <a:extLst>
               <a:ext uri="{FF2B5EF4-FFF2-40B4-BE49-F238E27FC236}">
-                <a16:creationId xmlns:a16="http://schemas.microsoft.com/office/drawing/2014/main" id="{A21EA617-6D48-425F-97A8-7FEC82C8F401}"/>
-              </a:ext>
-            </a:extLst>
-          </p:cNvPr>
-          <p:cNvPicPr>
-            <a:picLocks noChangeAspect="1"/>
-          </p:cNvPicPr>
-          <p:nvPr/>
-        </p:nvPicPr>
-        <p:blipFill rotWithShape="1">
-          <a:blip r:embed="rId3" cstate="screen">
-            <a:extLst>
-              <a:ext uri="{28A0092B-C50C-407E-A947-70E740481C1C}">
-                <a14:useLocalDpi xmlns:a14="http://schemas.microsoft.com/office/drawing/2010/main"/>
-              </a:ext>
-            </a:extLst>
-          </a:blip>
-          <a:srcRect l="2189" r="9642" b="1"/>
-          <a:stretch/>
-        </p:blipFill>
-        <p:spPr>
-          <a:xfrm>
-            <a:off x="446534" y="723899"/>
-            <a:ext cx="7498616" cy="5676901"/>
-          </a:xfrm>
-          <a:prstGeom prst="rect">
-            <a:avLst/>
-          </a:prstGeom>
-        </p:spPr>
-      </p:pic>
-      <p:sp>
-        <p:nvSpPr>
-          <p:cNvPr id="12" name="Rectangle 11">
-            <a:extLst>
-              <a:ext uri="{FF2B5EF4-FFF2-40B4-BE49-F238E27FC236}">
-                <a16:creationId xmlns:a16="http://schemas.microsoft.com/office/drawing/2014/main" id="{7C00E1DA-EC7C-40FC-95E3-11FDCD2E4291}"/>
+                <a16:creationId xmlns:a16="http://schemas.microsoft.com/office/drawing/2014/main" id="{58C0B0CE-FF3C-4C1E-9ABE-05444B2A6BDE}"/>
               </a:ext>
               <a:ext uri="{C183D7F6-B498-43B3-948B-1728B52AA6E4}">
                 <adec:decorative xmlns:adec="http://schemas.microsoft.com/office/drawing/2017/decorative" val="1"/>
@@ -16958,15 +14910,63 @@
         </p:nvSpPr>
         <p:spPr>
           <a:xfrm>
-            <a:off x="8042147" y="723899"/>
-            <a:ext cx="3703320" cy="5666666"/>
+            <a:off x="4247386" y="457200"/>
+            <a:ext cx="7498080" cy="94997"/>
           </a:xfrm>
           <a:prstGeom prst="rect">
             <a:avLst/>
           </a:prstGeom>
-          <a:solidFill>
+          <a:ln>
+            <a:noFill/>
+          </a:ln>
+          <a:effectLst/>
+        </p:spPr>
+        <p:style>
+          <a:lnRef idx="1">
             <a:schemeClr val="accent1"/>
-          </a:solidFill>
+          </a:lnRef>
+          <a:fillRef idx="3">
+            <a:schemeClr val="accent1"/>
+          </a:fillRef>
+          <a:effectRef idx="2">
+            <a:schemeClr val="accent1"/>
+          </a:effectRef>
+          <a:fontRef idx="minor">
+            <a:schemeClr val="lt1"/>
+          </a:fontRef>
+        </p:style>
+      </p:sp>
+      <p:sp useBgFill="1">
+        <p:nvSpPr>
+          <p:cNvPr id="26" name="Rectangle 25">
+            <a:extLst>
+              <a:ext uri="{FF2B5EF4-FFF2-40B4-BE49-F238E27FC236}">
+                <a16:creationId xmlns:a16="http://schemas.microsoft.com/office/drawing/2014/main" id="{0847D54B-5FE5-4B02-93CC-3F9C5070A0F0}"/>
+              </a:ext>
+              <a:ext uri="{C183D7F6-B498-43B3-948B-1728B52AA6E4}">
+                <adec:decorative xmlns:adec="http://schemas.microsoft.com/office/drawing/2017/decorative" val="1"/>
+              </a:ext>
+            </a:extLst>
+          </p:cNvPr>
+          <p:cNvSpPr>
+            <a:spLocks noGrp="1" noRot="1" noChangeAspect="1" noMove="1" noResize="1" noEditPoints="1" noAdjustHandles="1" noChangeArrowheads="1" noChangeShapeType="1" noTextEdit="1"/>
+          </p:cNvSpPr>
+          <p:nvPr>
+            <p:extLst>
+              <p:ext uri="{386F3935-93C4-4BCD-93E2-E3B085C9AB24}">
+                <p16:designElem xmlns:p16="http://schemas.microsoft.com/office/powerpoint/2015/main" val="1"/>
+              </p:ext>
+            </p:extLst>
+          </p:nvPr>
+        </p:nvSpPr>
+        <p:spPr>
+          <a:xfrm>
+            <a:off x="4246850" y="638175"/>
+            <a:ext cx="7498616" cy="5752390"/>
+          </a:xfrm>
+          <a:prstGeom prst="rect">
+            <a:avLst/>
+          </a:prstGeom>
           <a:ln>
             <a:noFill/>
           </a:ln>
@@ -17005,8 +15005,8 @@
         </p:nvSpPr>
         <p:spPr>
           <a:xfrm>
-            <a:off x="8296275" y="1419226"/>
-            <a:ext cx="3081576" cy="1746762"/>
+            <a:off x="4614466" y="1656292"/>
+            <a:ext cx="6798608" cy="2085869"/>
           </a:xfrm>
         </p:spPr>
         <p:txBody>
@@ -17018,11 +15018,32 @@
             <a:r>
               <a:rPr lang="en-US" dirty="0">
                 <a:solidFill>
-                  <a:srgbClr val="FFFFFF"/>
+                  <a:schemeClr val="tx2"/>
                 </a:solidFill>
               </a:rPr>
               <a:t>Thank You</a:t>
             </a:r>
+            <a:r>
+              <a:rPr lang="zh-TW" altLang="en-US" dirty="0">
+                <a:solidFill>
+                  <a:schemeClr val="tx2"/>
+                </a:solidFill>
+              </a:rPr>
+              <a:t> </a:t>
+            </a:r>
+            <a:r>
+              <a:rPr lang="en-US" altLang="zh-TW" dirty="0">
+                <a:solidFill>
+                  <a:schemeClr val="tx2"/>
+                </a:solidFill>
+              </a:rPr>
+              <a:t>For listening !!!</a:t>
+            </a:r>
+            <a:endParaRPr lang="en-US" dirty="0">
+              <a:solidFill>
+                <a:schemeClr val="tx2"/>
+              </a:solidFill>
+            </a:endParaRPr>
           </a:p>
         </p:txBody>
       </p:sp>
@@ -17044,8 +15065,8 @@
         </p:nvSpPr>
         <p:spPr>
           <a:xfrm>
-            <a:off x="8296275" y="3505095"/>
-            <a:ext cx="3081576" cy="2629006"/>
+            <a:off x="4614466" y="3742162"/>
+            <a:ext cx="6798608" cy="1733655"/>
           </a:xfrm>
         </p:spPr>
         <p:txBody>
@@ -17054,219 +15075,134 @@
           </a:bodyPr>
           <a:lstStyle/>
           <a:p>
-            <a:r>
-              <a:rPr lang="en-US" dirty="0">
-                <a:solidFill>
-                  <a:schemeClr val="bg2"/>
-                </a:solidFill>
-              </a:rPr>
-              <a:t>someone@example.com</a:t>
-            </a:r>
-          </a:p>
-          <a:p>
-            <a:endParaRPr lang="en-US" dirty="0">
+            <a:endParaRPr lang="en-US">
               <a:solidFill>
-                <a:schemeClr val="bg2"/>
+                <a:schemeClr val="tx2">
+                  <a:alpha val="75000"/>
+                </a:schemeClr>
               </a:solidFill>
             </a:endParaRPr>
           </a:p>
           <a:p>
-            <a:endParaRPr lang="en-US" dirty="0">
+            <a:endParaRPr lang="en-US">
               <a:solidFill>
-                <a:schemeClr val="bg2"/>
+                <a:schemeClr val="tx2">
+                  <a:alpha val="75000"/>
+                </a:schemeClr>
               </a:solidFill>
             </a:endParaRPr>
           </a:p>
         </p:txBody>
       </p:sp>
-      <p:grpSp>
-        <p:nvGrpSpPr>
-          <p:cNvPr id="14" name="Group 13">
+      <p:pic>
+        <p:nvPicPr>
+          <p:cNvPr id="5" name="Picture 4" descr="Digital Numbers">
             <a:extLst>
               <a:ext uri="{FF2B5EF4-FFF2-40B4-BE49-F238E27FC236}">
-                <a16:creationId xmlns:a16="http://schemas.microsoft.com/office/drawing/2014/main" id="{9A421166-2996-41A7-B094-AE5316F347DD}"/>
-              </a:ext>
-              <a:ext uri="{C183D7F6-B498-43B3-948B-1728B52AA6E4}">
-                <adec:decorative xmlns:adec="http://schemas.microsoft.com/office/drawing/2017/decorative" val="1"/>
+                <a16:creationId xmlns:a16="http://schemas.microsoft.com/office/drawing/2014/main" id="{A21EA617-6D48-425F-97A8-7FEC82C8F401}"/>
               </a:ext>
             </a:extLst>
           </p:cNvPr>
-          <p:cNvGrpSpPr>
-            <a:grpSpLocks noGrp="1" noUngrp="1" noRot="1" noChangeAspect="1" noMove="1" noResize="1"/>
-          </p:cNvGrpSpPr>
+          <p:cNvPicPr>
+            <a:picLocks noChangeAspect="1"/>
+          </p:cNvPicPr>
+          <p:nvPr/>
+        </p:nvPicPr>
+        <p:blipFill rotWithShape="1">
+          <a:blip r:embed="rId3" cstate="screen">
+            <a:extLst>
+              <a:ext uri="{28A0092B-C50C-407E-A947-70E740481C1C}">
+                <a14:useLocalDpi xmlns:a14="http://schemas.microsoft.com/office/drawing/2010/main"/>
+              </a:ext>
+            </a:extLst>
+          </a:blip>
+          <a:srcRect l="2189" r="9642" b="1"/>
+          <a:stretch/>
+        </p:blipFill>
+        <p:spPr>
+          <a:xfrm>
+            <a:off x="778926" y="787885"/>
+            <a:ext cx="3146191" cy="2381858"/>
+          </a:xfrm>
+          <a:prstGeom prst="rect">
+            <a:avLst/>
+          </a:prstGeom>
+        </p:spPr>
+      </p:pic>
+      <p:pic>
+        <p:nvPicPr>
+          <p:cNvPr id="9" name="Picture 8" descr="A close up of a logo&#10;&#10;Description automatically generated">
+            <a:extLst>
+              <a:ext uri="{FF2B5EF4-FFF2-40B4-BE49-F238E27FC236}">
+                <a16:creationId xmlns:a16="http://schemas.microsoft.com/office/drawing/2014/main" id="{15BEEAAC-DA20-4052-A361-ACA554667182}"/>
+              </a:ext>
+            </a:extLst>
+          </p:cNvPr>
+          <p:cNvPicPr>
+            <a:picLocks noChangeAspect="1"/>
+          </p:cNvPicPr>
+          <p:nvPr/>
+        </p:nvPicPr>
+        <p:blipFill>
+          <a:blip r:embed="rId4"/>
+          <a:stretch>
+            <a:fillRect/>
+          </a:stretch>
+        </p:blipFill>
+        <p:spPr>
+          <a:xfrm>
+            <a:off x="946459" y="3589675"/>
+            <a:ext cx="2811124" cy="2811124"/>
+          </a:xfrm>
+          <a:prstGeom prst="rect">
+            <a:avLst/>
+          </a:prstGeom>
+        </p:spPr>
+      </p:pic>
+      <p:sp>
+        <p:nvSpPr>
+          <p:cNvPr id="6" name="Footer Placeholder 5">
+            <a:extLst>
+              <a:ext uri="{FF2B5EF4-FFF2-40B4-BE49-F238E27FC236}">
+                <a16:creationId xmlns:a16="http://schemas.microsoft.com/office/drawing/2014/main" id="{D9B8C904-A5EF-4CBA-9442-BE4CB86FD908}"/>
+              </a:ext>
+            </a:extLst>
+          </p:cNvPr>
+          <p:cNvSpPr>
+            <a:spLocks noGrp="1"/>
+          </p:cNvSpPr>
           <p:nvPr>
-            <p:extLst>
-              <p:ext uri="{386F3935-93C4-4BCD-93E2-E3B085C9AB24}">
-                <p16:designElem xmlns:p16="http://schemas.microsoft.com/office/powerpoint/2015/main" val="1"/>
-              </p:ext>
-            </p:extLst>
+            <p:ph type="ftr" sz="quarter" idx="11"/>
           </p:nvPr>
-        </p:nvGrpSpPr>
-        <p:grpSpPr>
+        </p:nvSpPr>
+        <p:spPr>
           <a:xfrm>
-            <a:off x="446534" y="453643"/>
-            <a:ext cx="11298933" cy="98554"/>
-            <a:chOff x="446534" y="453643"/>
-            <a:chExt cx="11298933" cy="98554"/>
+            <a:off x="581192" y="6400800"/>
+            <a:ext cx="6917210" cy="365125"/>
           </a:xfrm>
-        </p:grpSpPr>
-        <p:sp>
-          <p:nvSpPr>
-            <p:cNvPr id="15" name="Rectangle 14">
-              <a:extLst>
-                <a:ext uri="{FF2B5EF4-FFF2-40B4-BE49-F238E27FC236}">
-                  <a16:creationId xmlns:a16="http://schemas.microsoft.com/office/drawing/2014/main" id="{FDBB1B92-A3EB-43E4-8FAB-D20E8ED14CEF}"/>
-                </a:ext>
-                <a:ext uri="{C183D7F6-B498-43B3-948B-1728B52AA6E4}">
-                  <adec:decorative xmlns:adec="http://schemas.microsoft.com/office/drawing/2017/decorative" val="1"/>
-                </a:ext>
-              </a:extLst>
-            </p:cNvPr>
-            <p:cNvSpPr/>
-            <p:nvPr>
-              <p:extLst>
-                <p:ext uri="{386F3935-93C4-4BCD-93E2-E3B085C9AB24}">
-                  <p16:designElem xmlns:p16="http://schemas.microsoft.com/office/powerpoint/2015/main" val="1"/>
-                </p:ext>
-              </p:extLst>
-            </p:nvPr>
-          </p:nvSpPr>
-          <p:spPr>
-            <a:xfrm>
-              <a:off x="446534" y="457200"/>
-              <a:ext cx="3703320" cy="94997"/>
-            </a:xfrm>
-            <a:prstGeom prst="rect">
-              <a:avLst/>
-            </a:prstGeom>
-            <a:solidFill>
-              <a:schemeClr val="accent1"/>
-            </a:solidFill>
-            <a:ln>
-              <a:noFill/>
-            </a:ln>
-            <a:effectLst/>
-          </p:spPr>
-          <p:style>
-            <a:lnRef idx="1">
-              <a:schemeClr val="accent1"/>
-            </a:lnRef>
-            <a:fillRef idx="3">
-              <a:schemeClr val="accent1"/>
-            </a:fillRef>
-            <a:effectRef idx="2">
-              <a:schemeClr val="accent1"/>
-            </a:effectRef>
-            <a:fontRef idx="minor">
-              <a:schemeClr val="lt1"/>
-            </a:fontRef>
-          </p:style>
-        </p:sp>
-        <p:sp>
-          <p:nvSpPr>
-            <p:cNvPr id="16" name="Rectangle 15">
-              <a:extLst>
-                <a:ext uri="{FF2B5EF4-FFF2-40B4-BE49-F238E27FC236}">
-                  <a16:creationId xmlns:a16="http://schemas.microsoft.com/office/drawing/2014/main" id="{3F3972F4-FE7E-48EA-AAD8-9BE5750A6672}"/>
-                </a:ext>
-                <a:ext uri="{C183D7F6-B498-43B3-948B-1728B52AA6E4}">
-                  <adec:decorative xmlns:adec="http://schemas.microsoft.com/office/drawing/2017/decorative" val="1"/>
-                </a:ext>
-              </a:extLst>
-            </p:cNvPr>
-            <p:cNvSpPr/>
-            <p:nvPr>
-              <p:extLst>
-                <p:ext uri="{386F3935-93C4-4BCD-93E2-E3B085C9AB24}">
-                  <p16:designElem xmlns:p16="http://schemas.microsoft.com/office/powerpoint/2015/main" val="1"/>
-                </p:ext>
-              </p:extLst>
-            </p:nvPr>
-          </p:nvSpPr>
-          <p:spPr>
-            <a:xfrm>
-              <a:off x="8042147" y="453643"/>
-              <a:ext cx="3703320" cy="98554"/>
-            </a:xfrm>
-            <a:prstGeom prst="rect">
-              <a:avLst/>
-            </a:prstGeom>
-            <a:solidFill>
-              <a:schemeClr val="accent4"/>
-            </a:solidFill>
-            <a:ln>
-              <a:noFill/>
-            </a:ln>
-            <a:effectLst/>
-          </p:spPr>
-          <p:style>
-            <a:lnRef idx="1">
-              <a:schemeClr val="accent1"/>
-            </a:lnRef>
-            <a:fillRef idx="3">
-              <a:schemeClr val="accent1"/>
-            </a:fillRef>
-            <a:effectRef idx="2">
-              <a:schemeClr val="accent1"/>
-            </a:effectRef>
-            <a:fontRef idx="minor">
-              <a:schemeClr val="lt1"/>
-            </a:fontRef>
-          </p:style>
-        </p:sp>
-        <p:sp>
-          <p:nvSpPr>
-            <p:cNvPr id="17" name="Rectangle 16">
-              <a:extLst>
-                <a:ext uri="{FF2B5EF4-FFF2-40B4-BE49-F238E27FC236}">
-                  <a16:creationId xmlns:a16="http://schemas.microsoft.com/office/drawing/2014/main" id="{221614E5-870B-4D5E-A43B-8FF7E5323484}"/>
-                </a:ext>
-                <a:ext uri="{C183D7F6-B498-43B3-948B-1728B52AA6E4}">
-                  <adec:decorative xmlns:adec="http://schemas.microsoft.com/office/drawing/2017/decorative" val="1"/>
-                </a:ext>
-              </a:extLst>
-            </p:cNvPr>
-            <p:cNvSpPr/>
-            <p:nvPr>
-              <p:extLst>
-                <p:ext uri="{386F3935-93C4-4BCD-93E2-E3B085C9AB24}">
-                  <p16:designElem xmlns:p16="http://schemas.microsoft.com/office/powerpoint/2015/main" val="1"/>
-                </p:ext>
-              </p:extLst>
-            </p:nvPr>
-          </p:nvSpPr>
-          <p:spPr>
-            <a:xfrm>
-              <a:off x="4241830" y="457200"/>
-              <a:ext cx="3703320" cy="91440"/>
-            </a:xfrm>
-            <a:prstGeom prst="rect">
-              <a:avLst/>
-            </a:prstGeom>
-            <a:solidFill>
-              <a:schemeClr val="accent2"/>
-            </a:solidFill>
-            <a:ln>
-              <a:noFill/>
-            </a:ln>
-            <a:effectLst/>
-          </p:spPr>
-          <p:style>
-            <a:lnRef idx="1">
-              <a:schemeClr val="accent1"/>
-            </a:lnRef>
-            <a:fillRef idx="3">
-              <a:schemeClr val="accent1"/>
-            </a:fillRef>
-            <a:effectRef idx="2">
-              <a:schemeClr val="accent1"/>
-            </a:effectRef>
-            <a:fontRef idx="minor">
-              <a:schemeClr val="lt1"/>
-            </a:fontRef>
-          </p:style>
-        </p:sp>
-      </p:grpSp>
+        </p:spPr>
+        <p:txBody>
+          <a:bodyPr>
+            <a:normAutofit/>
+          </a:bodyPr>
+          <a:lstStyle/>
+          <a:p>
+            <a:pPr>
+              <a:spcAft>
+                <a:spcPts val="600"/>
+              </a:spcAft>
+            </a:pPr>
+            <a:r>
+              <a:rPr lang="en-US">
+                <a:solidFill>
+                  <a:srgbClr val="3D3D3D"/>
+                </a:solidFill>
+              </a:rPr>
+              <a:t>OOP and Software engineering final presentation, GIDS TMU</a:t>
+            </a:r>
+          </a:p>
+        </p:txBody>
+      </p:sp>
       <p:sp>
         <p:nvSpPr>
           <p:cNvPr id="4" name="Date Placeholder 3">
@@ -17283,45 +15219,41 @@
             <p:ph type="dt" sz="half" idx="10"/>
           </p:nvPr>
         </p:nvSpPr>
-        <p:spPr/>
+        <p:spPr>
+          <a:xfrm>
+            <a:off x="7605951" y="6400800"/>
+            <a:ext cx="2844800" cy="365125"/>
+          </a:xfrm>
+        </p:spPr>
         <p:txBody>
-          <a:bodyPr/>
+          <a:bodyPr>
+            <a:normAutofit/>
+          </a:bodyPr>
           <a:lstStyle/>
           <a:p>
+            <a:pPr>
+              <a:spcAft>
+                <a:spcPts val="600"/>
+              </a:spcAft>
+            </a:pPr>
             <a:fld id="{65331B25-E481-40AB-B261-02EE697CE0C3}" type="datetime1">
-              <a:rPr lang="en-US" altLang="zh-TW" smtClean="0"/>
+              <a:rPr lang="en-US" altLang="zh-TW">
+                <a:solidFill>
+                  <a:srgbClr val="3D3D3D"/>
+                </a:solidFill>
+              </a:rPr>
+              <a:pPr>
+                <a:spcAft>
+                  <a:spcPts val="600"/>
+                </a:spcAft>
+              </a:pPr>
               <a:t>12/11/2019</a:t>
             </a:fld>
-            <a:endParaRPr lang="en-US" dirty="0"/>
-          </a:p>
-        </p:txBody>
-      </p:sp>
-      <p:sp>
-        <p:nvSpPr>
-          <p:cNvPr id="6" name="Footer Placeholder 5">
-            <a:extLst>
-              <a:ext uri="{FF2B5EF4-FFF2-40B4-BE49-F238E27FC236}">
-                <a16:creationId xmlns:a16="http://schemas.microsoft.com/office/drawing/2014/main" id="{D9B8C904-A5EF-4CBA-9442-BE4CB86FD908}"/>
-              </a:ext>
-            </a:extLst>
-          </p:cNvPr>
-          <p:cNvSpPr>
-            <a:spLocks noGrp="1"/>
-          </p:cNvSpPr>
-          <p:nvPr>
-            <p:ph type="ftr" sz="quarter" idx="11"/>
-          </p:nvPr>
-        </p:nvSpPr>
-        <p:spPr/>
-        <p:txBody>
-          <a:bodyPr/>
-          <a:lstStyle/>
-          <a:p>
-            <a:r>
-              <a:rPr lang="en-US"/>
-              <a:t>OOP and Software engineering final presentation, GIDS TMU</a:t>
-            </a:r>
-            <a:endParaRPr lang="en-US" dirty="0"/>
+            <a:endParaRPr lang="en-US">
+              <a:solidFill>
+                <a:srgbClr val="3D3D3D"/>
+              </a:solidFill>
+            </a:endParaRPr>
           </a:p>
         </p:txBody>
       </p:sp>
@@ -17341,17 +15273,41 @@
             <p:ph type="sldNum" sz="quarter" idx="12"/>
           </p:nvPr>
         </p:nvSpPr>
-        <p:spPr/>
+        <p:spPr>
+          <a:xfrm>
+            <a:off x="10558300" y="6400800"/>
+            <a:ext cx="1016440" cy="365125"/>
+          </a:xfrm>
+        </p:spPr>
         <p:txBody>
-          <a:bodyPr/>
+          <a:bodyPr>
+            <a:normAutofit/>
+          </a:bodyPr>
           <a:lstStyle/>
           <a:p>
+            <a:pPr>
+              <a:spcAft>
+                <a:spcPts val="600"/>
+              </a:spcAft>
+            </a:pPr>
             <a:fld id="{D57F1E4F-1CFF-5643-939E-217C01CDF565}" type="slidenum">
-              <a:rPr lang="en-US" smtClean="0"/>
-              <a:pPr/>
-              <a:t>13</a:t>
+              <a:rPr lang="en-US">
+                <a:solidFill>
+                  <a:srgbClr val="3D3D3D"/>
+                </a:solidFill>
+              </a:rPr>
+              <a:pPr>
+                <a:spcAft>
+                  <a:spcPts val="600"/>
+                </a:spcAft>
+              </a:pPr>
+              <a:t>14</a:t>
             </a:fld>
-            <a:endParaRPr lang="en-US" dirty="0"/>
+            <a:endParaRPr lang="en-US">
+              <a:solidFill>
+                <a:srgbClr val="3D3D3D"/>
+              </a:solidFill>
+            </a:endParaRPr>
           </a:p>
         </p:txBody>
       </p:sp>
@@ -17363,12 +15319,12 @@
     </p:extLst>
   </p:cSld>
   <p:clrMapOvr>
-    <a:masterClrMapping/>
+    <a:overrideClrMapping bg1="dk1" tx1="lt1" bg2="dk2" tx2="lt2" accent1="accent1" accent2="accent2" accent3="accent3" accent4="accent4" accent5="accent5" accent6="accent6" hlink="hlink" folHlink="folHlink"/>
   </p:clrMapOvr>
 </p:sld>
 </file>
 
-<file path=ppt/slides/slide14.xml><?xml version="1.0" encoding="utf-8"?>
+<file path=ppt/slides/slide15.xml><?xml version="1.0" encoding="utf-8"?>
 <p:sld xmlns:a="http://schemas.openxmlformats.org/drawingml/2006/main" xmlns:r="http://schemas.openxmlformats.org/officeDocument/2006/relationships" xmlns:p="http://schemas.openxmlformats.org/presentationml/2006/main">
   <p:cSld>
     <p:spTree>
@@ -17521,6 +15477,27 @@
             </a:r>
             <a:endParaRPr lang="en-US" altLang="zh-TW" dirty="0"/>
           </a:p>
+          <a:p>
+            <a:r>
+              <a:rPr lang="en-US" altLang="zh-TW" dirty="0" err="1">
+                <a:hlinkClick r:id="rId9"/>
+              </a:rPr>
+              <a:t>DevSecOps</a:t>
+            </a:r>
+            <a:r>
+              <a:rPr lang="en-US" altLang="zh-TW" dirty="0">
+                <a:hlinkClick r:id="rId9"/>
+              </a:rPr>
+              <a:t> </a:t>
+            </a:r>
+            <a:r>
+              <a:rPr lang="zh-TW" altLang="en-US" dirty="0">
+                <a:hlinkClick r:id="rId9"/>
+              </a:rPr>
+              <a:t>方法論與理念</a:t>
+            </a:r>
+            <a:endParaRPr lang="en-US" altLang="zh-TW" dirty="0"/>
+          </a:p>
         </p:txBody>
       </p:sp>
       <p:sp>
@@ -17605,7 +15582,7 @@
             <a:fld id="{D57F1E4F-1CFF-5643-939E-217C01CDF565}" type="slidenum">
               <a:rPr lang="en-US" smtClean="0"/>
               <a:pPr/>
-              <a:t>14</a:t>
+              <a:t>15</a:t>
             </a:fld>
             <a:endParaRPr lang="en-US" dirty="0"/>
           </a:p>
@@ -17688,10 +15665,38 @@
         </p:nvSpPr>
         <p:spPr/>
         <p:txBody>
-          <a:bodyPr/>
+          <a:bodyPr>
+            <a:normAutofit/>
+          </a:bodyPr>
           <a:lstStyle/>
           <a:p>
-            <a:endParaRPr lang="zh-TW" altLang="en-US"/>
+            <a:pPr marL="0" indent="0">
+              <a:buNone/>
+            </a:pPr>
+            <a:r>
+              <a:rPr lang="zh-TW" altLang="en-US" sz="3200" dirty="0"/>
+              <a:t>介紹 </a:t>
+            </a:r>
+            <a:r>
+              <a:rPr lang="en-US" altLang="zh-TW" sz="3200" dirty="0"/>
+              <a:t>DevOps </a:t>
+            </a:r>
+            <a:r>
+              <a:rPr lang="zh-TW" altLang="en-US" sz="3200" dirty="0"/>
+              <a:t>開發測試新概念與設計，以及資訊安全領域和概況，最後簡單介紹資訊安全應用於程式開發 </a:t>
+            </a:r>
+            <a:r>
+              <a:rPr lang="en-US" altLang="zh-TW" sz="3200" dirty="0" err="1"/>
+              <a:t>DevSecOps</a:t>
+            </a:r>
+            <a:r>
+              <a:rPr lang="en-US" altLang="zh-TW" sz="3200" dirty="0"/>
+              <a:t> </a:t>
+            </a:r>
+            <a:r>
+              <a:rPr lang="zh-TW" altLang="en-US" sz="3200" dirty="0"/>
+              <a:t>有哪些重要環節與限制。</a:t>
+            </a:r>
           </a:p>
         </p:txBody>
       </p:sp>
@@ -18258,6 +16263,138 @@
               <a:t>3</a:t>
             </a:fld>
             <a:endParaRPr lang="en-US" dirty="0"/>
+          </a:p>
+        </p:txBody>
+      </p:sp>
+      <p:sp>
+        <p:nvSpPr>
+          <p:cNvPr id="7" name="文字方塊 6"/>
+          <p:cNvSpPr txBox="1"/>
+          <p:nvPr/>
+        </p:nvSpPr>
+        <p:spPr>
+          <a:xfrm>
+            <a:off x="921716" y="2604211"/>
+            <a:ext cx="614477" cy="584775"/>
+          </a:xfrm>
+          <a:prstGeom prst="rect">
+            <a:avLst/>
+          </a:prstGeom>
+          <a:noFill/>
+        </p:spPr>
+        <p:txBody>
+          <a:bodyPr wrap="square" rtlCol="0">
+            <a:spAutoFit/>
+          </a:bodyPr>
+          <a:lstStyle/>
+          <a:p>
+            <a:pPr algn="ctr"/>
+            <a:r>
+              <a:rPr lang="en-US" altLang="zh-TW" sz="3200" b="1" dirty="0">
+                <a:ln w="22225">
+                  <a:solidFill>
+                    <a:schemeClr val="accent2"/>
+                  </a:solidFill>
+                  <a:prstDash val="solid"/>
+                </a:ln>
+                <a:solidFill>
+                  <a:schemeClr val="accent2">
+                    <a:lumMod val="40000"/>
+                    <a:lumOff val="60000"/>
+                  </a:schemeClr>
+                </a:solidFill>
+              </a:rPr>
+              <a:t>1</a:t>
+            </a:r>
+            <a:endParaRPr lang="zh-TW" altLang="en-US" dirty="0"/>
+          </a:p>
+        </p:txBody>
+      </p:sp>
+      <p:sp>
+        <p:nvSpPr>
+          <p:cNvPr id="19" name="文字方塊 18"/>
+          <p:cNvSpPr txBox="1"/>
+          <p:nvPr/>
+        </p:nvSpPr>
+        <p:spPr>
+          <a:xfrm>
+            <a:off x="1155802" y="3675804"/>
+            <a:ext cx="614477" cy="584775"/>
+          </a:xfrm>
+          <a:prstGeom prst="rect">
+            <a:avLst/>
+          </a:prstGeom>
+          <a:noFill/>
+        </p:spPr>
+        <p:txBody>
+          <a:bodyPr wrap="square" rtlCol="0">
+            <a:spAutoFit/>
+          </a:bodyPr>
+          <a:lstStyle/>
+          <a:p>
+            <a:pPr algn="ctr"/>
+            <a:r>
+              <a:rPr lang="en-US" altLang="zh-TW" sz="3200" b="1" dirty="0">
+                <a:ln w="22225">
+                  <a:solidFill>
+                    <a:schemeClr val="accent2"/>
+                  </a:solidFill>
+                  <a:prstDash val="solid"/>
+                </a:ln>
+                <a:solidFill>
+                  <a:schemeClr val="accent2">
+                    <a:lumMod val="40000"/>
+                    <a:lumOff val="60000"/>
+                  </a:schemeClr>
+                </a:solidFill>
+              </a:rPr>
+              <a:t>2</a:t>
+            </a:r>
+            <a:endParaRPr lang="zh-TW" altLang="en-US" dirty="0"/>
+          </a:p>
+        </p:txBody>
+      </p:sp>
+      <p:sp>
+        <p:nvSpPr>
+          <p:cNvPr id="20" name="文字方塊 19"/>
+          <p:cNvSpPr txBox="1"/>
+          <p:nvPr/>
+        </p:nvSpPr>
+        <p:spPr>
+          <a:xfrm>
+            <a:off x="921715" y="4765620"/>
+            <a:ext cx="614477" cy="584775"/>
+          </a:xfrm>
+          <a:prstGeom prst="rect">
+            <a:avLst/>
+          </a:prstGeom>
+          <a:noFill/>
+        </p:spPr>
+        <p:txBody>
+          <a:bodyPr wrap="square" rtlCol="0">
+            <a:spAutoFit/>
+          </a:bodyPr>
+          <a:lstStyle/>
+          <a:p>
+            <a:pPr algn="ctr"/>
+            <a:r>
+              <a:rPr lang="en-US" altLang="zh-TW" sz="3200" b="1" dirty="0">
+                <a:ln w="22225">
+                  <a:solidFill>
+                    <a:schemeClr val="accent2"/>
+                  </a:solidFill>
+                  <a:prstDash val="solid"/>
+                </a:ln>
+                <a:solidFill>
+                  <a:schemeClr val="accent2">
+                    <a:lumMod val="40000"/>
+                    <a:lumOff val="60000"/>
+                  </a:schemeClr>
+                </a:solidFill>
+              </a:rPr>
+              <a:t>3</a:t>
+            </a:r>
+            <a:endParaRPr lang="zh-TW" altLang="en-US" dirty="0"/>
           </a:p>
         </p:txBody>
       </p:sp>
